--- a/Design Patterns.pptx
+++ b/Design Patterns.pptx
@@ -5,7 +5,7 @@
     <p:sldMasterId id="2147483648" r:id="rId1"/>
   </p:sldMasterIdLst>
   <p:notesMasterIdLst>
-    <p:notesMasterId r:id="rId17"/>
+    <p:notesMasterId r:id="rId19"/>
   </p:notesMasterIdLst>
   <p:sldIdLst>
     <p:sldId id="256" r:id="rId2"/>
@@ -15,14 +15,16 @@
     <p:sldId id="265" r:id="rId6"/>
     <p:sldId id="268" r:id="rId7"/>
     <p:sldId id="260" r:id="rId8"/>
-    <p:sldId id="267" r:id="rId9"/>
-    <p:sldId id="270" r:id="rId10"/>
-    <p:sldId id="262" r:id="rId11"/>
-    <p:sldId id="266" r:id="rId12"/>
-    <p:sldId id="271" r:id="rId13"/>
-    <p:sldId id="263" r:id="rId14"/>
-    <p:sldId id="272" r:id="rId15"/>
-    <p:sldId id="264" r:id="rId16"/>
+    <p:sldId id="270" r:id="rId9"/>
+    <p:sldId id="262" r:id="rId10"/>
+    <p:sldId id="266" r:id="rId11"/>
+    <p:sldId id="271" r:id="rId12"/>
+    <p:sldId id="263" r:id="rId13"/>
+    <p:sldId id="272" r:id="rId14"/>
+    <p:sldId id="264" r:id="rId15"/>
+    <p:sldId id="273" r:id="rId16"/>
+    <p:sldId id="274" r:id="rId17"/>
+    <p:sldId id="275" r:id="rId18"/>
   </p:sldIdLst>
   <p:sldSz cx="12192000" cy="6858000"/>
   <p:notesSz cx="6858000" cy="9144000"/>
@@ -525,29 +527,14 @@
           <a:p>
             <a:r>
               <a:rPr lang="en-IN" dirty="0"/>
-              <a:t>In this case you can see there are 6 categories already and we can add even more, like design, versions of each shoe type, formal/casual/sports, etc. Not all categories should have their own class, some of them like (size, colour, design, etc.) can be added just as a property in the class. To decide which categories deserve their own classes, we need to ask only 1 question, whether this category would have any impact on how the shoe gets processed or are there any if/else blocks in the class methods based on this category? For example, brand name is crucial in determining the </a:t>
-            </a:r>
-            <a:r>
-              <a:rPr lang="en-IN"/>
-              <a:t>inventory management, </a:t>
-            </a:r>
+              <a:t>In this case you can see there are 6 categories already and we can add even more, like design, versions of each shoe type, formal/casual/sports, etc. Not all categories should have their own class, some of them like (size, colour, design, etc.) can be added just as a property in the class. To decide which categories deserve their own classes, we need to ask only 1 question, whether this category would have any impact on how the shoe gets processed or are there any if/else blocks in the class methods based on this category? For example, brand name is crucial in determining the inventory management, discounting strategy, marketing medium, target customer, return policies, etc.</a:t>
+            </a:r>
+          </a:p>
+          <a:p>
             <a:r>
               <a:rPr lang="en-IN" dirty="0"/>
-              <a:t>discounting strategy, </a:t>
-            </a:r>
-            <a:r>
-              <a:rPr lang="en-IN"/>
-              <a:t>marketing medium, </a:t>
-            </a:r>
-            <a:r>
-              <a:rPr lang="en-IN" dirty="0"/>
-              <a:t>target customer, </a:t>
-            </a:r>
-            <a:r>
-              <a:rPr lang="en-IN"/>
-              <a:t>return policies, etc.</a:t>
-            </a:r>
-            <a:endParaRPr lang="en-IN" dirty="0"/>
+              <a:t>Basically we need to figure out the deciding factors, these will result in the if-else blocks in our code. For a shoe store, first row is more than enough.</a:t>
+            </a:r>
           </a:p>
         </p:txBody>
       </p:sp>
@@ -652,7 +639,7 @@
           <a:p>
             <a:fld id="{C79C3944-4F61-4CCE-B08C-F804EB22EAE0}" type="slidenum">
               <a:rPr lang="en-IN" smtClean="0"/>
-              <a:t>9</a:t>
+              <a:t>8</a:t>
             </a:fld>
             <a:endParaRPr lang="en-IN"/>
           </a:p>
@@ -662,6 +649,93 @@
     <p:extLst>
       <p:ext uri="{BB962C8B-B14F-4D97-AF65-F5344CB8AC3E}">
         <p14:creationId xmlns:p14="http://schemas.microsoft.com/office/powerpoint/2010/main" val="1669723608"/>
+      </p:ext>
+    </p:extLst>
+  </p:cSld>
+  <p:clrMapOvr>
+    <a:masterClrMapping/>
+  </p:clrMapOvr>
+</p:notes>
+</file>
+
+<file path=ppt/notesSlides/notesSlide3.xml><?xml version="1.0" encoding="utf-8"?>
+<p:notes xmlns:a="http://schemas.openxmlformats.org/drawingml/2006/main" xmlns:r="http://schemas.openxmlformats.org/officeDocument/2006/relationships" xmlns:p="http://schemas.openxmlformats.org/presentationml/2006/main">
+  <p:cSld>
+    <p:spTree>
+      <p:nvGrpSpPr>
+        <p:cNvPr id="1" name=""/>
+        <p:cNvGrpSpPr/>
+        <p:nvPr/>
+      </p:nvGrpSpPr>
+      <p:grpSpPr>
+        <a:xfrm>
+          <a:off x="0" y="0"/>
+          <a:ext cx="0" cy="0"/>
+          <a:chOff x="0" y="0"/>
+          <a:chExt cx="0" cy="0"/>
+        </a:xfrm>
+      </p:grpSpPr>
+      <p:sp>
+        <p:nvSpPr>
+          <p:cNvPr id="2" name="Slide Image Placeholder 1"/>
+          <p:cNvSpPr>
+            <a:spLocks noGrp="1" noRot="1" noChangeAspect="1"/>
+          </p:cNvSpPr>
+          <p:nvPr>
+            <p:ph type="sldImg"/>
+          </p:nvPr>
+        </p:nvSpPr>
+        <p:spPr/>
+      </p:sp>
+      <p:sp>
+        <p:nvSpPr>
+          <p:cNvPr id="3" name="Notes Placeholder 2"/>
+          <p:cNvSpPr>
+            <a:spLocks noGrp="1"/>
+          </p:cNvSpPr>
+          <p:nvPr>
+            <p:ph type="body" idx="1"/>
+          </p:nvPr>
+        </p:nvSpPr>
+        <p:spPr/>
+        <p:txBody>
+          <a:bodyPr/>
+          <a:lstStyle/>
+          <a:p>
+            <a:r>
+              <a:rPr lang="en-IN" dirty="0"/>
+              <a:t>2 responsibilities – ensuring single instance is created and providing global access.</a:t>
+            </a:r>
+          </a:p>
+        </p:txBody>
+      </p:sp>
+      <p:sp>
+        <p:nvSpPr>
+          <p:cNvPr id="4" name="Slide Number Placeholder 3"/>
+          <p:cNvSpPr>
+            <a:spLocks noGrp="1"/>
+          </p:cNvSpPr>
+          <p:nvPr>
+            <p:ph type="sldNum" sz="quarter" idx="5"/>
+          </p:nvPr>
+        </p:nvSpPr>
+        <p:spPr/>
+        <p:txBody>
+          <a:bodyPr/>
+          <a:lstStyle/>
+          <a:p>
+            <a:fld id="{C79C3944-4F61-4CCE-B08C-F804EB22EAE0}" type="slidenum">
+              <a:rPr lang="en-IN" smtClean="0"/>
+              <a:t>14</a:t>
+            </a:fld>
+            <a:endParaRPr lang="en-IN"/>
+          </a:p>
+        </p:txBody>
+      </p:sp>
+    </p:spTree>
+    <p:extLst>
+      <p:ext uri="{BB962C8B-B14F-4D97-AF65-F5344CB8AC3E}">
+        <p14:creationId xmlns:p14="http://schemas.microsoft.com/office/powerpoint/2010/main" val="392206400"/>
       </p:ext>
     </p:extLst>
   </p:cSld>
@@ -3994,7 +4068,7 @@
           <p:cNvPr id="2" name="Title 1">
             <a:extLst>
               <a:ext uri="{FF2B5EF4-FFF2-40B4-BE49-F238E27FC236}">
-                <a16:creationId xmlns:a16="http://schemas.microsoft.com/office/drawing/2014/main" id="{01A0F3F8-E359-FA82-4976-9554FA1B196D}"/>
+                <a16:creationId xmlns:a16="http://schemas.microsoft.com/office/drawing/2014/main" id="{543A1809-E085-456A-8753-3ADCF9D57C46}"/>
               </a:ext>
             </a:extLst>
           </p:cNvPr>
@@ -4012,544 +4086,88 @@
           <a:p>
             <a:r>
               <a:rPr lang="en-IN" dirty="0"/>
-              <a:t>Builder</a:t>
-            </a:r>
-          </a:p>
-        </p:txBody>
-      </p:sp>
-      <p:sp>
-        <p:nvSpPr>
-          <p:cNvPr id="4" name="Rectangle: Rounded Corners 3">
-            <a:extLst>
-              <a:ext uri="{FF2B5EF4-FFF2-40B4-BE49-F238E27FC236}">
-                <a16:creationId xmlns:a16="http://schemas.microsoft.com/office/drawing/2014/main" id="{41A67700-8F7D-C4EC-AB38-670F44B09764}"/>
-              </a:ext>
-            </a:extLst>
-          </p:cNvPr>
-          <p:cNvSpPr/>
-          <p:nvPr/>
-        </p:nvSpPr>
-        <p:spPr>
-          <a:xfrm>
-            <a:off x="4816045" y="1690688"/>
-            <a:ext cx="2559910" cy="1118417"/>
-          </a:xfrm>
-          <a:prstGeom prst="roundRect">
-            <a:avLst/>
-          </a:prstGeom>
-          <a:solidFill>
-            <a:schemeClr val="tx1"/>
-          </a:solidFill>
-          <a:ln>
-            <a:solidFill>
-              <a:schemeClr val="tx1"/>
-            </a:solidFill>
-          </a:ln>
-        </p:spPr>
-        <p:style>
-          <a:lnRef idx="2">
-            <a:schemeClr val="dk1">
-              <a:shade val="15000"/>
-            </a:schemeClr>
-          </a:lnRef>
-          <a:fillRef idx="1">
-            <a:schemeClr val="dk1"/>
-          </a:fillRef>
-          <a:effectRef idx="0">
-            <a:schemeClr val="dk1"/>
-          </a:effectRef>
-          <a:fontRef idx="minor">
-            <a:schemeClr val="lt1"/>
-          </a:fontRef>
-        </p:style>
-        <p:txBody>
-          <a:bodyPr rtlCol="0" anchor="ctr"/>
-          <a:lstStyle/>
-          <a:p>
-            <a:pPr marL="0" marR="0" lvl="0" indent="0" algn="ctr" defTabSz="914400" rtl="0" eaLnBrk="1" fontAlgn="auto" latinLnBrk="0" hangingPunct="1">
-              <a:lnSpc>
-                <a:spcPct val="100000"/>
-              </a:lnSpc>
-              <a:spcBef>
-                <a:spcPts val="0"/>
-              </a:spcBef>
-              <a:spcAft>
-                <a:spcPts val="0"/>
-              </a:spcAft>
-              <a:buClrTx/>
-              <a:buSzTx/>
-              <a:buFontTx/>
+              <a:t>Automobile Factory – Assembly Line</a:t>
+            </a:r>
+          </a:p>
+        </p:txBody>
+      </p:sp>
+      <p:sp>
+        <p:nvSpPr>
+          <p:cNvPr id="3" name="Content Placeholder 2">
+            <a:extLst>
+              <a:ext uri="{FF2B5EF4-FFF2-40B4-BE49-F238E27FC236}">
+                <a16:creationId xmlns:a16="http://schemas.microsoft.com/office/drawing/2014/main" id="{5D3EC98E-C603-EA32-0B48-7DFA0F048963}"/>
+              </a:ext>
+            </a:extLst>
+          </p:cNvPr>
+          <p:cNvSpPr>
+            <a:spLocks noGrp="1"/>
+          </p:cNvSpPr>
+          <p:nvPr>
+            <p:ph idx="1"/>
+          </p:nvPr>
+        </p:nvSpPr>
+        <p:spPr/>
+        <p:txBody>
+          <a:bodyPr/>
+          <a:lstStyle/>
+          <a:p>
+            <a:r>
+              <a:rPr lang="en-IN" dirty="0"/>
+              <a:t>Wheels</a:t>
+            </a:r>
+          </a:p>
+          <a:p>
+            <a:r>
+              <a:rPr lang="en-IN" dirty="0"/>
+              <a:t>Engine</a:t>
+            </a:r>
+          </a:p>
+          <a:p>
+            <a:r>
+              <a:rPr lang="en-IN" dirty="0"/>
+              <a:t>Body material</a:t>
+            </a:r>
+          </a:p>
+          <a:p>
+            <a:r>
+              <a:rPr lang="en-IN" dirty="0"/>
+              <a:t>Doors</a:t>
+            </a:r>
+          </a:p>
+          <a:p>
+            <a:r>
+              <a:rPr lang="en-IN" dirty="0"/>
+              <a:t>Windows</a:t>
+            </a:r>
+          </a:p>
+          <a:p>
+            <a:r>
+              <a:rPr lang="en-IN" dirty="0"/>
+              <a:t>Gears</a:t>
+            </a:r>
+          </a:p>
+          <a:p>
+            <a:r>
+              <a:rPr lang="en-IN" dirty="0"/>
+              <a:t>Headlight</a:t>
+            </a:r>
+          </a:p>
+          <a:p>
+            <a:pPr marL="0" indent="0">
               <a:buNone/>
-              <a:tabLst/>
-              <a:defRPr/>
             </a:pPr>
             <a:r>
-              <a:rPr kumimoji="0" lang="en-IN" sz="2800" b="0" i="0" u="none" strike="noStrike" kern="1200" cap="none" spc="0" normalizeH="0" baseline="0" noProof="0" dirty="0">
-                <a:ln>
-                  <a:noFill/>
-                </a:ln>
-                <a:solidFill>
-                  <a:prstClr val="white"/>
-                </a:solidFill>
-                <a:effectLst/>
-                <a:uLnTx/>
-                <a:uFillTx/>
-                <a:latin typeface="Calibri" panose="020F0502020204030204"/>
-                <a:ea typeface="+mn-ea"/>
-                <a:cs typeface="+mn-cs"/>
-              </a:rPr>
-              <a:t>Director</a:t>
-            </a:r>
-          </a:p>
-        </p:txBody>
-      </p:sp>
-      <p:sp>
-        <p:nvSpPr>
-          <p:cNvPr id="5" name="Rectangle: Rounded Corners 4">
-            <a:extLst>
-              <a:ext uri="{FF2B5EF4-FFF2-40B4-BE49-F238E27FC236}">
-                <a16:creationId xmlns:a16="http://schemas.microsoft.com/office/drawing/2014/main" id="{AC695B33-2653-9E8C-DBE8-49DD205BF4BE}"/>
-              </a:ext>
-            </a:extLst>
-          </p:cNvPr>
-          <p:cNvSpPr/>
-          <p:nvPr/>
-        </p:nvSpPr>
-        <p:spPr>
-          <a:xfrm>
-            <a:off x="4816045" y="4050098"/>
-            <a:ext cx="2559910" cy="1118417"/>
-          </a:xfrm>
-          <a:prstGeom prst="roundRect">
-            <a:avLst/>
-          </a:prstGeom>
-          <a:solidFill>
-            <a:schemeClr val="tx1"/>
-          </a:solidFill>
-          <a:ln>
-            <a:solidFill>
-              <a:schemeClr val="tx1"/>
-            </a:solidFill>
-          </a:ln>
-        </p:spPr>
-        <p:style>
-          <a:lnRef idx="2">
-            <a:schemeClr val="dk1">
-              <a:shade val="15000"/>
-            </a:schemeClr>
-          </a:lnRef>
-          <a:fillRef idx="1">
-            <a:schemeClr val="dk1"/>
-          </a:fillRef>
-          <a:effectRef idx="0">
-            <a:schemeClr val="dk1"/>
-          </a:effectRef>
-          <a:fontRef idx="minor">
-            <a:schemeClr val="lt1"/>
-          </a:fontRef>
-        </p:style>
-        <p:txBody>
-          <a:bodyPr rtlCol="0" anchor="ctr"/>
-          <a:lstStyle/>
-          <a:p>
-            <a:pPr marL="0" marR="0" lvl="0" indent="0" algn="ctr" defTabSz="914400" rtl="0" eaLnBrk="1" fontAlgn="auto" latinLnBrk="0" hangingPunct="1">
-              <a:lnSpc>
-                <a:spcPct val="100000"/>
-              </a:lnSpc>
-              <a:spcBef>
-                <a:spcPts val="0"/>
-              </a:spcBef>
-              <a:spcAft>
-                <a:spcPts val="0"/>
-              </a:spcAft>
-              <a:buClrTx/>
-              <a:buSzTx/>
-              <a:buFontTx/>
-              <a:buNone/>
-              <a:tabLst/>
-              <a:defRPr/>
-            </a:pPr>
-            <a:r>
-              <a:rPr kumimoji="0" lang="en-IN" sz="2000" b="0" i="0" u="none" strike="noStrike" kern="1200" cap="none" spc="0" normalizeH="0" baseline="0" noProof="0" dirty="0" err="1">
-                <a:ln>
-                  <a:noFill/>
-                </a:ln>
-                <a:solidFill>
-                  <a:prstClr val="white"/>
-                </a:solidFill>
-                <a:effectLst/>
-                <a:uLnTx/>
-                <a:uFillTx/>
-                <a:latin typeface="Calibri" panose="020F0502020204030204"/>
-                <a:ea typeface="+mn-ea"/>
-                <a:cs typeface="+mn-cs"/>
-              </a:rPr>
-              <a:t>CasualShoeBuilder</a:t>
-            </a:r>
-            <a:endParaRPr kumimoji="0" lang="en-IN" sz="2000" b="0" i="0" u="none" strike="noStrike" kern="1200" cap="none" spc="0" normalizeH="0" baseline="0" noProof="0" dirty="0">
-              <a:ln>
-                <a:noFill/>
-              </a:ln>
-              <a:solidFill>
-                <a:prstClr val="white"/>
-              </a:solidFill>
-              <a:effectLst/>
-              <a:uLnTx/>
-              <a:uFillTx/>
-              <a:latin typeface="Calibri" panose="020F0502020204030204"/>
-              <a:ea typeface="+mn-ea"/>
-              <a:cs typeface="+mn-cs"/>
-            </a:endParaRPr>
-          </a:p>
-        </p:txBody>
-      </p:sp>
-      <p:sp>
-        <p:nvSpPr>
-          <p:cNvPr id="6" name="Rectangle: Rounded Corners 5">
-            <a:extLst>
-              <a:ext uri="{FF2B5EF4-FFF2-40B4-BE49-F238E27FC236}">
-                <a16:creationId xmlns:a16="http://schemas.microsoft.com/office/drawing/2014/main" id="{6132F345-5C9E-8AEA-251E-C7A6E419DAF5}"/>
-              </a:ext>
-            </a:extLst>
-          </p:cNvPr>
-          <p:cNvSpPr/>
-          <p:nvPr/>
-        </p:nvSpPr>
-        <p:spPr>
-          <a:xfrm>
-            <a:off x="838200" y="4050097"/>
-            <a:ext cx="2559910" cy="1118417"/>
-          </a:xfrm>
-          <a:prstGeom prst="roundRect">
-            <a:avLst/>
-          </a:prstGeom>
-          <a:solidFill>
-            <a:schemeClr val="tx1"/>
-          </a:solidFill>
-          <a:ln>
-            <a:solidFill>
-              <a:schemeClr val="tx1"/>
-            </a:solidFill>
-          </a:ln>
-        </p:spPr>
-        <p:style>
-          <a:lnRef idx="2">
-            <a:schemeClr val="dk1">
-              <a:shade val="15000"/>
-            </a:schemeClr>
-          </a:lnRef>
-          <a:fillRef idx="1">
-            <a:schemeClr val="dk1"/>
-          </a:fillRef>
-          <a:effectRef idx="0">
-            <a:schemeClr val="dk1"/>
-          </a:effectRef>
-          <a:fontRef idx="minor">
-            <a:schemeClr val="lt1"/>
-          </a:fontRef>
-        </p:style>
-        <p:txBody>
-          <a:bodyPr rtlCol="0" anchor="ctr"/>
-          <a:lstStyle/>
-          <a:p>
-            <a:pPr marL="0" marR="0" lvl="0" indent="0" algn="ctr" defTabSz="914400" rtl="0" eaLnBrk="1" fontAlgn="auto" latinLnBrk="0" hangingPunct="1">
-              <a:lnSpc>
-                <a:spcPct val="100000"/>
-              </a:lnSpc>
-              <a:spcBef>
-                <a:spcPts val="0"/>
-              </a:spcBef>
-              <a:spcAft>
-                <a:spcPts val="0"/>
-              </a:spcAft>
-              <a:buClrTx/>
-              <a:buSzTx/>
-              <a:buFontTx/>
-              <a:buNone/>
-              <a:tabLst/>
-              <a:defRPr/>
-            </a:pPr>
-            <a:r>
-              <a:rPr kumimoji="0" lang="en-IN" sz="2000" b="0" i="0" u="none" strike="noStrike" kern="1200" cap="none" spc="0" normalizeH="0" baseline="0" noProof="0" dirty="0" err="1">
-                <a:ln>
-                  <a:noFill/>
-                </a:ln>
-                <a:solidFill>
-                  <a:prstClr val="white"/>
-                </a:solidFill>
-                <a:effectLst/>
-                <a:uLnTx/>
-                <a:uFillTx/>
-                <a:latin typeface="Calibri" panose="020F0502020204030204"/>
-                <a:ea typeface="+mn-ea"/>
-                <a:cs typeface="+mn-cs"/>
-              </a:rPr>
-              <a:t>FormalShoeBuilder</a:t>
-            </a:r>
-            <a:endParaRPr kumimoji="0" lang="en-IN" sz="2000" b="0" i="0" u="none" strike="noStrike" kern="1200" cap="none" spc="0" normalizeH="0" baseline="0" noProof="0" dirty="0">
-              <a:ln>
-                <a:noFill/>
-              </a:ln>
-              <a:solidFill>
-                <a:prstClr val="white"/>
-              </a:solidFill>
-              <a:effectLst/>
-              <a:uLnTx/>
-              <a:uFillTx/>
-              <a:latin typeface="Calibri" panose="020F0502020204030204"/>
-              <a:ea typeface="+mn-ea"/>
-              <a:cs typeface="+mn-cs"/>
-            </a:endParaRPr>
-          </a:p>
-        </p:txBody>
-      </p:sp>
-      <p:sp>
-        <p:nvSpPr>
-          <p:cNvPr id="7" name="Rectangle: Rounded Corners 6">
-            <a:extLst>
-              <a:ext uri="{FF2B5EF4-FFF2-40B4-BE49-F238E27FC236}">
-                <a16:creationId xmlns:a16="http://schemas.microsoft.com/office/drawing/2014/main" id="{ACB1EA2E-1285-858F-0CA7-E57433991C8F}"/>
-              </a:ext>
-            </a:extLst>
-          </p:cNvPr>
-          <p:cNvSpPr/>
-          <p:nvPr/>
-        </p:nvSpPr>
-        <p:spPr>
-          <a:xfrm>
-            <a:off x="8793890" y="4050097"/>
-            <a:ext cx="2559910" cy="1118417"/>
-          </a:xfrm>
-          <a:prstGeom prst="roundRect">
-            <a:avLst/>
-          </a:prstGeom>
-          <a:solidFill>
-            <a:schemeClr val="tx1"/>
-          </a:solidFill>
-          <a:ln>
-            <a:solidFill>
-              <a:schemeClr val="tx1"/>
-            </a:solidFill>
-          </a:ln>
-        </p:spPr>
-        <p:style>
-          <a:lnRef idx="2">
-            <a:schemeClr val="dk1">
-              <a:shade val="15000"/>
-            </a:schemeClr>
-          </a:lnRef>
-          <a:fillRef idx="1">
-            <a:schemeClr val="dk1"/>
-          </a:fillRef>
-          <a:effectRef idx="0">
-            <a:schemeClr val="dk1"/>
-          </a:effectRef>
-          <a:fontRef idx="minor">
-            <a:schemeClr val="lt1"/>
-          </a:fontRef>
-        </p:style>
-        <p:txBody>
-          <a:bodyPr rtlCol="0" anchor="ctr"/>
-          <a:lstStyle/>
-          <a:p>
-            <a:pPr marL="0" marR="0" lvl="0" indent="0" algn="ctr" defTabSz="914400" rtl="0" eaLnBrk="1" fontAlgn="auto" latinLnBrk="0" hangingPunct="1">
-              <a:lnSpc>
-                <a:spcPct val="100000"/>
-              </a:lnSpc>
-              <a:spcBef>
-                <a:spcPts val="0"/>
-              </a:spcBef>
-              <a:spcAft>
-                <a:spcPts val="0"/>
-              </a:spcAft>
-              <a:buClrTx/>
-              <a:buSzTx/>
-              <a:buFontTx/>
-              <a:buNone/>
-              <a:tabLst/>
-              <a:defRPr/>
-            </a:pPr>
-            <a:r>
-              <a:rPr kumimoji="0" lang="en-IN" sz="2000" b="0" i="0" u="none" strike="noStrike" kern="1200" cap="none" spc="0" normalizeH="0" baseline="0" noProof="0" dirty="0" err="1">
-                <a:ln>
-                  <a:noFill/>
-                </a:ln>
-                <a:solidFill>
-                  <a:prstClr val="white"/>
-                </a:solidFill>
-                <a:effectLst/>
-                <a:uLnTx/>
-                <a:uFillTx/>
-                <a:latin typeface="Calibri" panose="020F0502020204030204"/>
-                <a:ea typeface="+mn-ea"/>
-                <a:cs typeface="+mn-cs"/>
-              </a:rPr>
-              <a:t>SportShoeBuilder</a:t>
-            </a:r>
-            <a:endParaRPr kumimoji="0" lang="en-IN" sz="2000" b="0" i="0" u="none" strike="noStrike" kern="1200" cap="none" spc="0" normalizeH="0" baseline="0" noProof="0" dirty="0">
-              <a:ln>
-                <a:noFill/>
-              </a:ln>
-              <a:solidFill>
-                <a:prstClr val="white"/>
-              </a:solidFill>
-              <a:effectLst/>
-              <a:uLnTx/>
-              <a:uFillTx/>
-              <a:latin typeface="Calibri" panose="020F0502020204030204"/>
-              <a:ea typeface="+mn-ea"/>
-              <a:cs typeface="+mn-cs"/>
-            </a:endParaRPr>
-          </a:p>
-        </p:txBody>
-      </p:sp>
-      <p:cxnSp>
-        <p:nvCxnSpPr>
-          <p:cNvPr id="9" name="Connector: Curved 8">
-            <a:extLst>
-              <a:ext uri="{FF2B5EF4-FFF2-40B4-BE49-F238E27FC236}">
-                <a16:creationId xmlns:a16="http://schemas.microsoft.com/office/drawing/2014/main" id="{6AB02DD9-1D06-0636-CC80-FA5C062CB272}"/>
-              </a:ext>
-            </a:extLst>
-          </p:cNvPr>
-          <p:cNvCxnSpPr>
-            <a:cxnSpLocks/>
-            <a:stCxn id="6" idx="0"/>
-            <a:endCxn id="4" idx="1"/>
-          </p:cNvCxnSpPr>
-          <p:nvPr/>
-        </p:nvCxnSpPr>
-        <p:spPr>
-          <a:xfrm rot="5400000" flipH="1" flipV="1">
-            <a:off x="2567000" y="1801052"/>
-            <a:ext cx="1800200" cy="2697890"/>
-          </a:xfrm>
-          <a:prstGeom prst="curvedConnector2">
-            <a:avLst/>
-          </a:prstGeom>
-          <a:ln w="57150">
-            <a:solidFill>
-              <a:schemeClr val="tx1"/>
-            </a:solidFill>
-            <a:headEnd type="none" w="med" len="med"/>
-            <a:tailEnd type="arrow" w="med" len="med"/>
-          </a:ln>
-        </p:spPr>
-        <p:style>
-          <a:lnRef idx="1">
-            <a:schemeClr val="accent1"/>
-          </a:lnRef>
-          <a:fillRef idx="0">
-            <a:schemeClr val="accent1"/>
-          </a:fillRef>
-          <a:effectRef idx="0">
-            <a:schemeClr val="accent1"/>
-          </a:effectRef>
-          <a:fontRef idx="minor">
-            <a:schemeClr val="tx1"/>
-          </a:fontRef>
-        </p:style>
-      </p:cxnSp>
-      <p:cxnSp>
-        <p:nvCxnSpPr>
-          <p:cNvPr id="11" name="Connector: Curved 10">
-            <a:extLst>
-              <a:ext uri="{FF2B5EF4-FFF2-40B4-BE49-F238E27FC236}">
-                <a16:creationId xmlns:a16="http://schemas.microsoft.com/office/drawing/2014/main" id="{20C37292-C0FA-2332-715B-AE611AFB38DC}"/>
-              </a:ext>
-            </a:extLst>
-          </p:cNvPr>
-          <p:cNvCxnSpPr>
-            <a:cxnSpLocks/>
-            <a:stCxn id="5" idx="0"/>
-            <a:endCxn id="4" idx="2"/>
-          </p:cNvCxnSpPr>
-          <p:nvPr/>
-        </p:nvCxnSpPr>
-        <p:spPr>
-          <a:xfrm rot="5400000" flipH="1" flipV="1">
-            <a:off x="5475504" y="3429602"/>
-            <a:ext cx="1240993" cy="12700"/>
-          </a:xfrm>
-          <a:prstGeom prst="curvedConnector3">
-            <a:avLst>
-              <a:gd name="adj1" fmla="val 50000"/>
-            </a:avLst>
-          </a:prstGeom>
-          <a:ln w="57150">
-            <a:solidFill>
-              <a:schemeClr val="tx1"/>
-            </a:solidFill>
-            <a:headEnd type="none" w="med" len="med"/>
-            <a:tailEnd type="arrow" w="med" len="med"/>
-          </a:ln>
-        </p:spPr>
-        <p:style>
-          <a:lnRef idx="1">
-            <a:schemeClr val="accent1"/>
-          </a:lnRef>
-          <a:fillRef idx="0">
-            <a:schemeClr val="accent1"/>
-          </a:fillRef>
-          <a:effectRef idx="0">
-            <a:schemeClr val="accent1"/>
-          </a:effectRef>
-          <a:fontRef idx="minor">
-            <a:schemeClr val="tx1"/>
-          </a:fontRef>
-        </p:style>
-      </p:cxnSp>
-      <p:cxnSp>
-        <p:nvCxnSpPr>
-          <p:cNvPr id="14" name="Connector: Curved 13">
-            <a:extLst>
-              <a:ext uri="{FF2B5EF4-FFF2-40B4-BE49-F238E27FC236}">
-                <a16:creationId xmlns:a16="http://schemas.microsoft.com/office/drawing/2014/main" id="{DA7C8825-63BD-0649-A57B-9D71206C6090}"/>
-              </a:ext>
-            </a:extLst>
-          </p:cNvPr>
-          <p:cNvCxnSpPr>
-            <a:cxnSpLocks/>
-            <a:stCxn id="7" idx="0"/>
-            <a:endCxn id="4" idx="3"/>
-          </p:cNvCxnSpPr>
-          <p:nvPr/>
-        </p:nvCxnSpPr>
-        <p:spPr>
-          <a:xfrm rot="16200000" flipV="1">
-            <a:off x="7824800" y="1801052"/>
-            <a:ext cx="1800200" cy="2697890"/>
-          </a:xfrm>
-          <a:prstGeom prst="curvedConnector2">
-            <a:avLst/>
-          </a:prstGeom>
-          <a:ln w="57150">
-            <a:solidFill>
-              <a:schemeClr val="tx1"/>
-            </a:solidFill>
-            <a:headEnd type="none" w="med" len="med"/>
-            <a:tailEnd type="arrow" w="med" len="med"/>
-          </a:ln>
-        </p:spPr>
-        <p:style>
-          <a:lnRef idx="1">
-            <a:schemeClr val="accent1"/>
-          </a:lnRef>
-          <a:fillRef idx="0">
-            <a:schemeClr val="accent1"/>
-          </a:fillRef>
-          <a:effectRef idx="0">
-            <a:schemeClr val="accent1"/>
-          </a:effectRef>
-          <a:fontRef idx="minor">
-            <a:schemeClr val="tx1"/>
-          </a:fontRef>
-        </p:style>
-      </p:cxnSp>
+              <a:rPr lang="en-IN" dirty="0"/>
+              <a:t>…</a:t>
+            </a:r>
+          </a:p>
+        </p:txBody>
+      </p:sp>
     </p:spTree>
     <p:extLst>
       <p:ext uri="{BB962C8B-B14F-4D97-AF65-F5344CB8AC3E}">
-        <p14:creationId xmlns:p14="http://schemas.microsoft.com/office/powerpoint/2010/main" val="3077424333"/>
+        <p14:creationId xmlns:p14="http://schemas.microsoft.com/office/powerpoint/2010/main" val="3592113010"/>
       </p:ext>
     </p:extLst>
   </p:cSld>
@@ -4581,7 +4199,7 @@
           <p:cNvPr id="2" name="Title 1">
             <a:extLst>
               <a:ext uri="{FF2B5EF4-FFF2-40B4-BE49-F238E27FC236}">
-                <a16:creationId xmlns:a16="http://schemas.microsoft.com/office/drawing/2014/main" id="{543A1809-E085-456A-8753-3ADCF9D57C46}"/>
+                <a16:creationId xmlns:a16="http://schemas.microsoft.com/office/drawing/2014/main" id="{315BA341-CE87-3BEA-4EDB-22E20F62AFE1}"/>
               </a:ext>
             </a:extLst>
           </p:cNvPr>
@@ -4599,7 +4217,7 @@
           <a:p>
             <a:r>
               <a:rPr lang="en-IN" dirty="0"/>
-              <a:t>Automobile Factory – Assembly Line</a:t>
+              <a:t>Cloning</a:t>
             </a:r>
           </a:p>
         </p:txBody>
@@ -4609,7 +4227,7 @@
           <p:cNvPr id="3" name="Content Placeholder 2">
             <a:extLst>
               <a:ext uri="{FF2B5EF4-FFF2-40B4-BE49-F238E27FC236}">
-                <a16:creationId xmlns:a16="http://schemas.microsoft.com/office/drawing/2014/main" id="{5D3EC98E-C603-EA32-0B48-7DFA0F048963}"/>
+                <a16:creationId xmlns:a16="http://schemas.microsoft.com/office/drawing/2014/main" id="{ADFA6B11-695C-71A8-47BE-2E9BB5809A7B}"/>
               </a:ext>
             </a:extLst>
           </p:cNvPr>
@@ -4627,52 +4245,46 @@
           <a:p>
             <a:r>
               <a:rPr lang="en-IN" dirty="0"/>
-              <a:t>Wheels</a:t>
+              <a:t>How to create copies of existing objects?</a:t>
             </a:r>
           </a:p>
           <a:p>
             <a:r>
               <a:rPr lang="en-IN" dirty="0"/>
-              <a:t>Engine</a:t>
+              <a:t>Simple way: Create a new object and manually copy every property.</a:t>
             </a:r>
           </a:p>
           <a:p>
             <a:r>
               <a:rPr lang="en-IN" dirty="0"/>
-              <a:t>Body material</a:t>
-            </a:r>
-          </a:p>
-          <a:p>
+              <a:t>Problems</a:t>
+            </a:r>
+          </a:p>
+          <a:p>
+            <a:pPr lvl="1"/>
             <a:r>
               <a:rPr lang="en-IN" dirty="0"/>
-              <a:t>Doors</a:t>
-            </a:r>
-          </a:p>
-          <a:p>
+              <a:t>Need to know the class of the object.</a:t>
+            </a:r>
+          </a:p>
+          <a:p>
+            <a:pPr lvl="1"/>
             <a:r>
               <a:rPr lang="en-IN" dirty="0"/>
-              <a:t>Windows</a:t>
+              <a:t>Can’t copy private fields.</a:t>
             </a:r>
           </a:p>
           <a:p>
             <a:r>
               <a:rPr lang="en-IN" dirty="0"/>
-              <a:t>Gears</a:t>
-            </a:r>
-          </a:p>
-          <a:p>
+              <a:t>Solution</a:t>
+            </a:r>
+          </a:p>
+          <a:p>
+            <a:pPr lvl="1"/>
             <a:r>
               <a:rPr lang="en-IN" dirty="0"/>
-              <a:t>Headlight</a:t>
-            </a:r>
-          </a:p>
-          <a:p>
-            <a:pPr marL="0" indent="0">
-              <a:buNone/>
-            </a:pPr>
-            <a:r>
-              <a:rPr lang="en-IN" dirty="0"/>
-              <a:t>…</a:t>
+              <a:t>Prototype.</a:t>
             </a:r>
           </a:p>
         </p:txBody>
@@ -4680,7 +4292,7 @@
     </p:spTree>
     <p:extLst>
       <p:ext uri="{BB962C8B-B14F-4D97-AF65-F5344CB8AC3E}">
-        <p14:creationId xmlns:p14="http://schemas.microsoft.com/office/powerpoint/2010/main" val="3592113010"/>
+        <p14:creationId xmlns:p14="http://schemas.microsoft.com/office/powerpoint/2010/main" val="3547473055"/>
       </p:ext>
     </p:extLst>
   </p:cSld>
@@ -4712,7 +4324,7 @@
           <p:cNvPr id="2" name="Title 1">
             <a:extLst>
               <a:ext uri="{FF2B5EF4-FFF2-40B4-BE49-F238E27FC236}">
-                <a16:creationId xmlns:a16="http://schemas.microsoft.com/office/drawing/2014/main" id="{315BA341-CE87-3BEA-4EDB-22E20F62AFE1}"/>
+                <a16:creationId xmlns:a16="http://schemas.microsoft.com/office/drawing/2014/main" id="{35758488-E25F-0A9F-600B-02B0F76D6158}"/>
               </a:ext>
             </a:extLst>
           </p:cNvPr>
@@ -4730,7 +4342,7 @@
           <a:p>
             <a:r>
               <a:rPr lang="en-IN" dirty="0"/>
-              <a:t>Cloning</a:t>
+              <a:t>Prototype</a:t>
             </a:r>
           </a:p>
         </p:txBody>
@@ -4740,7 +4352,7 @@
           <p:cNvPr id="3" name="Content Placeholder 2">
             <a:extLst>
               <a:ext uri="{FF2B5EF4-FFF2-40B4-BE49-F238E27FC236}">
-                <a16:creationId xmlns:a16="http://schemas.microsoft.com/office/drawing/2014/main" id="{ADFA6B11-695C-71A8-47BE-2E9BB5809A7B}"/>
+                <a16:creationId xmlns:a16="http://schemas.microsoft.com/office/drawing/2014/main" id="{A7DBAE88-E859-0ACD-BB66-B5B4BC1CBCF9}"/>
               </a:ext>
             </a:extLst>
           </p:cNvPr>
@@ -4758,46 +4370,55 @@
           <a:p>
             <a:r>
               <a:rPr lang="en-IN" dirty="0"/>
-              <a:t>How to create copies of existing objects?</a:t>
-            </a:r>
-          </a:p>
-          <a:p>
+              <a:t>An object that supports cloning is called a </a:t>
+            </a:r>
+            <a:r>
+              <a:rPr lang="en-IN" i="1" dirty="0"/>
+              <a:t>prototype</a:t>
+            </a:r>
             <a:r>
               <a:rPr lang="en-IN" dirty="0"/>
-              <a:t>Simple way: Create a new object and manually copy every property.</a:t>
+              <a:t>.</a:t>
             </a:r>
           </a:p>
           <a:p>
             <a:r>
               <a:rPr lang="en-IN" dirty="0"/>
-              <a:t>Problems</a:t>
+              <a:t>Different objects with common base class.</a:t>
+            </a:r>
+          </a:p>
+          <a:p>
+            <a:r>
+              <a:rPr lang="en-IN" dirty="0"/>
+              <a:t>Real world analogy</a:t>
             </a:r>
           </a:p>
           <a:p>
             <a:pPr lvl="1"/>
             <a:r>
               <a:rPr lang="en-IN" dirty="0"/>
-              <a:t>Need to know the class of the object.</a:t>
+              <a:t>Mobile factory, car designing, etc.</a:t>
             </a:r>
           </a:p>
           <a:p>
             <a:pPr lvl="1"/>
             <a:r>
               <a:rPr lang="en-IN" dirty="0"/>
-              <a:t>Can’t copy private fields.</a:t>
-            </a:r>
-          </a:p>
-          <a:p>
+              <a:t>Several prototypes get created before finalizing final product.</a:t>
+            </a:r>
+          </a:p>
+          <a:p>
+            <a:pPr lvl="1"/>
             <a:r>
               <a:rPr lang="en-IN" dirty="0"/>
-              <a:t>Solution</a:t>
+              <a:t>These prototypes are mostly similar.</a:t>
             </a:r>
           </a:p>
           <a:p>
             <a:pPr lvl="1"/>
             <a:r>
               <a:rPr lang="en-IN" dirty="0"/>
-              <a:t>Prototype.</a:t>
+              <a:t>Each of them start as an exact copy of another object.</a:t>
             </a:r>
           </a:p>
         </p:txBody>
@@ -4805,7 +4426,7 @@
     </p:spTree>
     <p:extLst>
       <p:ext uri="{BB962C8B-B14F-4D97-AF65-F5344CB8AC3E}">
-        <p14:creationId xmlns:p14="http://schemas.microsoft.com/office/powerpoint/2010/main" val="3547473055"/>
+        <p14:creationId xmlns:p14="http://schemas.microsoft.com/office/powerpoint/2010/main" val="3015920128"/>
       </p:ext>
     </p:extLst>
   </p:cSld>
@@ -4837,7 +4458,7 @@
           <p:cNvPr id="2" name="Title 1">
             <a:extLst>
               <a:ext uri="{FF2B5EF4-FFF2-40B4-BE49-F238E27FC236}">
-                <a16:creationId xmlns:a16="http://schemas.microsoft.com/office/drawing/2014/main" id="{35758488-E25F-0A9F-600B-02B0F76D6158}"/>
+                <a16:creationId xmlns:a16="http://schemas.microsoft.com/office/drawing/2014/main" id="{4F1A3BEB-50EC-9CAB-FC0A-50FEE7B1A3A4}"/>
               </a:ext>
             </a:extLst>
           </p:cNvPr>
@@ -4855,7 +4476,7 @@
           <a:p>
             <a:r>
               <a:rPr lang="en-IN" dirty="0"/>
-              <a:t>Prototype</a:t>
+              <a:t>Global object</a:t>
             </a:r>
           </a:p>
         </p:txBody>
@@ -4865,7 +4486,7 @@
           <p:cNvPr id="3" name="Content Placeholder 2">
             <a:extLst>
               <a:ext uri="{FF2B5EF4-FFF2-40B4-BE49-F238E27FC236}">
-                <a16:creationId xmlns:a16="http://schemas.microsoft.com/office/drawing/2014/main" id="{A7DBAE88-E859-0ACD-BB66-B5B4BC1CBCF9}"/>
+                <a16:creationId xmlns:a16="http://schemas.microsoft.com/office/drawing/2014/main" id="{4ACC08BE-E4E0-8DA7-2BBE-DD688F7B77CF}"/>
               </a:ext>
             </a:extLst>
           </p:cNvPr>
@@ -4883,55 +4504,34 @@
           <a:p>
             <a:r>
               <a:rPr lang="en-IN" dirty="0"/>
-              <a:t>An object that supports cloning is called a </a:t>
-            </a:r>
-            <a:r>
-              <a:rPr lang="en-IN" i="1" dirty="0"/>
-              <a:t>prototype</a:t>
-            </a:r>
+              <a:t>Problems</a:t>
+            </a:r>
+          </a:p>
+          <a:p>
+            <a:pPr lvl="1"/>
             <a:r>
               <a:rPr lang="en-IN" dirty="0"/>
-              <a:t>.</a:t>
-            </a:r>
-          </a:p>
-          <a:p>
+              <a:t>Control access to a shared resource</a:t>
+            </a:r>
+          </a:p>
+          <a:p>
+            <a:pPr lvl="1"/>
             <a:r>
               <a:rPr lang="en-IN" dirty="0"/>
-              <a:t>Different objects with common base class.</a:t>
+              <a:t>Provide secure global access</a:t>
             </a:r>
           </a:p>
           <a:p>
             <a:r>
               <a:rPr lang="en-IN" dirty="0"/>
-              <a:t>Real world analogy</a:t>
+              <a:t>Solution</a:t>
             </a:r>
           </a:p>
           <a:p>
             <a:pPr lvl="1"/>
             <a:r>
               <a:rPr lang="en-IN" dirty="0"/>
-              <a:t>Mobile factory, car designing, etc.</a:t>
-            </a:r>
-          </a:p>
-          <a:p>
-            <a:pPr lvl="1"/>
-            <a:r>
-              <a:rPr lang="en-IN" dirty="0"/>
-              <a:t>Several prototypes get created before finalizing final product.</a:t>
-            </a:r>
-          </a:p>
-          <a:p>
-            <a:pPr lvl="1"/>
-            <a:r>
-              <a:rPr lang="en-IN" dirty="0"/>
-              <a:t>These prototypes are mostly similar.</a:t>
-            </a:r>
-          </a:p>
-          <a:p>
-            <a:pPr lvl="1"/>
-            <a:r>
-              <a:rPr lang="en-IN" dirty="0"/>
-              <a:t>Each of them start as an exact copy of another object.</a:t>
+              <a:t>Singleton</a:t>
             </a:r>
           </a:p>
         </p:txBody>
@@ -4939,7 +4539,7 @@
     </p:spTree>
     <p:extLst>
       <p:ext uri="{BB962C8B-B14F-4D97-AF65-F5344CB8AC3E}">
-        <p14:creationId xmlns:p14="http://schemas.microsoft.com/office/powerpoint/2010/main" val="3015920128"/>
+        <p14:creationId xmlns:p14="http://schemas.microsoft.com/office/powerpoint/2010/main" val="1986784993"/>
       </p:ext>
     </p:extLst>
   </p:cSld>
@@ -4971,7 +4571,7 @@
           <p:cNvPr id="2" name="Title 1">
             <a:extLst>
               <a:ext uri="{FF2B5EF4-FFF2-40B4-BE49-F238E27FC236}">
-                <a16:creationId xmlns:a16="http://schemas.microsoft.com/office/drawing/2014/main" id="{4F1A3BEB-50EC-9CAB-FC0A-50FEE7B1A3A4}"/>
+                <a16:creationId xmlns:a16="http://schemas.microsoft.com/office/drawing/2014/main" id="{3AC9B2D3-CC05-8A5E-AEE4-63A72270C7CC}"/>
               </a:ext>
             </a:extLst>
           </p:cNvPr>
@@ -4987,72 +4587,139 @@
           <a:bodyPr/>
           <a:lstStyle/>
           <a:p>
-            <a:r>
-              <a:rPr lang="en-IN" dirty="0"/>
-              <a:t>Global object</a:t>
-            </a:r>
-          </a:p>
-        </p:txBody>
-      </p:sp>
-      <p:sp>
-        <p:nvSpPr>
-          <p:cNvPr id="3" name="Content Placeholder 2">
-            <a:extLst>
-              <a:ext uri="{FF2B5EF4-FFF2-40B4-BE49-F238E27FC236}">
-                <a16:creationId xmlns:a16="http://schemas.microsoft.com/office/drawing/2014/main" id="{4ACC08BE-E4E0-8DA7-2BBE-DD688F7B77CF}"/>
-              </a:ext>
-            </a:extLst>
-          </p:cNvPr>
-          <p:cNvSpPr>
-            <a:spLocks noGrp="1"/>
-          </p:cNvSpPr>
-          <p:nvPr>
-            <p:ph idx="1"/>
-          </p:nvPr>
-        </p:nvSpPr>
-        <p:spPr/>
-        <p:txBody>
-          <a:bodyPr/>
-          <a:lstStyle/>
-          <a:p>
-            <a:r>
-              <a:rPr lang="en-IN" dirty="0"/>
-              <a:t>Problems</a:t>
-            </a:r>
-          </a:p>
-          <a:p>
-            <a:pPr lvl="1"/>
-            <a:r>
-              <a:rPr lang="en-IN" dirty="0"/>
-              <a:t>Control access to a shared resource</a:t>
-            </a:r>
-          </a:p>
-          <a:p>
-            <a:pPr lvl="1"/>
-            <a:r>
-              <a:rPr lang="en-IN" dirty="0"/>
-              <a:t>Provide secure global access</a:t>
-            </a:r>
-          </a:p>
-          <a:p>
-            <a:r>
-              <a:rPr lang="en-IN" dirty="0"/>
-              <a:t>Solution</a:t>
-            </a:r>
-          </a:p>
-          <a:p>
-            <a:pPr lvl="1"/>
             <a:r>
               <a:rPr lang="en-IN" dirty="0"/>
               <a:t>Singleton</a:t>
             </a:r>
+          </a:p>
+        </p:txBody>
+      </p:sp>
+      <p:sp>
+        <p:nvSpPr>
+          <p:cNvPr id="3" name="Content Placeholder 2">
+            <a:extLst>
+              <a:ext uri="{FF2B5EF4-FFF2-40B4-BE49-F238E27FC236}">
+                <a16:creationId xmlns:a16="http://schemas.microsoft.com/office/drawing/2014/main" id="{6A843E7E-FDD2-16AA-D32E-FC87B93E4426}"/>
+              </a:ext>
+            </a:extLst>
+          </p:cNvPr>
+          <p:cNvSpPr>
+            <a:spLocks noGrp="1"/>
+          </p:cNvSpPr>
+          <p:nvPr>
+            <p:ph idx="1"/>
+          </p:nvPr>
+        </p:nvSpPr>
+        <p:spPr/>
+        <p:txBody>
+          <a:bodyPr/>
+          <a:lstStyle/>
+          <a:p>
+            <a:r>
+              <a:rPr lang="en-IN" b="0" i="0" dirty="0">
+                <a:effectLst/>
+                <a:latin typeface="PT Sans" panose="020B0503020203020204" pitchFamily="34" charset="0"/>
+              </a:rPr>
+              <a:t>Ensures class has only a single instance.</a:t>
+            </a:r>
+          </a:p>
+          <a:p>
+            <a:r>
+              <a:rPr lang="en-IN" dirty="0">
+                <a:latin typeface="PT Sans" panose="020B0503020203020204" pitchFamily="34" charset="0"/>
+              </a:rPr>
+              <a:t>G</a:t>
+            </a:r>
+            <a:r>
+              <a:rPr lang="en-IN" b="0" i="0" dirty="0">
+                <a:effectLst/>
+                <a:latin typeface="PT Sans" panose="020B0503020203020204" pitchFamily="34" charset="0"/>
+              </a:rPr>
+              <a:t>lobal access point to that instance.</a:t>
+            </a:r>
+          </a:p>
+          <a:p>
+            <a:r>
+              <a:rPr lang="en-IN" dirty="0">
+                <a:latin typeface="PT Sans" panose="020B0503020203020204" pitchFamily="34" charset="0"/>
+              </a:rPr>
+              <a:t>I</a:t>
+            </a:r>
+            <a:r>
+              <a:rPr lang="en-IN" b="0" i="0" dirty="0">
+                <a:effectLst/>
+                <a:latin typeface="PT Sans" panose="020B0503020203020204" pitchFamily="34" charset="0"/>
+              </a:rPr>
+              <a:t>nitialized only when it’s requested for the first time.</a:t>
+            </a:r>
+          </a:p>
+          <a:p>
+            <a:r>
+              <a:rPr lang="en-IN" dirty="0">
+                <a:latin typeface="PT Sans" panose="020B0503020203020204" pitchFamily="34" charset="0"/>
+              </a:rPr>
+              <a:t>Cons</a:t>
+            </a:r>
+          </a:p>
+          <a:p>
+            <a:pPr lvl="1"/>
+            <a:r>
+              <a:rPr lang="en-IN" b="0" i="0" dirty="0">
+                <a:effectLst/>
+                <a:latin typeface="PT Sans" panose="020B0503020203020204" pitchFamily="34" charset="0"/>
+              </a:rPr>
+              <a:t>Violates the </a:t>
+            </a:r>
+            <a:r>
+              <a:rPr lang="en-IN" b="0" i="1" dirty="0">
+                <a:effectLst/>
+                <a:latin typeface="PT Sans" panose="020B0503020203020204" pitchFamily="34" charset="0"/>
+              </a:rPr>
+              <a:t>Single Responsibility Principle</a:t>
+            </a:r>
+            <a:r>
+              <a:rPr lang="en-IN" b="0" i="0" dirty="0">
+                <a:effectLst/>
+                <a:latin typeface="PT Sans" panose="020B0503020203020204" pitchFamily="34" charset="0"/>
+              </a:rPr>
+              <a:t>.</a:t>
+            </a:r>
+          </a:p>
+          <a:p>
+            <a:pPr lvl="1"/>
+            <a:r>
+              <a:rPr lang="en-IN" dirty="0">
+                <a:latin typeface="PT Sans" panose="020B0503020203020204" pitchFamily="34" charset="0"/>
+              </a:rPr>
+              <a:t>R</a:t>
+            </a:r>
+            <a:r>
+              <a:rPr lang="en-IN" b="0" i="0" dirty="0">
+                <a:effectLst/>
+                <a:latin typeface="PT Sans" panose="020B0503020203020204" pitchFamily="34" charset="0"/>
+              </a:rPr>
+              <a:t>equires special treatment in a multithreaded environment.</a:t>
+            </a:r>
+          </a:p>
+          <a:p>
+            <a:pPr lvl="1"/>
+            <a:r>
+              <a:rPr lang="en-IN" b="0" i="0" dirty="0">
+                <a:effectLst/>
+                <a:latin typeface="PT Sans" panose="020B0503020203020204" pitchFamily="34" charset="0"/>
+              </a:rPr>
+              <a:t>Difficult to write unit tests.</a:t>
+            </a:r>
+          </a:p>
+          <a:p>
+            <a:endParaRPr lang="en-IN" dirty="0"/>
           </a:p>
         </p:txBody>
       </p:sp>
     </p:spTree>
     <p:extLst>
       <p:ext uri="{BB962C8B-B14F-4D97-AF65-F5344CB8AC3E}">
-        <p14:creationId xmlns:p14="http://schemas.microsoft.com/office/powerpoint/2010/main" val="1986784993"/>
+        <p14:creationId xmlns:p14="http://schemas.microsoft.com/office/powerpoint/2010/main" val="2480836975"/>
       </p:ext>
     </p:extLst>
   </p:cSld>
@@ -5084,7 +4751,7 @@
           <p:cNvPr id="2" name="Title 1">
             <a:extLst>
               <a:ext uri="{FF2B5EF4-FFF2-40B4-BE49-F238E27FC236}">
-                <a16:creationId xmlns:a16="http://schemas.microsoft.com/office/drawing/2014/main" id="{3AC9B2D3-CC05-8A5E-AEE4-63A72270C7CC}"/>
+                <a16:creationId xmlns:a16="http://schemas.microsoft.com/office/drawing/2014/main" id="{6DA93AB5-15F0-9CA0-4273-BE2239B2E6FF}"/>
               </a:ext>
             </a:extLst>
           </p:cNvPr>
@@ -5102,190 +4769,307 @@
           <a:p>
             <a:r>
               <a:rPr lang="en-IN" dirty="0"/>
-              <a:t>Singleton</a:t>
-            </a:r>
-          </a:p>
-        </p:txBody>
-      </p:sp>
-      <p:sp>
-        <p:nvSpPr>
-          <p:cNvPr id="3" name="Content Placeholder 2">
-            <a:extLst>
-              <a:ext uri="{FF2B5EF4-FFF2-40B4-BE49-F238E27FC236}">
-                <a16:creationId xmlns:a16="http://schemas.microsoft.com/office/drawing/2014/main" id="{6A843E7E-FDD2-16AA-D32E-FC87B93E4426}"/>
-              </a:ext>
-            </a:extLst>
-          </p:cNvPr>
-          <p:cNvSpPr>
-            <a:spLocks noGrp="1"/>
-          </p:cNvSpPr>
-          <p:nvPr>
-            <p:ph idx="1"/>
-          </p:nvPr>
-        </p:nvSpPr>
-        <p:spPr/>
-        <p:txBody>
-          <a:bodyPr/>
-          <a:lstStyle/>
-          <a:p>
-            <a:r>
-              <a:rPr lang="en-IN" b="0" i="0" dirty="0">
-                <a:solidFill>
-                  <a:srgbClr val="444444"/>
-                </a:solidFill>
-                <a:effectLst/>
-                <a:latin typeface="PT Sans" panose="020B0503020203020204" pitchFamily="34" charset="0"/>
-              </a:rPr>
-              <a:t>Ensures class has only a single instance.</a:t>
-            </a:r>
-          </a:p>
-          <a:p>
-            <a:r>
-              <a:rPr lang="en-IN" dirty="0">
-                <a:solidFill>
-                  <a:srgbClr val="444444"/>
-                </a:solidFill>
-                <a:latin typeface="PT Sans" panose="020B0503020203020204" pitchFamily="34" charset="0"/>
-              </a:rPr>
-              <a:t>G</a:t>
-            </a:r>
-            <a:r>
-              <a:rPr lang="en-IN" b="0" i="0" dirty="0">
-                <a:solidFill>
-                  <a:srgbClr val="444444"/>
-                </a:solidFill>
-                <a:effectLst/>
-                <a:latin typeface="PT Sans" panose="020B0503020203020204" pitchFamily="34" charset="0"/>
-              </a:rPr>
-              <a:t>lobal access point to that instance.</a:t>
-            </a:r>
-          </a:p>
-          <a:p>
-            <a:r>
-              <a:rPr lang="en-IN" dirty="0">
-                <a:solidFill>
-                  <a:srgbClr val="444444"/>
-                </a:solidFill>
-                <a:latin typeface="PT Sans" panose="020B0503020203020204" pitchFamily="34" charset="0"/>
-              </a:rPr>
-              <a:t>I</a:t>
-            </a:r>
-            <a:r>
-              <a:rPr lang="en-IN" b="0" i="0" dirty="0">
-                <a:solidFill>
-                  <a:srgbClr val="444444"/>
-                </a:solidFill>
-                <a:effectLst/>
-                <a:latin typeface="PT Sans" panose="020B0503020203020204" pitchFamily="34" charset="0"/>
-              </a:rPr>
-              <a:t>nitialized only when it’s requested for the first time.</a:t>
-            </a:r>
-          </a:p>
-          <a:p>
-            <a:r>
-              <a:rPr lang="en-IN" dirty="0">
-                <a:solidFill>
-                  <a:srgbClr val="444444"/>
-                </a:solidFill>
-                <a:latin typeface="PT Sans" panose="020B0503020203020204" pitchFamily="34" charset="0"/>
-              </a:rPr>
-              <a:t>Cons</a:t>
-            </a:r>
-          </a:p>
-          <a:p>
-            <a:pPr lvl="1"/>
-            <a:r>
-              <a:rPr lang="en-IN" b="0" i="0" dirty="0">
-                <a:solidFill>
-                  <a:srgbClr val="444444"/>
-                </a:solidFill>
-                <a:effectLst/>
-                <a:latin typeface="PT Sans" panose="020B0503020203020204" pitchFamily="34" charset="0"/>
-              </a:rPr>
-              <a:t>Violates the </a:t>
-            </a:r>
-            <a:r>
-              <a:rPr lang="en-IN" b="0" i="1" dirty="0">
-                <a:solidFill>
-                  <a:srgbClr val="444444"/>
-                </a:solidFill>
-                <a:effectLst/>
-                <a:latin typeface="PT Sans" panose="020B0503020203020204" pitchFamily="34" charset="0"/>
-              </a:rPr>
-              <a:t>Single Responsibility Principle</a:t>
-            </a:r>
-            <a:r>
-              <a:rPr lang="en-IN" b="0" i="0" dirty="0">
-                <a:solidFill>
-                  <a:srgbClr val="444444"/>
-                </a:solidFill>
-                <a:effectLst/>
-                <a:latin typeface="PT Sans" panose="020B0503020203020204" pitchFamily="34" charset="0"/>
-              </a:rPr>
-              <a:t>.</a:t>
-            </a:r>
-          </a:p>
-          <a:p>
-            <a:pPr lvl="1"/>
-            <a:r>
-              <a:rPr lang="en-IN" dirty="0">
-                <a:solidFill>
-                  <a:srgbClr val="444444"/>
-                </a:solidFill>
-                <a:latin typeface="PT Sans" panose="020B0503020203020204" pitchFamily="34" charset="0"/>
-              </a:rPr>
-              <a:t>R</a:t>
-            </a:r>
-            <a:r>
-              <a:rPr lang="en-IN" b="0" i="0" dirty="0">
-                <a:solidFill>
-                  <a:srgbClr val="444444"/>
-                </a:solidFill>
-                <a:effectLst/>
-                <a:latin typeface="PT Sans" panose="020B0503020203020204" pitchFamily="34" charset="0"/>
-              </a:rPr>
-              <a:t>equires special treatment in a multithreaded environment.</a:t>
-            </a:r>
-          </a:p>
-          <a:p>
-            <a:pPr lvl="1"/>
-            <a:r>
-              <a:rPr lang="en-IN" b="0" i="0" dirty="0">
-                <a:solidFill>
-                  <a:srgbClr val="444444"/>
-                </a:solidFill>
-                <a:effectLst/>
-                <a:latin typeface="PT Sans" panose="020B0503020203020204" pitchFamily="34" charset="0"/>
-              </a:rPr>
-              <a:t>Difficult to write </a:t>
-            </a:r>
-            <a:r>
-              <a:rPr lang="en-IN" b="0" i="0">
-                <a:solidFill>
-                  <a:srgbClr val="444444"/>
-                </a:solidFill>
-                <a:effectLst/>
-                <a:latin typeface="PT Sans" panose="020B0503020203020204" pitchFamily="34" charset="0"/>
-              </a:rPr>
-              <a:t>unit tests.</a:t>
-            </a:r>
-            <a:endParaRPr lang="en-IN" b="0" i="0" dirty="0">
-              <a:solidFill>
-                <a:srgbClr val="444444"/>
-              </a:solidFill>
-              <a:effectLst/>
-              <a:latin typeface="PT Sans" panose="020B0503020203020204" pitchFamily="34" charset="0"/>
-            </a:endParaRPr>
-          </a:p>
-          <a:p>
-            <a:endParaRPr lang="en-IN" dirty="0"/>
-          </a:p>
-        </p:txBody>
-      </p:sp>
+              <a:t>Singleton Pseudocode</a:t>
+            </a:r>
+          </a:p>
+        </p:txBody>
+      </p:sp>
+      <p:pic>
+        <p:nvPicPr>
+          <p:cNvPr id="5" name="Picture 4">
+            <a:extLst>
+              <a:ext uri="{FF2B5EF4-FFF2-40B4-BE49-F238E27FC236}">
+                <a16:creationId xmlns:a16="http://schemas.microsoft.com/office/drawing/2014/main" id="{92F4A325-B619-59D3-7A25-7BA8B11ED9A6}"/>
+              </a:ext>
+            </a:extLst>
+          </p:cNvPr>
+          <p:cNvPicPr>
+            <a:picLocks noChangeAspect="1"/>
+          </p:cNvPicPr>
+          <p:nvPr/>
+        </p:nvPicPr>
+        <p:blipFill>
+          <a:blip r:embed="rId2"/>
+          <a:stretch>
+            <a:fillRect/>
+          </a:stretch>
+        </p:blipFill>
+        <p:spPr>
+          <a:xfrm>
+            <a:off x="3739019" y="1690688"/>
+            <a:ext cx="4713961" cy="4618148"/>
+          </a:xfrm>
+          <a:prstGeom prst="rect">
+            <a:avLst/>
+          </a:prstGeom>
+        </p:spPr>
+      </p:pic>
     </p:spTree>
     <p:extLst>
       <p:ext uri="{BB962C8B-B14F-4D97-AF65-F5344CB8AC3E}">
-        <p14:creationId xmlns:p14="http://schemas.microsoft.com/office/powerpoint/2010/main" val="2480836975"/>
+        <p14:creationId xmlns:p14="http://schemas.microsoft.com/office/powerpoint/2010/main" val="2180995641"/>
+      </p:ext>
+    </p:extLst>
+  </p:cSld>
+  <p:clrMapOvr>
+    <a:masterClrMapping/>
+  </p:clrMapOvr>
+</p:sld>
+</file>
+
+<file path=ppt/slides/slide16.xml><?xml version="1.0" encoding="utf-8"?>
+<p:sld xmlns:a="http://schemas.openxmlformats.org/drawingml/2006/main" xmlns:r="http://schemas.openxmlformats.org/officeDocument/2006/relationships" xmlns:p="http://schemas.openxmlformats.org/presentationml/2006/main">
+  <p:cSld>
+    <p:spTree>
+      <p:nvGrpSpPr>
+        <p:cNvPr id="1" name=""/>
+        <p:cNvGrpSpPr/>
+        <p:nvPr/>
+      </p:nvGrpSpPr>
+      <p:grpSpPr>
+        <a:xfrm>
+          <a:off x="0" y="0"/>
+          <a:ext cx="0" cy="0"/>
+          <a:chOff x="0" y="0"/>
+          <a:chExt cx="0" cy="0"/>
+        </a:xfrm>
+      </p:grpSpPr>
+      <p:sp>
+        <p:nvSpPr>
+          <p:cNvPr id="2" name="Title 1">
+            <a:extLst>
+              <a:ext uri="{FF2B5EF4-FFF2-40B4-BE49-F238E27FC236}">
+                <a16:creationId xmlns:a16="http://schemas.microsoft.com/office/drawing/2014/main" id="{35BE6346-05D2-35B6-90A9-07ABE2398AB6}"/>
+              </a:ext>
+            </a:extLst>
+          </p:cNvPr>
+          <p:cNvSpPr>
+            <a:spLocks noGrp="1"/>
+          </p:cNvSpPr>
+          <p:nvPr>
+            <p:ph type="title"/>
+          </p:nvPr>
+        </p:nvSpPr>
+        <p:spPr/>
+        <p:txBody>
+          <a:bodyPr/>
+          <a:lstStyle/>
+          <a:p>
+            <a:r>
+              <a:rPr lang="en-IN" dirty="0"/>
+              <a:t>Structural Patterns</a:t>
+            </a:r>
+          </a:p>
+        </p:txBody>
+      </p:sp>
+      <p:sp>
+        <p:nvSpPr>
+          <p:cNvPr id="3" name="Content Placeholder 2">
+            <a:extLst>
+              <a:ext uri="{FF2B5EF4-FFF2-40B4-BE49-F238E27FC236}">
+                <a16:creationId xmlns:a16="http://schemas.microsoft.com/office/drawing/2014/main" id="{1089C873-E3BD-001A-B368-286AC59E5D35}"/>
+              </a:ext>
+            </a:extLst>
+          </p:cNvPr>
+          <p:cNvSpPr>
+            <a:spLocks noGrp="1"/>
+          </p:cNvSpPr>
+          <p:nvPr>
+            <p:ph idx="1"/>
+          </p:nvPr>
+        </p:nvSpPr>
+        <p:spPr/>
+        <p:txBody>
+          <a:bodyPr/>
+          <a:lstStyle/>
+          <a:p>
+            <a:r>
+              <a:rPr lang="en-IN" dirty="0"/>
+              <a:t>Adapter</a:t>
+            </a:r>
+          </a:p>
+          <a:p>
+            <a:r>
+              <a:rPr lang="en-IN" dirty="0"/>
+              <a:t>Bridge</a:t>
+            </a:r>
+          </a:p>
+          <a:p>
+            <a:r>
+              <a:rPr lang="en-IN" dirty="0"/>
+              <a:t>Composite</a:t>
+            </a:r>
+          </a:p>
+          <a:p>
+            <a:r>
+              <a:rPr lang="en-IN" dirty="0"/>
+              <a:t>Decorator</a:t>
+            </a:r>
+          </a:p>
+          <a:p>
+            <a:r>
+              <a:rPr lang="en-IN" dirty="0"/>
+              <a:t>Facade Flyweight</a:t>
+            </a:r>
+          </a:p>
+          <a:p>
+            <a:r>
+              <a:rPr lang="en-IN" dirty="0"/>
+              <a:t>Proxy</a:t>
+            </a:r>
+          </a:p>
+          <a:p>
+            <a:endParaRPr lang="en-IN" dirty="0"/>
+          </a:p>
+        </p:txBody>
+      </p:sp>
+    </p:spTree>
+    <p:extLst>
+      <p:ext uri="{BB962C8B-B14F-4D97-AF65-F5344CB8AC3E}">
+        <p14:creationId xmlns:p14="http://schemas.microsoft.com/office/powerpoint/2010/main" val="3401666930"/>
+      </p:ext>
+    </p:extLst>
+  </p:cSld>
+  <p:clrMapOvr>
+    <a:masterClrMapping/>
+  </p:clrMapOvr>
+</p:sld>
+</file>
+
+<file path=ppt/slides/slide17.xml><?xml version="1.0" encoding="utf-8"?>
+<p:sld xmlns:a="http://schemas.openxmlformats.org/drawingml/2006/main" xmlns:r="http://schemas.openxmlformats.org/officeDocument/2006/relationships" xmlns:p="http://schemas.openxmlformats.org/presentationml/2006/main">
+  <p:cSld>
+    <p:spTree>
+      <p:nvGrpSpPr>
+        <p:cNvPr id="1" name=""/>
+        <p:cNvGrpSpPr/>
+        <p:nvPr/>
+      </p:nvGrpSpPr>
+      <p:grpSpPr>
+        <a:xfrm>
+          <a:off x="0" y="0"/>
+          <a:ext cx="0" cy="0"/>
+          <a:chOff x="0" y="0"/>
+          <a:chExt cx="0" cy="0"/>
+        </a:xfrm>
+      </p:grpSpPr>
+      <p:sp>
+        <p:nvSpPr>
+          <p:cNvPr id="2" name="Title 1">
+            <a:extLst>
+              <a:ext uri="{FF2B5EF4-FFF2-40B4-BE49-F238E27FC236}">
+                <a16:creationId xmlns:a16="http://schemas.microsoft.com/office/drawing/2014/main" id="{FE577C1C-B750-7D0E-4C70-83CE5CED0CBA}"/>
+              </a:ext>
+            </a:extLst>
+          </p:cNvPr>
+          <p:cNvSpPr>
+            <a:spLocks noGrp="1"/>
+          </p:cNvSpPr>
+          <p:nvPr>
+            <p:ph type="title"/>
+          </p:nvPr>
+        </p:nvSpPr>
+        <p:spPr/>
+        <p:txBody>
+          <a:bodyPr/>
+          <a:lstStyle/>
+          <a:p>
+            <a:r>
+              <a:rPr lang="en-IN" dirty="0"/>
+              <a:t>Behavioural Patterns</a:t>
+            </a:r>
+          </a:p>
+        </p:txBody>
+      </p:sp>
+      <p:sp>
+        <p:nvSpPr>
+          <p:cNvPr id="3" name="Content Placeholder 2">
+            <a:extLst>
+              <a:ext uri="{FF2B5EF4-FFF2-40B4-BE49-F238E27FC236}">
+                <a16:creationId xmlns:a16="http://schemas.microsoft.com/office/drawing/2014/main" id="{BB8C0F62-2B55-F5D3-1507-4854AEDD36FC}"/>
+              </a:ext>
+            </a:extLst>
+          </p:cNvPr>
+          <p:cNvSpPr>
+            <a:spLocks noGrp="1"/>
+          </p:cNvSpPr>
+          <p:nvPr>
+            <p:ph idx="1"/>
+          </p:nvPr>
+        </p:nvSpPr>
+        <p:spPr/>
+        <p:txBody>
+          <a:bodyPr>
+            <a:normAutofit fontScale="92500" lnSpcReduction="20000"/>
+          </a:bodyPr>
+          <a:lstStyle/>
+          <a:p>
+            <a:r>
+              <a:rPr lang="en-IN" dirty="0"/>
+              <a:t>Chain of Responsibility</a:t>
+            </a:r>
+          </a:p>
+          <a:p>
+            <a:r>
+              <a:rPr lang="en-IN" dirty="0" err="1"/>
+              <a:t>Comman</a:t>
+            </a:r>
+            <a:endParaRPr lang="en-IN" dirty="0"/>
+          </a:p>
+          <a:p>
+            <a:r>
+              <a:rPr lang="en-IN" dirty="0"/>
+              <a:t>Iterator</a:t>
+            </a:r>
+          </a:p>
+          <a:p>
+            <a:r>
+              <a:rPr lang="en-IN" dirty="0"/>
+              <a:t>Mediator</a:t>
+            </a:r>
+          </a:p>
+          <a:p>
+            <a:r>
+              <a:rPr lang="en-IN" dirty="0"/>
+              <a:t>Memento</a:t>
+            </a:r>
+          </a:p>
+          <a:p>
+            <a:r>
+              <a:rPr lang="en-IN" dirty="0"/>
+              <a:t>Observer</a:t>
+            </a:r>
+          </a:p>
+          <a:p>
+            <a:r>
+              <a:rPr lang="en-IN" dirty="0"/>
+              <a:t>State</a:t>
+            </a:r>
+          </a:p>
+          <a:p>
+            <a:r>
+              <a:rPr lang="en-IN" dirty="0"/>
+              <a:t>Strategy</a:t>
+            </a:r>
+          </a:p>
+          <a:p>
+            <a:r>
+              <a:rPr lang="en-IN" dirty="0"/>
+              <a:t>Template Method</a:t>
+            </a:r>
+          </a:p>
+          <a:p>
+            <a:r>
+              <a:rPr lang="en-IN" dirty="0"/>
+              <a:t>Visitor</a:t>
+            </a:r>
+          </a:p>
+        </p:txBody>
+      </p:sp>
+    </p:spTree>
+    <p:extLst>
+      <p:ext uri="{BB962C8B-B14F-4D97-AF65-F5344CB8AC3E}">
+        <p14:creationId xmlns:p14="http://schemas.microsoft.com/office/powerpoint/2010/main" val="2217283215"/>
       </p:ext>
     </p:extLst>
   </p:cSld>
@@ -5482,6 +5266,12 @@
             <a:r>
               <a:rPr lang="en-IN" dirty="0"/>
               <a:t>Abstract Factory - produce families of related objects without specifying their concrete classes. A class delegates the responsibility of object instantiation to another object via composition.</a:t>
+            </a:r>
+          </a:p>
+          <a:p>
+            <a:r>
+              <a:rPr lang="en-IN" dirty="0"/>
+              <a:t>Abstract Factory pattern is just the Factory Method pattern used recursively.</a:t>
             </a:r>
           </a:p>
         </p:txBody>
@@ -7915,173 +7705,6 @@
           <p:cNvPr id="2" name="Title 1">
             <a:extLst>
               <a:ext uri="{FF2B5EF4-FFF2-40B4-BE49-F238E27FC236}">
-                <a16:creationId xmlns:a16="http://schemas.microsoft.com/office/drawing/2014/main" id="{7D194CA5-F5F9-ACBD-487C-69501F3A7DD5}"/>
-              </a:ext>
-            </a:extLst>
-          </p:cNvPr>
-          <p:cNvSpPr>
-            <a:spLocks noGrp="1"/>
-          </p:cNvSpPr>
-          <p:nvPr>
-            <p:ph type="title"/>
-          </p:nvPr>
-        </p:nvSpPr>
-        <p:spPr>
-          <a:xfrm>
-            <a:off x="838200" y="365125"/>
-            <a:ext cx="5181600" cy="1325563"/>
-          </a:xfrm>
-        </p:spPr>
-        <p:txBody>
-          <a:bodyPr/>
-          <a:lstStyle/>
-          <a:p>
-            <a:r>
-              <a:rPr lang="en-IN" dirty="0"/>
-              <a:t>Factory Method</a:t>
-            </a:r>
-          </a:p>
-        </p:txBody>
-      </p:sp>
-      <p:sp>
-        <p:nvSpPr>
-          <p:cNvPr id="4" name="Content Placeholder 3">
-            <a:extLst>
-              <a:ext uri="{FF2B5EF4-FFF2-40B4-BE49-F238E27FC236}">
-                <a16:creationId xmlns:a16="http://schemas.microsoft.com/office/drawing/2014/main" id="{E14D4BCC-3D54-92CC-819B-BFA3AFEF99C0}"/>
-              </a:ext>
-            </a:extLst>
-          </p:cNvPr>
-          <p:cNvSpPr>
-            <a:spLocks noGrp="1"/>
-          </p:cNvSpPr>
-          <p:nvPr>
-            <p:ph sz="half" idx="1"/>
-          </p:nvPr>
-        </p:nvSpPr>
-        <p:spPr/>
-        <p:txBody>
-          <a:bodyPr/>
-          <a:lstStyle/>
-          <a:p>
-            <a:endParaRPr lang="en-IN" dirty="0"/>
-          </a:p>
-        </p:txBody>
-      </p:sp>
-      <p:sp>
-        <p:nvSpPr>
-          <p:cNvPr id="5" name="Content Placeholder 4">
-            <a:extLst>
-              <a:ext uri="{FF2B5EF4-FFF2-40B4-BE49-F238E27FC236}">
-                <a16:creationId xmlns:a16="http://schemas.microsoft.com/office/drawing/2014/main" id="{42A8B027-7AF7-00D9-91C0-387324972D3E}"/>
-              </a:ext>
-            </a:extLst>
-          </p:cNvPr>
-          <p:cNvSpPr>
-            <a:spLocks noGrp="1"/>
-          </p:cNvSpPr>
-          <p:nvPr>
-            <p:ph sz="half" idx="2"/>
-          </p:nvPr>
-        </p:nvSpPr>
-        <p:spPr/>
-        <p:txBody>
-          <a:bodyPr/>
-          <a:lstStyle/>
-          <a:p>
-            <a:endParaRPr lang="en-IN" dirty="0"/>
-          </a:p>
-        </p:txBody>
-      </p:sp>
-      <p:sp>
-        <p:nvSpPr>
-          <p:cNvPr id="6" name="Title 1">
-            <a:extLst>
-              <a:ext uri="{FF2B5EF4-FFF2-40B4-BE49-F238E27FC236}">
-                <a16:creationId xmlns:a16="http://schemas.microsoft.com/office/drawing/2014/main" id="{3B5A340D-E181-B1AF-08C3-50A8CB4F096B}"/>
-              </a:ext>
-            </a:extLst>
-          </p:cNvPr>
-          <p:cNvSpPr txBox="1">
-            <a:spLocks/>
-          </p:cNvSpPr>
-          <p:nvPr/>
-        </p:nvSpPr>
-        <p:spPr>
-          <a:xfrm>
-            <a:off x="6172200" y="365125"/>
-            <a:ext cx="5181600" cy="1325563"/>
-          </a:xfrm>
-          <a:prstGeom prst="rect">
-            <a:avLst/>
-          </a:prstGeom>
-        </p:spPr>
-        <p:txBody>
-          <a:bodyPr vert="horz" lIns="91440" tIns="45720" rIns="91440" bIns="45720" rtlCol="0" anchor="ctr">
-            <a:normAutofit/>
-          </a:bodyPr>
-          <a:lstStyle>
-            <a:lvl1pPr algn="l" defTabSz="914400" rtl="0" eaLnBrk="1" latinLnBrk="0" hangingPunct="1">
-              <a:lnSpc>
-                <a:spcPct val="90000"/>
-              </a:lnSpc>
-              <a:spcBef>
-                <a:spcPct val="0"/>
-              </a:spcBef>
-              <a:buNone/>
-              <a:defRPr sz="4400" kern="1200">
-                <a:solidFill>
-                  <a:schemeClr val="tx1"/>
-                </a:solidFill>
-                <a:latin typeface="+mj-lt"/>
-                <a:ea typeface="+mj-ea"/>
-                <a:cs typeface="+mj-cs"/>
-              </a:defRPr>
-            </a:lvl1pPr>
-          </a:lstStyle>
-          <a:p>
-            <a:r>
-              <a:rPr lang="en-IN" dirty="0"/>
-              <a:t>Abstract Factory</a:t>
-            </a:r>
-          </a:p>
-        </p:txBody>
-      </p:sp>
-    </p:spTree>
-    <p:extLst>
-      <p:ext uri="{BB962C8B-B14F-4D97-AF65-F5344CB8AC3E}">
-        <p14:creationId xmlns:p14="http://schemas.microsoft.com/office/powerpoint/2010/main" val="1945027842"/>
-      </p:ext>
-    </p:extLst>
-  </p:cSld>
-  <p:clrMapOvr>
-    <a:masterClrMapping/>
-  </p:clrMapOvr>
-</p:sld>
-</file>
-
-<file path=ppt/slides/slide9.xml><?xml version="1.0" encoding="utf-8"?>
-<p:sld xmlns:a="http://schemas.openxmlformats.org/drawingml/2006/main" xmlns:r="http://schemas.openxmlformats.org/officeDocument/2006/relationships" xmlns:p="http://schemas.openxmlformats.org/presentationml/2006/main">
-  <p:cSld>
-    <p:spTree>
-      <p:nvGrpSpPr>
-        <p:cNvPr id="1" name=""/>
-        <p:cNvGrpSpPr/>
-        <p:nvPr/>
-      </p:nvGrpSpPr>
-      <p:grpSpPr>
-        <a:xfrm>
-          <a:off x="0" y="0"/>
-          <a:ext cx="0" cy="0"/>
-          <a:chOff x="0" y="0"/>
-          <a:chExt cx="0" cy="0"/>
-        </a:xfrm>
-      </p:grpSpPr>
-      <p:sp>
-        <p:nvSpPr>
-          <p:cNvPr id="2" name="Title 1">
-            <a:extLst>
-              <a:ext uri="{FF2B5EF4-FFF2-40B4-BE49-F238E27FC236}">
                 <a16:creationId xmlns:a16="http://schemas.microsoft.com/office/drawing/2014/main" id="{3B9D4045-4A48-FF07-364A-9F067E178836}"/>
               </a:ext>
             </a:extLst>
@@ -8867,6 +8490,593 @@
     <p:extLst>
       <p:ext uri="{BB962C8B-B14F-4D97-AF65-F5344CB8AC3E}">
         <p14:creationId xmlns:p14="http://schemas.microsoft.com/office/powerpoint/2010/main" val="4063388272"/>
+      </p:ext>
+    </p:extLst>
+  </p:cSld>
+  <p:clrMapOvr>
+    <a:masterClrMapping/>
+  </p:clrMapOvr>
+</p:sld>
+</file>
+
+<file path=ppt/slides/slide9.xml><?xml version="1.0" encoding="utf-8"?>
+<p:sld xmlns:a="http://schemas.openxmlformats.org/drawingml/2006/main" xmlns:r="http://schemas.openxmlformats.org/officeDocument/2006/relationships" xmlns:p="http://schemas.openxmlformats.org/presentationml/2006/main">
+  <p:cSld>
+    <p:spTree>
+      <p:nvGrpSpPr>
+        <p:cNvPr id="1" name=""/>
+        <p:cNvGrpSpPr/>
+        <p:nvPr/>
+      </p:nvGrpSpPr>
+      <p:grpSpPr>
+        <a:xfrm>
+          <a:off x="0" y="0"/>
+          <a:ext cx="0" cy="0"/>
+          <a:chOff x="0" y="0"/>
+          <a:chExt cx="0" cy="0"/>
+        </a:xfrm>
+      </p:grpSpPr>
+      <p:sp>
+        <p:nvSpPr>
+          <p:cNvPr id="2" name="Title 1">
+            <a:extLst>
+              <a:ext uri="{FF2B5EF4-FFF2-40B4-BE49-F238E27FC236}">
+                <a16:creationId xmlns:a16="http://schemas.microsoft.com/office/drawing/2014/main" id="{01A0F3F8-E359-FA82-4976-9554FA1B196D}"/>
+              </a:ext>
+            </a:extLst>
+          </p:cNvPr>
+          <p:cNvSpPr>
+            <a:spLocks noGrp="1"/>
+          </p:cNvSpPr>
+          <p:nvPr>
+            <p:ph type="title"/>
+          </p:nvPr>
+        </p:nvSpPr>
+        <p:spPr/>
+        <p:txBody>
+          <a:bodyPr/>
+          <a:lstStyle/>
+          <a:p>
+            <a:r>
+              <a:rPr lang="en-IN" dirty="0"/>
+              <a:t>Builder</a:t>
+            </a:r>
+          </a:p>
+        </p:txBody>
+      </p:sp>
+      <p:sp>
+        <p:nvSpPr>
+          <p:cNvPr id="4" name="Rectangle: Rounded Corners 3">
+            <a:extLst>
+              <a:ext uri="{FF2B5EF4-FFF2-40B4-BE49-F238E27FC236}">
+                <a16:creationId xmlns:a16="http://schemas.microsoft.com/office/drawing/2014/main" id="{41A67700-8F7D-C4EC-AB38-670F44B09764}"/>
+              </a:ext>
+            </a:extLst>
+          </p:cNvPr>
+          <p:cNvSpPr/>
+          <p:nvPr/>
+        </p:nvSpPr>
+        <p:spPr>
+          <a:xfrm>
+            <a:off x="4816045" y="1690688"/>
+            <a:ext cx="2559910" cy="1118417"/>
+          </a:xfrm>
+          <a:prstGeom prst="roundRect">
+            <a:avLst/>
+          </a:prstGeom>
+          <a:solidFill>
+            <a:schemeClr val="tx1"/>
+          </a:solidFill>
+          <a:ln>
+            <a:solidFill>
+              <a:schemeClr val="tx1"/>
+            </a:solidFill>
+          </a:ln>
+        </p:spPr>
+        <p:style>
+          <a:lnRef idx="2">
+            <a:schemeClr val="dk1">
+              <a:shade val="15000"/>
+            </a:schemeClr>
+          </a:lnRef>
+          <a:fillRef idx="1">
+            <a:schemeClr val="dk1"/>
+          </a:fillRef>
+          <a:effectRef idx="0">
+            <a:schemeClr val="dk1"/>
+          </a:effectRef>
+          <a:fontRef idx="minor">
+            <a:schemeClr val="lt1"/>
+          </a:fontRef>
+        </p:style>
+        <p:txBody>
+          <a:bodyPr rtlCol="0" anchor="ctr"/>
+          <a:lstStyle/>
+          <a:p>
+            <a:pPr marL="0" marR="0" lvl="0" indent="0" algn="ctr" defTabSz="914400" rtl="0" eaLnBrk="1" fontAlgn="auto" latinLnBrk="0" hangingPunct="1">
+              <a:lnSpc>
+                <a:spcPct val="100000"/>
+              </a:lnSpc>
+              <a:spcBef>
+                <a:spcPts val="0"/>
+              </a:spcBef>
+              <a:spcAft>
+                <a:spcPts val="0"/>
+              </a:spcAft>
+              <a:buClrTx/>
+              <a:buSzTx/>
+              <a:buFontTx/>
+              <a:buNone/>
+              <a:tabLst/>
+              <a:defRPr/>
+            </a:pPr>
+            <a:r>
+              <a:rPr kumimoji="0" lang="en-IN" sz="2800" b="0" i="0" u="none" strike="noStrike" kern="1200" cap="none" spc="0" normalizeH="0" baseline="0" noProof="0" dirty="0">
+                <a:ln>
+                  <a:noFill/>
+                </a:ln>
+                <a:solidFill>
+                  <a:prstClr val="white"/>
+                </a:solidFill>
+                <a:effectLst/>
+                <a:uLnTx/>
+                <a:uFillTx/>
+                <a:latin typeface="Calibri" panose="020F0502020204030204"/>
+                <a:ea typeface="+mn-ea"/>
+                <a:cs typeface="+mn-cs"/>
+              </a:rPr>
+              <a:t>Director</a:t>
+            </a:r>
+          </a:p>
+        </p:txBody>
+      </p:sp>
+      <p:sp>
+        <p:nvSpPr>
+          <p:cNvPr id="5" name="Rectangle: Rounded Corners 4">
+            <a:extLst>
+              <a:ext uri="{FF2B5EF4-FFF2-40B4-BE49-F238E27FC236}">
+                <a16:creationId xmlns:a16="http://schemas.microsoft.com/office/drawing/2014/main" id="{AC695B33-2653-9E8C-DBE8-49DD205BF4BE}"/>
+              </a:ext>
+            </a:extLst>
+          </p:cNvPr>
+          <p:cNvSpPr/>
+          <p:nvPr/>
+        </p:nvSpPr>
+        <p:spPr>
+          <a:xfrm>
+            <a:off x="4816045" y="4050098"/>
+            <a:ext cx="2559910" cy="1118417"/>
+          </a:xfrm>
+          <a:prstGeom prst="roundRect">
+            <a:avLst/>
+          </a:prstGeom>
+          <a:solidFill>
+            <a:schemeClr val="tx1"/>
+          </a:solidFill>
+          <a:ln>
+            <a:solidFill>
+              <a:schemeClr val="tx1"/>
+            </a:solidFill>
+          </a:ln>
+        </p:spPr>
+        <p:style>
+          <a:lnRef idx="2">
+            <a:schemeClr val="dk1">
+              <a:shade val="15000"/>
+            </a:schemeClr>
+          </a:lnRef>
+          <a:fillRef idx="1">
+            <a:schemeClr val="dk1"/>
+          </a:fillRef>
+          <a:effectRef idx="0">
+            <a:schemeClr val="dk1"/>
+          </a:effectRef>
+          <a:fontRef idx="minor">
+            <a:schemeClr val="lt1"/>
+          </a:fontRef>
+        </p:style>
+        <p:txBody>
+          <a:bodyPr rtlCol="0" anchor="ctr"/>
+          <a:lstStyle/>
+          <a:p>
+            <a:pPr marL="0" marR="0" lvl="0" indent="0" algn="ctr" defTabSz="914400" rtl="0" eaLnBrk="1" fontAlgn="auto" latinLnBrk="0" hangingPunct="1">
+              <a:lnSpc>
+                <a:spcPct val="100000"/>
+              </a:lnSpc>
+              <a:spcBef>
+                <a:spcPts val="0"/>
+              </a:spcBef>
+              <a:spcAft>
+                <a:spcPts val="0"/>
+              </a:spcAft>
+              <a:buClrTx/>
+              <a:buSzTx/>
+              <a:buFontTx/>
+              <a:buNone/>
+              <a:tabLst/>
+              <a:defRPr/>
+            </a:pPr>
+            <a:r>
+              <a:rPr kumimoji="0" lang="en-IN" sz="2000" b="0" i="0" u="none" strike="noStrike" kern="1200" cap="none" spc="0" normalizeH="0" baseline="0" noProof="0" dirty="0" err="1">
+                <a:ln>
+                  <a:noFill/>
+                </a:ln>
+                <a:solidFill>
+                  <a:prstClr val="white"/>
+                </a:solidFill>
+                <a:effectLst/>
+                <a:uLnTx/>
+                <a:uFillTx/>
+                <a:latin typeface="Calibri" panose="020F0502020204030204"/>
+                <a:ea typeface="+mn-ea"/>
+                <a:cs typeface="+mn-cs"/>
+              </a:rPr>
+              <a:t>CasualShoeBuilder</a:t>
+            </a:r>
+            <a:endParaRPr kumimoji="0" lang="en-IN" sz="2000" b="0" i="0" u="none" strike="noStrike" kern="1200" cap="none" spc="0" normalizeH="0" baseline="0" noProof="0" dirty="0">
+              <a:ln>
+                <a:noFill/>
+              </a:ln>
+              <a:solidFill>
+                <a:prstClr val="white"/>
+              </a:solidFill>
+              <a:effectLst/>
+              <a:uLnTx/>
+              <a:uFillTx/>
+              <a:latin typeface="Calibri" panose="020F0502020204030204"/>
+              <a:ea typeface="+mn-ea"/>
+              <a:cs typeface="+mn-cs"/>
+            </a:endParaRPr>
+          </a:p>
+        </p:txBody>
+      </p:sp>
+      <p:sp>
+        <p:nvSpPr>
+          <p:cNvPr id="6" name="Rectangle: Rounded Corners 5">
+            <a:extLst>
+              <a:ext uri="{FF2B5EF4-FFF2-40B4-BE49-F238E27FC236}">
+                <a16:creationId xmlns:a16="http://schemas.microsoft.com/office/drawing/2014/main" id="{6132F345-5C9E-8AEA-251E-C7A6E419DAF5}"/>
+              </a:ext>
+            </a:extLst>
+          </p:cNvPr>
+          <p:cNvSpPr/>
+          <p:nvPr/>
+        </p:nvSpPr>
+        <p:spPr>
+          <a:xfrm>
+            <a:off x="838200" y="4050097"/>
+            <a:ext cx="2559910" cy="1118417"/>
+          </a:xfrm>
+          <a:prstGeom prst="roundRect">
+            <a:avLst/>
+          </a:prstGeom>
+          <a:solidFill>
+            <a:schemeClr val="tx1"/>
+          </a:solidFill>
+          <a:ln>
+            <a:solidFill>
+              <a:schemeClr val="tx1"/>
+            </a:solidFill>
+          </a:ln>
+        </p:spPr>
+        <p:style>
+          <a:lnRef idx="2">
+            <a:schemeClr val="dk1">
+              <a:shade val="15000"/>
+            </a:schemeClr>
+          </a:lnRef>
+          <a:fillRef idx="1">
+            <a:schemeClr val="dk1"/>
+          </a:fillRef>
+          <a:effectRef idx="0">
+            <a:schemeClr val="dk1"/>
+          </a:effectRef>
+          <a:fontRef idx="minor">
+            <a:schemeClr val="lt1"/>
+          </a:fontRef>
+        </p:style>
+        <p:txBody>
+          <a:bodyPr rtlCol="0" anchor="ctr"/>
+          <a:lstStyle/>
+          <a:p>
+            <a:pPr marL="0" marR="0" lvl="0" indent="0" algn="ctr" defTabSz="914400" rtl="0" eaLnBrk="1" fontAlgn="auto" latinLnBrk="0" hangingPunct="1">
+              <a:lnSpc>
+                <a:spcPct val="100000"/>
+              </a:lnSpc>
+              <a:spcBef>
+                <a:spcPts val="0"/>
+              </a:spcBef>
+              <a:spcAft>
+                <a:spcPts val="0"/>
+              </a:spcAft>
+              <a:buClrTx/>
+              <a:buSzTx/>
+              <a:buFontTx/>
+              <a:buNone/>
+              <a:tabLst/>
+              <a:defRPr/>
+            </a:pPr>
+            <a:r>
+              <a:rPr kumimoji="0" lang="en-IN" sz="2000" b="0" i="0" u="none" strike="noStrike" kern="1200" cap="none" spc="0" normalizeH="0" baseline="0" noProof="0" dirty="0" err="1">
+                <a:ln>
+                  <a:noFill/>
+                </a:ln>
+                <a:solidFill>
+                  <a:prstClr val="white"/>
+                </a:solidFill>
+                <a:effectLst/>
+                <a:uLnTx/>
+                <a:uFillTx/>
+                <a:latin typeface="Calibri" panose="020F0502020204030204"/>
+                <a:ea typeface="+mn-ea"/>
+                <a:cs typeface="+mn-cs"/>
+              </a:rPr>
+              <a:t>FormalShoeBuilder</a:t>
+            </a:r>
+            <a:endParaRPr kumimoji="0" lang="en-IN" sz="2000" b="0" i="0" u="none" strike="noStrike" kern="1200" cap="none" spc="0" normalizeH="0" baseline="0" noProof="0" dirty="0">
+              <a:ln>
+                <a:noFill/>
+              </a:ln>
+              <a:solidFill>
+                <a:prstClr val="white"/>
+              </a:solidFill>
+              <a:effectLst/>
+              <a:uLnTx/>
+              <a:uFillTx/>
+              <a:latin typeface="Calibri" panose="020F0502020204030204"/>
+              <a:ea typeface="+mn-ea"/>
+              <a:cs typeface="+mn-cs"/>
+            </a:endParaRPr>
+          </a:p>
+        </p:txBody>
+      </p:sp>
+      <p:sp>
+        <p:nvSpPr>
+          <p:cNvPr id="7" name="Rectangle: Rounded Corners 6">
+            <a:extLst>
+              <a:ext uri="{FF2B5EF4-FFF2-40B4-BE49-F238E27FC236}">
+                <a16:creationId xmlns:a16="http://schemas.microsoft.com/office/drawing/2014/main" id="{ACB1EA2E-1285-858F-0CA7-E57433991C8F}"/>
+              </a:ext>
+            </a:extLst>
+          </p:cNvPr>
+          <p:cNvSpPr/>
+          <p:nvPr/>
+        </p:nvSpPr>
+        <p:spPr>
+          <a:xfrm>
+            <a:off x="8793890" y="4050097"/>
+            <a:ext cx="2559910" cy="1118417"/>
+          </a:xfrm>
+          <a:prstGeom prst="roundRect">
+            <a:avLst/>
+          </a:prstGeom>
+          <a:solidFill>
+            <a:schemeClr val="tx1"/>
+          </a:solidFill>
+          <a:ln>
+            <a:solidFill>
+              <a:schemeClr val="tx1"/>
+            </a:solidFill>
+          </a:ln>
+        </p:spPr>
+        <p:style>
+          <a:lnRef idx="2">
+            <a:schemeClr val="dk1">
+              <a:shade val="15000"/>
+            </a:schemeClr>
+          </a:lnRef>
+          <a:fillRef idx="1">
+            <a:schemeClr val="dk1"/>
+          </a:fillRef>
+          <a:effectRef idx="0">
+            <a:schemeClr val="dk1"/>
+          </a:effectRef>
+          <a:fontRef idx="minor">
+            <a:schemeClr val="lt1"/>
+          </a:fontRef>
+        </p:style>
+        <p:txBody>
+          <a:bodyPr rtlCol="0" anchor="ctr"/>
+          <a:lstStyle/>
+          <a:p>
+            <a:pPr marL="0" marR="0" lvl="0" indent="0" algn="ctr" defTabSz="914400" rtl="0" eaLnBrk="1" fontAlgn="auto" latinLnBrk="0" hangingPunct="1">
+              <a:lnSpc>
+                <a:spcPct val="100000"/>
+              </a:lnSpc>
+              <a:spcBef>
+                <a:spcPts val="0"/>
+              </a:spcBef>
+              <a:spcAft>
+                <a:spcPts val="0"/>
+              </a:spcAft>
+              <a:buClrTx/>
+              <a:buSzTx/>
+              <a:buFontTx/>
+              <a:buNone/>
+              <a:tabLst/>
+              <a:defRPr/>
+            </a:pPr>
+            <a:r>
+              <a:rPr kumimoji="0" lang="en-IN" sz="2000" b="0" i="0" u="none" strike="noStrike" kern="1200" cap="none" spc="0" normalizeH="0" baseline="0" noProof="0" dirty="0" err="1">
+                <a:ln>
+                  <a:noFill/>
+                </a:ln>
+                <a:solidFill>
+                  <a:prstClr val="white"/>
+                </a:solidFill>
+                <a:effectLst/>
+                <a:uLnTx/>
+                <a:uFillTx/>
+                <a:latin typeface="Calibri" panose="020F0502020204030204"/>
+                <a:ea typeface="+mn-ea"/>
+                <a:cs typeface="+mn-cs"/>
+              </a:rPr>
+              <a:t>SportShoeBuilder</a:t>
+            </a:r>
+            <a:endParaRPr kumimoji="0" lang="en-IN" sz="2000" b="0" i="0" u="none" strike="noStrike" kern="1200" cap="none" spc="0" normalizeH="0" baseline="0" noProof="0" dirty="0">
+              <a:ln>
+                <a:noFill/>
+              </a:ln>
+              <a:solidFill>
+                <a:prstClr val="white"/>
+              </a:solidFill>
+              <a:effectLst/>
+              <a:uLnTx/>
+              <a:uFillTx/>
+              <a:latin typeface="Calibri" panose="020F0502020204030204"/>
+              <a:ea typeface="+mn-ea"/>
+              <a:cs typeface="+mn-cs"/>
+            </a:endParaRPr>
+          </a:p>
+        </p:txBody>
+      </p:sp>
+      <p:cxnSp>
+        <p:nvCxnSpPr>
+          <p:cNvPr id="9" name="Connector: Curved 8">
+            <a:extLst>
+              <a:ext uri="{FF2B5EF4-FFF2-40B4-BE49-F238E27FC236}">
+                <a16:creationId xmlns:a16="http://schemas.microsoft.com/office/drawing/2014/main" id="{6AB02DD9-1D06-0636-CC80-FA5C062CB272}"/>
+              </a:ext>
+            </a:extLst>
+          </p:cNvPr>
+          <p:cNvCxnSpPr>
+            <a:cxnSpLocks/>
+            <a:stCxn id="6" idx="0"/>
+            <a:endCxn id="4" idx="1"/>
+          </p:cNvCxnSpPr>
+          <p:nvPr/>
+        </p:nvCxnSpPr>
+        <p:spPr>
+          <a:xfrm rot="5400000" flipH="1" flipV="1">
+            <a:off x="2567000" y="1801052"/>
+            <a:ext cx="1800200" cy="2697890"/>
+          </a:xfrm>
+          <a:prstGeom prst="curvedConnector2">
+            <a:avLst/>
+          </a:prstGeom>
+          <a:ln w="57150">
+            <a:solidFill>
+              <a:schemeClr val="tx1"/>
+            </a:solidFill>
+            <a:headEnd type="none" w="med" len="med"/>
+            <a:tailEnd type="arrow" w="med" len="med"/>
+          </a:ln>
+        </p:spPr>
+        <p:style>
+          <a:lnRef idx="1">
+            <a:schemeClr val="accent1"/>
+          </a:lnRef>
+          <a:fillRef idx="0">
+            <a:schemeClr val="accent1"/>
+          </a:fillRef>
+          <a:effectRef idx="0">
+            <a:schemeClr val="accent1"/>
+          </a:effectRef>
+          <a:fontRef idx="minor">
+            <a:schemeClr val="tx1"/>
+          </a:fontRef>
+        </p:style>
+      </p:cxnSp>
+      <p:cxnSp>
+        <p:nvCxnSpPr>
+          <p:cNvPr id="11" name="Connector: Curved 10">
+            <a:extLst>
+              <a:ext uri="{FF2B5EF4-FFF2-40B4-BE49-F238E27FC236}">
+                <a16:creationId xmlns:a16="http://schemas.microsoft.com/office/drawing/2014/main" id="{20C37292-C0FA-2332-715B-AE611AFB38DC}"/>
+              </a:ext>
+            </a:extLst>
+          </p:cNvPr>
+          <p:cNvCxnSpPr>
+            <a:cxnSpLocks/>
+            <a:stCxn id="5" idx="0"/>
+            <a:endCxn id="4" idx="2"/>
+          </p:cNvCxnSpPr>
+          <p:nvPr/>
+        </p:nvCxnSpPr>
+        <p:spPr>
+          <a:xfrm rot="5400000" flipH="1" flipV="1">
+            <a:off x="5475504" y="3429602"/>
+            <a:ext cx="1240993" cy="12700"/>
+          </a:xfrm>
+          <a:prstGeom prst="curvedConnector3">
+            <a:avLst>
+              <a:gd name="adj1" fmla="val 50000"/>
+            </a:avLst>
+          </a:prstGeom>
+          <a:ln w="57150">
+            <a:solidFill>
+              <a:schemeClr val="tx1"/>
+            </a:solidFill>
+            <a:headEnd type="none" w="med" len="med"/>
+            <a:tailEnd type="arrow" w="med" len="med"/>
+          </a:ln>
+        </p:spPr>
+        <p:style>
+          <a:lnRef idx="1">
+            <a:schemeClr val="accent1"/>
+          </a:lnRef>
+          <a:fillRef idx="0">
+            <a:schemeClr val="accent1"/>
+          </a:fillRef>
+          <a:effectRef idx="0">
+            <a:schemeClr val="accent1"/>
+          </a:effectRef>
+          <a:fontRef idx="minor">
+            <a:schemeClr val="tx1"/>
+          </a:fontRef>
+        </p:style>
+      </p:cxnSp>
+      <p:cxnSp>
+        <p:nvCxnSpPr>
+          <p:cNvPr id="14" name="Connector: Curved 13">
+            <a:extLst>
+              <a:ext uri="{FF2B5EF4-FFF2-40B4-BE49-F238E27FC236}">
+                <a16:creationId xmlns:a16="http://schemas.microsoft.com/office/drawing/2014/main" id="{DA7C8825-63BD-0649-A57B-9D71206C6090}"/>
+              </a:ext>
+            </a:extLst>
+          </p:cNvPr>
+          <p:cNvCxnSpPr>
+            <a:cxnSpLocks/>
+            <a:stCxn id="7" idx="0"/>
+            <a:endCxn id="4" idx="3"/>
+          </p:cNvCxnSpPr>
+          <p:nvPr/>
+        </p:nvCxnSpPr>
+        <p:spPr>
+          <a:xfrm rot="16200000" flipV="1">
+            <a:off x="7824800" y="1801052"/>
+            <a:ext cx="1800200" cy="2697890"/>
+          </a:xfrm>
+          <a:prstGeom prst="curvedConnector2">
+            <a:avLst/>
+          </a:prstGeom>
+          <a:ln w="57150">
+            <a:solidFill>
+              <a:schemeClr val="tx1"/>
+            </a:solidFill>
+            <a:headEnd type="none" w="med" len="med"/>
+            <a:tailEnd type="arrow" w="med" len="med"/>
+          </a:ln>
+        </p:spPr>
+        <p:style>
+          <a:lnRef idx="1">
+            <a:schemeClr val="accent1"/>
+          </a:lnRef>
+          <a:fillRef idx="0">
+            <a:schemeClr val="accent1"/>
+          </a:fillRef>
+          <a:effectRef idx="0">
+            <a:schemeClr val="accent1"/>
+          </a:effectRef>
+          <a:fontRef idx="minor">
+            <a:schemeClr val="tx1"/>
+          </a:fontRef>
+        </p:style>
+      </p:cxnSp>
+    </p:spTree>
+    <p:extLst>
+      <p:ext uri="{BB962C8B-B14F-4D97-AF65-F5344CB8AC3E}">
+        <p14:creationId xmlns:p14="http://schemas.microsoft.com/office/powerpoint/2010/main" val="3077424333"/>
       </p:ext>
     </p:extLst>
   </p:cSld>

--- a/Design Patterns.pptx
+++ b/Design Patterns.pptx
@@ -5,7 +5,7 @@
     <p:sldMasterId id="2147483648" r:id="rId1"/>
   </p:sldMasterIdLst>
   <p:notesMasterIdLst>
-    <p:notesMasterId r:id="rId19"/>
+    <p:notesMasterId r:id="rId20"/>
   </p:notesMasterIdLst>
   <p:sldIdLst>
     <p:sldId id="256" r:id="rId2"/>
@@ -13,18 +13,19 @@
     <p:sldId id="258" r:id="rId4"/>
     <p:sldId id="259" r:id="rId5"/>
     <p:sldId id="265" r:id="rId6"/>
-    <p:sldId id="268" r:id="rId7"/>
-    <p:sldId id="260" r:id="rId8"/>
-    <p:sldId id="270" r:id="rId9"/>
-    <p:sldId id="262" r:id="rId10"/>
-    <p:sldId id="266" r:id="rId11"/>
-    <p:sldId id="271" r:id="rId12"/>
-    <p:sldId id="263" r:id="rId13"/>
-    <p:sldId id="272" r:id="rId14"/>
-    <p:sldId id="264" r:id="rId15"/>
-    <p:sldId id="273" r:id="rId16"/>
-    <p:sldId id="274" r:id="rId17"/>
-    <p:sldId id="275" r:id="rId18"/>
+    <p:sldId id="276" r:id="rId7"/>
+    <p:sldId id="268" r:id="rId8"/>
+    <p:sldId id="260" r:id="rId9"/>
+    <p:sldId id="270" r:id="rId10"/>
+    <p:sldId id="262" r:id="rId11"/>
+    <p:sldId id="266" r:id="rId12"/>
+    <p:sldId id="271" r:id="rId13"/>
+    <p:sldId id="263" r:id="rId14"/>
+    <p:sldId id="272" r:id="rId15"/>
+    <p:sldId id="264" r:id="rId16"/>
+    <p:sldId id="273" r:id="rId17"/>
+    <p:sldId id="274" r:id="rId18"/>
+    <p:sldId id="275" r:id="rId19"/>
   </p:sldIdLst>
   <p:sldSz cx="12192000" cy="6858000"/>
   <p:notesSz cx="6858000" cy="9144000"/>
@@ -213,7 +214,7 @@
           <a:p>
             <a:fld id="{A0AA705F-E206-4F94-A69A-F50A59FBE0C1}" type="datetimeFigureOut">
               <a:rPr lang="en-IN" smtClean="0"/>
-              <a:t>10-09-2024</a:t>
+              <a:t>11-09-2024</a:t>
             </a:fld>
             <a:endParaRPr lang="en-IN"/>
           </a:p>
@@ -639,7 +640,7 @@
           <a:p>
             <a:fld id="{C79C3944-4F61-4CCE-B08C-F804EB22EAE0}" type="slidenum">
               <a:rPr lang="en-IN" smtClean="0"/>
-              <a:t>8</a:t>
+              <a:t>9</a:t>
             </a:fld>
             <a:endParaRPr lang="en-IN"/>
           </a:p>
@@ -726,7 +727,7 @@
           <a:p>
             <a:fld id="{C79C3944-4F61-4CCE-B08C-F804EB22EAE0}" type="slidenum">
               <a:rPr lang="en-IN" smtClean="0"/>
-              <a:t>14</a:t>
+              <a:t>15</a:t>
             </a:fld>
             <a:endParaRPr lang="en-IN"/>
           </a:p>
@@ -894,7 +895,7 @@
           <a:p>
             <a:fld id="{E44E0BB5-29C2-425A-849D-FCC9BFC3DA79}" type="datetimeFigureOut">
               <a:rPr lang="en-IN" smtClean="0"/>
-              <a:t>10-09-2024</a:t>
+              <a:t>11-09-2024</a:t>
             </a:fld>
             <a:endParaRPr lang="en-IN"/>
           </a:p>
@@ -1094,7 +1095,7 @@
           <a:p>
             <a:fld id="{E44E0BB5-29C2-425A-849D-FCC9BFC3DA79}" type="datetimeFigureOut">
               <a:rPr lang="en-IN" smtClean="0"/>
-              <a:t>10-09-2024</a:t>
+              <a:t>11-09-2024</a:t>
             </a:fld>
             <a:endParaRPr lang="en-IN"/>
           </a:p>
@@ -1304,7 +1305,7 @@
           <a:p>
             <a:fld id="{E44E0BB5-29C2-425A-849D-FCC9BFC3DA79}" type="datetimeFigureOut">
               <a:rPr lang="en-IN" smtClean="0"/>
-              <a:t>10-09-2024</a:t>
+              <a:t>11-09-2024</a:t>
             </a:fld>
             <a:endParaRPr lang="en-IN"/>
           </a:p>
@@ -1504,7 +1505,7 @@
           <a:p>
             <a:fld id="{E44E0BB5-29C2-425A-849D-FCC9BFC3DA79}" type="datetimeFigureOut">
               <a:rPr lang="en-IN" smtClean="0"/>
-              <a:t>10-09-2024</a:t>
+              <a:t>11-09-2024</a:t>
             </a:fld>
             <a:endParaRPr lang="en-IN"/>
           </a:p>
@@ -1780,7 +1781,7 @@
           <a:p>
             <a:fld id="{E44E0BB5-29C2-425A-849D-FCC9BFC3DA79}" type="datetimeFigureOut">
               <a:rPr lang="en-IN" smtClean="0"/>
-              <a:t>10-09-2024</a:t>
+              <a:t>11-09-2024</a:t>
             </a:fld>
             <a:endParaRPr lang="en-IN"/>
           </a:p>
@@ -2048,7 +2049,7 @@
           <a:p>
             <a:fld id="{E44E0BB5-29C2-425A-849D-FCC9BFC3DA79}" type="datetimeFigureOut">
               <a:rPr lang="en-IN" smtClean="0"/>
-              <a:t>10-09-2024</a:t>
+              <a:t>11-09-2024</a:t>
             </a:fld>
             <a:endParaRPr lang="en-IN"/>
           </a:p>
@@ -2463,7 +2464,7 @@
           <a:p>
             <a:fld id="{E44E0BB5-29C2-425A-849D-FCC9BFC3DA79}" type="datetimeFigureOut">
               <a:rPr lang="en-IN" smtClean="0"/>
-              <a:t>10-09-2024</a:t>
+              <a:t>11-09-2024</a:t>
             </a:fld>
             <a:endParaRPr lang="en-IN"/>
           </a:p>
@@ -2605,7 +2606,7 @@
           <a:p>
             <a:fld id="{E44E0BB5-29C2-425A-849D-FCC9BFC3DA79}" type="datetimeFigureOut">
               <a:rPr lang="en-IN" smtClean="0"/>
-              <a:t>10-09-2024</a:t>
+              <a:t>11-09-2024</a:t>
             </a:fld>
             <a:endParaRPr lang="en-IN"/>
           </a:p>
@@ -2718,7 +2719,7 @@
           <a:p>
             <a:fld id="{E44E0BB5-29C2-425A-849D-FCC9BFC3DA79}" type="datetimeFigureOut">
               <a:rPr lang="en-IN" smtClean="0"/>
-              <a:t>10-09-2024</a:t>
+              <a:t>11-09-2024</a:t>
             </a:fld>
             <a:endParaRPr lang="en-IN"/>
           </a:p>
@@ -3031,7 +3032,7 @@
           <a:p>
             <a:fld id="{E44E0BB5-29C2-425A-849D-FCC9BFC3DA79}" type="datetimeFigureOut">
               <a:rPr lang="en-IN" smtClean="0"/>
-              <a:t>10-09-2024</a:t>
+              <a:t>11-09-2024</a:t>
             </a:fld>
             <a:endParaRPr lang="en-IN"/>
           </a:p>
@@ -3320,7 +3321,7 @@
           <a:p>
             <a:fld id="{E44E0BB5-29C2-425A-849D-FCC9BFC3DA79}" type="datetimeFigureOut">
               <a:rPr lang="en-IN" smtClean="0"/>
-              <a:t>10-09-2024</a:t>
+              <a:t>11-09-2024</a:t>
             </a:fld>
             <a:endParaRPr lang="en-IN"/>
           </a:p>
@@ -3563,7 +3564,7 @@
           <a:p>
             <a:fld id="{E44E0BB5-29C2-425A-849D-FCC9BFC3DA79}" type="datetimeFigureOut">
               <a:rPr lang="en-IN" smtClean="0"/>
-              <a:t>10-09-2024</a:t>
+              <a:t>11-09-2024</a:t>
             </a:fld>
             <a:endParaRPr lang="en-IN"/>
           </a:p>
@@ -4068,7 +4069,7 @@
           <p:cNvPr id="2" name="Title 1">
             <a:extLst>
               <a:ext uri="{FF2B5EF4-FFF2-40B4-BE49-F238E27FC236}">
-                <a16:creationId xmlns:a16="http://schemas.microsoft.com/office/drawing/2014/main" id="{543A1809-E085-456A-8753-3ADCF9D57C46}"/>
+                <a16:creationId xmlns:a16="http://schemas.microsoft.com/office/drawing/2014/main" id="{01A0F3F8-E359-FA82-4976-9554FA1B196D}"/>
               </a:ext>
             </a:extLst>
           </p:cNvPr>
@@ -4086,88 +4087,544 @@
           <a:p>
             <a:r>
               <a:rPr lang="en-IN" dirty="0"/>
-              <a:t>Automobile Factory – Assembly Line</a:t>
-            </a:r>
-          </a:p>
-        </p:txBody>
-      </p:sp>
-      <p:sp>
-        <p:nvSpPr>
-          <p:cNvPr id="3" name="Content Placeholder 2">
-            <a:extLst>
-              <a:ext uri="{FF2B5EF4-FFF2-40B4-BE49-F238E27FC236}">
-                <a16:creationId xmlns:a16="http://schemas.microsoft.com/office/drawing/2014/main" id="{5D3EC98E-C603-EA32-0B48-7DFA0F048963}"/>
-              </a:ext>
-            </a:extLst>
-          </p:cNvPr>
-          <p:cNvSpPr>
-            <a:spLocks noGrp="1"/>
-          </p:cNvSpPr>
-          <p:nvPr>
-            <p:ph idx="1"/>
-          </p:nvPr>
-        </p:nvSpPr>
-        <p:spPr/>
-        <p:txBody>
-          <a:bodyPr/>
-          <a:lstStyle/>
-          <a:p>
-            <a:r>
-              <a:rPr lang="en-IN" dirty="0"/>
-              <a:t>Wheels</a:t>
-            </a:r>
-          </a:p>
-          <a:p>
-            <a:r>
-              <a:rPr lang="en-IN" dirty="0"/>
-              <a:t>Engine</a:t>
-            </a:r>
-          </a:p>
-          <a:p>
-            <a:r>
-              <a:rPr lang="en-IN" dirty="0"/>
-              <a:t>Body material</a:t>
-            </a:r>
-          </a:p>
-          <a:p>
-            <a:r>
-              <a:rPr lang="en-IN" dirty="0"/>
-              <a:t>Doors</a:t>
-            </a:r>
-          </a:p>
-          <a:p>
-            <a:r>
-              <a:rPr lang="en-IN" dirty="0"/>
-              <a:t>Windows</a:t>
-            </a:r>
-          </a:p>
-          <a:p>
-            <a:r>
-              <a:rPr lang="en-IN" dirty="0"/>
-              <a:t>Gears</a:t>
-            </a:r>
-          </a:p>
-          <a:p>
-            <a:r>
-              <a:rPr lang="en-IN" dirty="0"/>
-              <a:t>Headlight</a:t>
-            </a:r>
-          </a:p>
-          <a:p>
-            <a:pPr marL="0" indent="0">
+              <a:t>Builder</a:t>
+            </a:r>
+          </a:p>
+        </p:txBody>
+      </p:sp>
+      <p:sp>
+        <p:nvSpPr>
+          <p:cNvPr id="4" name="Rectangle: Rounded Corners 3">
+            <a:extLst>
+              <a:ext uri="{FF2B5EF4-FFF2-40B4-BE49-F238E27FC236}">
+                <a16:creationId xmlns:a16="http://schemas.microsoft.com/office/drawing/2014/main" id="{41A67700-8F7D-C4EC-AB38-670F44B09764}"/>
+              </a:ext>
+            </a:extLst>
+          </p:cNvPr>
+          <p:cNvSpPr/>
+          <p:nvPr/>
+        </p:nvSpPr>
+        <p:spPr>
+          <a:xfrm>
+            <a:off x="4816045" y="1690688"/>
+            <a:ext cx="2559910" cy="1118417"/>
+          </a:xfrm>
+          <a:prstGeom prst="roundRect">
+            <a:avLst/>
+          </a:prstGeom>
+          <a:solidFill>
+            <a:schemeClr val="tx1"/>
+          </a:solidFill>
+          <a:ln>
+            <a:solidFill>
+              <a:schemeClr val="tx1"/>
+            </a:solidFill>
+          </a:ln>
+        </p:spPr>
+        <p:style>
+          <a:lnRef idx="2">
+            <a:schemeClr val="dk1">
+              <a:shade val="15000"/>
+            </a:schemeClr>
+          </a:lnRef>
+          <a:fillRef idx="1">
+            <a:schemeClr val="dk1"/>
+          </a:fillRef>
+          <a:effectRef idx="0">
+            <a:schemeClr val="dk1"/>
+          </a:effectRef>
+          <a:fontRef idx="minor">
+            <a:schemeClr val="lt1"/>
+          </a:fontRef>
+        </p:style>
+        <p:txBody>
+          <a:bodyPr rtlCol="0" anchor="ctr"/>
+          <a:lstStyle/>
+          <a:p>
+            <a:pPr marL="0" marR="0" lvl="0" indent="0" algn="ctr" defTabSz="914400" rtl="0" eaLnBrk="1" fontAlgn="auto" latinLnBrk="0" hangingPunct="1">
+              <a:lnSpc>
+                <a:spcPct val="100000"/>
+              </a:lnSpc>
+              <a:spcBef>
+                <a:spcPts val="0"/>
+              </a:spcBef>
+              <a:spcAft>
+                <a:spcPts val="0"/>
+              </a:spcAft>
+              <a:buClrTx/>
+              <a:buSzTx/>
+              <a:buFontTx/>
               <a:buNone/>
+              <a:tabLst/>
+              <a:defRPr/>
             </a:pPr>
             <a:r>
-              <a:rPr lang="en-IN" dirty="0"/>
-              <a:t>…</a:t>
-            </a:r>
-          </a:p>
-        </p:txBody>
-      </p:sp>
+              <a:rPr kumimoji="0" lang="en-IN" sz="2800" b="0" i="0" u="none" strike="noStrike" kern="1200" cap="none" spc="0" normalizeH="0" baseline="0" noProof="0" dirty="0">
+                <a:ln>
+                  <a:noFill/>
+                </a:ln>
+                <a:solidFill>
+                  <a:prstClr val="white"/>
+                </a:solidFill>
+                <a:effectLst/>
+                <a:uLnTx/>
+                <a:uFillTx/>
+                <a:latin typeface="Calibri" panose="020F0502020204030204"/>
+                <a:ea typeface="+mn-ea"/>
+                <a:cs typeface="+mn-cs"/>
+              </a:rPr>
+              <a:t>Director</a:t>
+            </a:r>
+          </a:p>
+        </p:txBody>
+      </p:sp>
+      <p:sp>
+        <p:nvSpPr>
+          <p:cNvPr id="5" name="Rectangle: Rounded Corners 4">
+            <a:extLst>
+              <a:ext uri="{FF2B5EF4-FFF2-40B4-BE49-F238E27FC236}">
+                <a16:creationId xmlns:a16="http://schemas.microsoft.com/office/drawing/2014/main" id="{AC695B33-2653-9E8C-DBE8-49DD205BF4BE}"/>
+              </a:ext>
+            </a:extLst>
+          </p:cNvPr>
+          <p:cNvSpPr/>
+          <p:nvPr/>
+        </p:nvSpPr>
+        <p:spPr>
+          <a:xfrm>
+            <a:off x="4816045" y="4050098"/>
+            <a:ext cx="2559910" cy="1118417"/>
+          </a:xfrm>
+          <a:prstGeom prst="roundRect">
+            <a:avLst/>
+          </a:prstGeom>
+          <a:solidFill>
+            <a:schemeClr val="tx1"/>
+          </a:solidFill>
+          <a:ln>
+            <a:solidFill>
+              <a:schemeClr val="tx1"/>
+            </a:solidFill>
+          </a:ln>
+        </p:spPr>
+        <p:style>
+          <a:lnRef idx="2">
+            <a:schemeClr val="dk1">
+              <a:shade val="15000"/>
+            </a:schemeClr>
+          </a:lnRef>
+          <a:fillRef idx="1">
+            <a:schemeClr val="dk1"/>
+          </a:fillRef>
+          <a:effectRef idx="0">
+            <a:schemeClr val="dk1"/>
+          </a:effectRef>
+          <a:fontRef idx="minor">
+            <a:schemeClr val="lt1"/>
+          </a:fontRef>
+        </p:style>
+        <p:txBody>
+          <a:bodyPr rtlCol="0" anchor="ctr"/>
+          <a:lstStyle/>
+          <a:p>
+            <a:pPr marL="0" marR="0" lvl="0" indent="0" algn="ctr" defTabSz="914400" rtl="0" eaLnBrk="1" fontAlgn="auto" latinLnBrk="0" hangingPunct="1">
+              <a:lnSpc>
+                <a:spcPct val="100000"/>
+              </a:lnSpc>
+              <a:spcBef>
+                <a:spcPts val="0"/>
+              </a:spcBef>
+              <a:spcAft>
+                <a:spcPts val="0"/>
+              </a:spcAft>
+              <a:buClrTx/>
+              <a:buSzTx/>
+              <a:buFontTx/>
+              <a:buNone/>
+              <a:tabLst/>
+              <a:defRPr/>
+            </a:pPr>
+            <a:r>
+              <a:rPr kumimoji="0" lang="en-IN" sz="2000" b="0" i="0" u="none" strike="noStrike" kern="1200" cap="none" spc="0" normalizeH="0" baseline="0" noProof="0" dirty="0" err="1">
+                <a:ln>
+                  <a:noFill/>
+                </a:ln>
+                <a:solidFill>
+                  <a:prstClr val="white"/>
+                </a:solidFill>
+                <a:effectLst/>
+                <a:uLnTx/>
+                <a:uFillTx/>
+                <a:latin typeface="Calibri" panose="020F0502020204030204"/>
+                <a:ea typeface="+mn-ea"/>
+                <a:cs typeface="+mn-cs"/>
+              </a:rPr>
+              <a:t>CasualShoeBuilder</a:t>
+            </a:r>
+            <a:endParaRPr kumimoji="0" lang="en-IN" sz="2000" b="0" i="0" u="none" strike="noStrike" kern="1200" cap="none" spc="0" normalizeH="0" baseline="0" noProof="0" dirty="0">
+              <a:ln>
+                <a:noFill/>
+              </a:ln>
+              <a:solidFill>
+                <a:prstClr val="white"/>
+              </a:solidFill>
+              <a:effectLst/>
+              <a:uLnTx/>
+              <a:uFillTx/>
+              <a:latin typeface="Calibri" panose="020F0502020204030204"/>
+              <a:ea typeface="+mn-ea"/>
+              <a:cs typeface="+mn-cs"/>
+            </a:endParaRPr>
+          </a:p>
+        </p:txBody>
+      </p:sp>
+      <p:sp>
+        <p:nvSpPr>
+          <p:cNvPr id="6" name="Rectangle: Rounded Corners 5">
+            <a:extLst>
+              <a:ext uri="{FF2B5EF4-FFF2-40B4-BE49-F238E27FC236}">
+                <a16:creationId xmlns:a16="http://schemas.microsoft.com/office/drawing/2014/main" id="{6132F345-5C9E-8AEA-251E-C7A6E419DAF5}"/>
+              </a:ext>
+            </a:extLst>
+          </p:cNvPr>
+          <p:cNvSpPr/>
+          <p:nvPr/>
+        </p:nvSpPr>
+        <p:spPr>
+          <a:xfrm>
+            <a:off x="838200" y="4050097"/>
+            <a:ext cx="2559910" cy="1118417"/>
+          </a:xfrm>
+          <a:prstGeom prst="roundRect">
+            <a:avLst/>
+          </a:prstGeom>
+          <a:solidFill>
+            <a:schemeClr val="tx1"/>
+          </a:solidFill>
+          <a:ln>
+            <a:solidFill>
+              <a:schemeClr val="tx1"/>
+            </a:solidFill>
+          </a:ln>
+        </p:spPr>
+        <p:style>
+          <a:lnRef idx="2">
+            <a:schemeClr val="dk1">
+              <a:shade val="15000"/>
+            </a:schemeClr>
+          </a:lnRef>
+          <a:fillRef idx="1">
+            <a:schemeClr val="dk1"/>
+          </a:fillRef>
+          <a:effectRef idx="0">
+            <a:schemeClr val="dk1"/>
+          </a:effectRef>
+          <a:fontRef idx="minor">
+            <a:schemeClr val="lt1"/>
+          </a:fontRef>
+        </p:style>
+        <p:txBody>
+          <a:bodyPr rtlCol="0" anchor="ctr"/>
+          <a:lstStyle/>
+          <a:p>
+            <a:pPr marL="0" marR="0" lvl="0" indent="0" algn="ctr" defTabSz="914400" rtl="0" eaLnBrk="1" fontAlgn="auto" latinLnBrk="0" hangingPunct="1">
+              <a:lnSpc>
+                <a:spcPct val="100000"/>
+              </a:lnSpc>
+              <a:spcBef>
+                <a:spcPts val="0"/>
+              </a:spcBef>
+              <a:spcAft>
+                <a:spcPts val="0"/>
+              </a:spcAft>
+              <a:buClrTx/>
+              <a:buSzTx/>
+              <a:buFontTx/>
+              <a:buNone/>
+              <a:tabLst/>
+              <a:defRPr/>
+            </a:pPr>
+            <a:r>
+              <a:rPr kumimoji="0" lang="en-IN" sz="2000" b="0" i="0" u="none" strike="noStrike" kern="1200" cap="none" spc="0" normalizeH="0" baseline="0" noProof="0" dirty="0" err="1">
+                <a:ln>
+                  <a:noFill/>
+                </a:ln>
+                <a:solidFill>
+                  <a:prstClr val="white"/>
+                </a:solidFill>
+                <a:effectLst/>
+                <a:uLnTx/>
+                <a:uFillTx/>
+                <a:latin typeface="Calibri" panose="020F0502020204030204"/>
+                <a:ea typeface="+mn-ea"/>
+                <a:cs typeface="+mn-cs"/>
+              </a:rPr>
+              <a:t>FormalShoeBuilder</a:t>
+            </a:r>
+            <a:endParaRPr kumimoji="0" lang="en-IN" sz="2000" b="0" i="0" u="none" strike="noStrike" kern="1200" cap="none" spc="0" normalizeH="0" baseline="0" noProof="0" dirty="0">
+              <a:ln>
+                <a:noFill/>
+              </a:ln>
+              <a:solidFill>
+                <a:prstClr val="white"/>
+              </a:solidFill>
+              <a:effectLst/>
+              <a:uLnTx/>
+              <a:uFillTx/>
+              <a:latin typeface="Calibri" panose="020F0502020204030204"/>
+              <a:ea typeface="+mn-ea"/>
+              <a:cs typeface="+mn-cs"/>
+            </a:endParaRPr>
+          </a:p>
+        </p:txBody>
+      </p:sp>
+      <p:sp>
+        <p:nvSpPr>
+          <p:cNvPr id="7" name="Rectangle: Rounded Corners 6">
+            <a:extLst>
+              <a:ext uri="{FF2B5EF4-FFF2-40B4-BE49-F238E27FC236}">
+                <a16:creationId xmlns:a16="http://schemas.microsoft.com/office/drawing/2014/main" id="{ACB1EA2E-1285-858F-0CA7-E57433991C8F}"/>
+              </a:ext>
+            </a:extLst>
+          </p:cNvPr>
+          <p:cNvSpPr/>
+          <p:nvPr/>
+        </p:nvSpPr>
+        <p:spPr>
+          <a:xfrm>
+            <a:off x="8793890" y="4050097"/>
+            <a:ext cx="2559910" cy="1118417"/>
+          </a:xfrm>
+          <a:prstGeom prst="roundRect">
+            <a:avLst/>
+          </a:prstGeom>
+          <a:solidFill>
+            <a:schemeClr val="tx1"/>
+          </a:solidFill>
+          <a:ln>
+            <a:solidFill>
+              <a:schemeClr val="tx1"/>
+            </a:solidFill>
+          </a:ln>
+        </p:spPr>
+        <p:style>
+          <a:lnRef idx="2">
+            <a:schemeClr val="dk1">
+              <a:shade val="15000"/>
+            </a:schemeClr>
+          </a:lnRef>
+          <a:fillRef idx="1">
+            <a:schemeClr val="dk1"/>
+          </a:fillRef>
+          <a:effectRef idx="0">
+            <a:schemeClr val="dk1"/>
+          </a:effectRef>
+          <a:fontRef idx="minor">
+            <a:schemeClr val="lt1"/>
+          </a:fontRef>
+        </p:style>
+        <p:txBody>
+          <a:bodyPr rtlCol="0" anchor="ctr"/>
+          <a:lstStyle/>
+          <a:p>
+            <a:pPr marL="0" marR="0" lvl="0" indent="0" algn="ctr" defTabSz="914400" rtl="0" eaLnBrk="1" fontAlgn="auto" latinLnBrk="0" hangingPunct="1">
+              <a:lnSpc>
+                <a:spcPct val="100000"/>
+              </a:lnSpc>
+              <a:spcBef>
+                <a:spcPts val="0"/>
+              </a:spcBef>
+              <a:spcAft>
+                <a:spcPts val="0"/>
+              </a:spcAft>
+              <a:buClrTx/>
+              <a:buSzTx/>
+              <a:buFontTx/>
+              <a:buNone/>
+              <a:tabLst/>
+              <a:defRPr/>
+            </a:pPr>
+            <a:r>
+              <a:rPr kumimoji="0" lang="en-IN" sz="2000" b="0" i="0" u="none" strike="noStrike" kern="1200" cap="none" spc="0" normalizeH="0" baseline="0" noProof="0" dirty="0" err="1">
+                <a:ln>
+                  <a:noFill/>
+                </a:ln>
+                <a:solidFill>
+                  <a:prstClr val="white"/>
+                </a:solidFill>
+                <a:effectLst/>
+                <a:uLnTx/>
+                <a:uFillTx/>
+                <a:latin typeface="Calibri" panose="020F0502020204030204"/>
+                <a:ea typeface="+mn-ea"/>
+                <a:cs typeface="+mn-cs"/>
+              </a:rPr>
+              <a:t>SportShoeBuilder</a:t>
+            </a:r>
+            <a:endParaRPr kumimoji="0" lang="en-IN" sz="2000" b="0" i="0" u="none" strike="noStrike" kern="1200" cap="none" spc="0" normalizeH="0" baseline="0" noProof="0" dirty="0">
+              <a:ln>
+                <a:noFill/>
+              </a:ln>
+              <a:solidFill>
+                <a:prstClr val="white"/>
+              </a:solidFill>
+              <a:effectLst/>
+              <a:uLnTx/>
+              <a:uFillTx/>
+              <a:latin typeface="Calibri" panose="020F0502020204030204"/>
+              <a:ea typeface="+mn-ea"/>
+              <a:cs typeface="+mn-cs"/>
+            </a:endParaRPr>
+          </a:p>
+        </p:txBody>
+      </p:sp>
+      <p:cxnSp>
+        <p:nvCxnSpPr>
+          <p:cNvPr id="9" name="Connector: Curved 8">
+            <a:extLst>
+              <a:ext uri="{FF2B5EF4-FFF2-40B4-BE49-F238E27FC236}">
+                <a16:creationId xmlns:a16="http://schemas.microsoft.com/office/drawing/2014/main" id="{6AB02DD9-1D06-0636-CC80-FA5C062CB272}"/>
+              </a:ext>
+            </a:extLst>
+          </p:cNvPr>
+          <p:cNvCxnSpPr>
+            <a:cxnSpLocks/>
+            <a:stCxn id="6" idx="0"/>
+            <a:endCxn id="4" idx="1"/>
+          </p:cNvCxnSpPr>
+          <p:nvPr/>
+        </p:nvCxnSpPr>
+        <p:spPr>
+          <a:xfrm rot="5400000" flipH="1" flipV="1">
+            <a:off x="2567000" y="1801052"/>
+            <a:ext cx="1800200" cy="2697890"/>
+          </a:xfrm>
+          <a:prstGeom prst="curvedConnector2">
+            <a:avLst/>
+          </a:prstGeom>
+          <a:ln w="57150">
+            <a:solidFill>
+              <a:schemeClr val="tx1"/>
+            </a:solidFill>
+            <a:headEnd type="none" w="med" len="med"/>
+            <a:tailEnd type="arrow" w="med" len="med"/>
+          </a:ln>
+        </p:spPr>
+        <p:style>
+          <a:lnRef idx="1">
+            <a:schemeClr val="accent1"/>
+          </a:lnRef>
+          <a:fillRef idx="0">
+            <a:schemeClr val="accent1"/>
+          </a:fillRef>
+          <a:effectRef idx="0">
+            <a:schemeClr val="accent1"/>
+          </a:effectRef>
+          <a:fontRef idx="minor">
+            <a:schemeClr val="tx1"/>
+          </a:fontRef>
+        </p:style>
+      </p:cxnSp>
+      <p:cxnSp>
+        <p:nvCxnSpPr>
+          <p:cNvPr id="11" name="Connector: Curved 10">
+            <a:extLst>
+              <a:ext uri="{FF2B5EF4-FFF2-40B4-BE49-F238E27FC236}">
+                <a16:creationId xmlns:a16="http://schemas.microsoft.com/office/drawing/2014/main" id="{20C37292-C0FA-2332-715B-AE611AFB38DC}"/>
+              </a:ext>
+            </a:extLst>
+          </p:cNvPr>
+          <p:cNvCxnSpPr>
+            <a:cxnSpLocks/>
+            <a:stCxn id="5" idx="0"/>
+            <a:endCxn id="4" idx="2"/>
+          </p:cNvCxnSpPr>
+          <p:nvPr/>
+        </p:nvCxnSpPr>
+        <p:spPr>
+          <a:xfrm rot="5400000" flipH="1" flipV="1">
+            <a:off x="5475504" y="3429602"/>
+            <a:ext cx="1240993" cy="12700"/>
+          </a:xfrm>
+          <a:prstGeom prst="curvedConnector3">
+            <a:avLst>
+              <a:gd name="adj1" fmla="val 50000"/>
+            </a:avLst>
+          </a:prstGeom>
+          <a:ln w="57150">
+            <a:solidFill>
+              <a:schemeClr val="tx1"/>
+            </a:solidFill>
+            <a:headEnd type="none" w="med" len="med"/>
+            <a:tailEnd type="arrow" w="med" len="med"/>
+          </a:ln>
+        </p:spPr>
+        <p:style>
+          <a:lnRef idx="1">
+            <a:schemeClr val="accent1"/>
+          </a:lnRef>
+          <a:fillRef idx="0">
+            <a:schemeClr val="accent1"/>
+          </a:fillRef>
+          <a:effectRef idx="0">
+            <a:schemeClr val="accent1"/>
+          </a:effectRef>
+          <a:fontRef idx="minor">
+            <a:schemeClr val="tx1"/>
+          </a:fontRef>
+        </p:style>
+      </p:cxnSp>
+      <p:cxnSp>
+        <p:nvCxnSpPr>
+          <p:cNvPr id="14" name="Connector: Curved 13">
+            <a:extLst>
+              <a:ext uri="{FF2B5EF4-FFF2-40B4-BE49-F238E27FC236}">
+                <a16:creationId xmlns:a16="http://schemas.microsoft.com/office/drawing/2014/main" id="{DA7C8825-63BD-0649-A57B-9D71206C6090}"/>
+              </a:ext>
+            </a:extLst>
+          </p:cNvPr>
+          <p:cNvCxnSpPr>
+            <a:cxnSpLocks/>
+            <a:stCxn id="7" idx="0"/>
+            <a:endCxn id="4" idx="3"/>
+          </p:cNvCxnSpPr>
+          <p:nvPr/>
+        </p:nvCxnSpPr>
+        <p:spPr>
+          <a:xfrm rot="16200000" flipV="1">
+            <a:off x="7824800" y="1801052"/>
+            <a:ext cx="1800200" cy="2697890"/>
+          </a:xfrm>
+          <a:prstGeom prst="curvedConnector2">
+            <a:avLst/>
+          </a:prstGeom>
+          <a:ln w="57150">
+            <a:solidFill>
+              <a:schemeClr val="tx1"/>
+            </a:solidFill>
+            <a:headEnd type="none" w="med" len="med"/>
+            <a:tailEnd type="arrow" w="med" len="med"/>
+          </a:ln>
+        </p:spPr>
+        <p:style>
+          <a:lnRef idx="1">
+            <a:schemeClr val="accent1"/>
+          </a:lnRef>
+          <a:fillRef idx="0">
+            <a:schemeClr val="accent1"/>
+          </a:fillRef>
+          <a:effectRef idx="0">
+            <a:schemeClr val="accent1"/>
+          </a:effectRef>
+          <a:fontRef idx="minor">
+            <a:schemeClr val="tx1"/>
+          </a:fontRef>
+        </p:style>
+      </p:cxnSp>
     </p:spTree>
     <p:extLst>
       <p:ext uri="{BB962C8B-B14F-4D97-AF65-F5344CB8AC3E}">
-        <p14:creationId xmlns:p14="http://schemas.microsoft.com/office/powerpoint/2010/main" val="3592113010"/>
+        <p14:creationId xmlns:p14="http://schemas.microsoft.com/office/powerpoint/2010/main" val="3077424333"/>
       </p:ext>
     </p:extLst>
   </p:cSld>
@@ -4199,7 +4656,7 @@
           <p:cNvPr id="2" name="Title 1">
             <a:extLst>
               <a:ext uri="{FF2B5EF4-FFF2-40B4-BE49-F238E27FC236}">
-                <a16:creationId xmlns:a16="http://schemas.microsoft.com/office/drawing/2014/main" id="{315BA341-CE87-3BEA-4EDB-22E20F62AFE1}"/>
+                <a16:creationId xmlns:a16="http://schemas.microsoft.com/office/drawing/2014/main" id="{543A1809-E085-456A-8753-3ADCF9D57C46}"/>
               </a:ext>
             </a:extLst>
           </p:cNvPr>
@@ -4217,7 +4674,7 @@
           <a:p>
             <a:r>
               <a:rPr lang="en-IN" dirty="0"/>
-              <a:t>Cloning</a:t>
+              <a:t>Automobile Factory – Assembly Line</a:t>
             </a:r>
           </a:p>
         </p:txBody>
@@ -4227,7 +4684,7 @@
           <p:cNvPr id="3" name="Content Placeholder 2">
             <a:extLst>
               <a:ext uri="{FF2B5EF4-FFF2-40B4-BE49-F238E27FC236}">
-                <a16:creationId xmlns:a16="http://schemas.microsoft.com/office/drawing/2014/main" id="{ADFA6B11-695C-71A8-47BE-2E9BB5809A7B}"/>
+                <a16:creationId xmlns:a16="http://schemas.microsoft.com/office/drawing/2014/main" id="{5D3EC98E-C603-EA32-0B48-7DFA0F048963}"/>
               </a:ext>
             </a:extLst>
           </p:cNvPr>
@@ -4245,46 +4702,52 @@
           <a:p>
             <a:r>
               <a:rPr lang="en-IN" dirty="0"/>
-              <a:t>How to create copies of existing objects?</a:t>
+              <a:t>Wheels</a:t>
             </a:r>
           </a:p>
           <a:p>
             <a:r>
               <a:rPr lang="en-IN" dirty="0"/>
-              <a:t>Simple way: Create a new object and manually copy every property.</a:t>
+              <a:t>Engine</a:t>
             </a:r>
           </a:p>
           <a:p>
             <a:r>
               <a:rPr lang="en-IN" dirty="0"/>
-              <a:t>Problems</a:t>
-            </a:r>
-          </a:p>
-          <a:p>
-            <a:pPr lvl="1"/>
+              <a:t>Body material</a:t>
+            </a:r>
+          </a:p>
+          <a:p>
             <a:r>
               <a:rPr lang="en-IN" dirty="0"/>
-              <a:t>Need to know the class of the object.</a:t>
-            </a:r>
-          </a:p>
-          <a:p>
-            <a:pPr lvl="1"/>
+              <a:t>Doors</a:t>
+            </a:r>
+          </a:p>
+          <a:p>
             <a:r>
               <a:rPr lang="en-IN" dirty="0"/>
-              <a:t>Can’t copy private fields.</a:t>
+              <a:t>Windows</a:t>
             </a:r>
           </a:p>
           <a:p>
             <a:r>
               <a:rPr lang="en-IN" dirty="0"/>
-              <a:t>Solution</a:t>
-            </a:r>
-          </a:p>
-          <a:p>
-            <a:pPr lvl="1"/>
+              <a:t>Gears</a:t>
+            </a:r>
+          </a:p>
+          <a:p>
             <a:r>
               <a:rPr lang="en-IN" dirty="0"/>
-              <a:t>Prototype.</a:t>
+              <a:t>Headlight</a:t>
+            </a:r>
+          </a:p>
+          <a:p>
+            <a:pPr marL="0" indent="0">
+              <a:buNone/>
+            </a:pPr>
+            <a:r>
+              <a:rPr lang="en-IN" dirty="0"/>
+              <a:t>…</a:t>
             </a:r>
           </a:p>
         </p:txBody>
@@ -4292,7 +4755,7 @@
     </p:spTree>
     <p:extLst>
       <p:ext uri="{BB962C8B-B14F-4D97-AF65-F5344CB8AC3E}">
-        <p14:creationId xmlns:p14="http://schemas.microsoft.com/office/powerpoint/2010/main" val="3547473055"/>
+        <p14:creationId xmlns:p14="http://schemas.microsoft.com/office/powerpoint/2010/main" val="3592113010"/>
       </p:ext>
     </p:extLst>
   </p:cSld>
@@ -4324,7 +4787,7 @@
           <p:cNvPr id="2" name="Title 1">
             <a:extLst>
               <a:ext uri="{FF2B5EF4-FFF2-40B4-BE49-F238E27FC236}">
-                <a16:creationId xmlns:a16="http://schemas.microsoft.com/office/drawing/2014/main" id="{35758488-E25F-0A9F-600B-02B0F76D6158}"/>
+                <a16:creationId xmlns:a16="http://schemas.microsoft.com/office/drawing/2014/main" id="{315BA341-CE87-3BEA-4EDB-22E20F62AFE1}"/>
               </a:ext>
             </a:extLst>
           </p:cNvPr>
@@ -4342,7 +4805,7 @@
           <a:p>
             <a:r>
               <a:rPr lang="en-IN" dirty="0"/>
-              <a:t>Prototype</a:t>
+              <a:t>Cloning</a:t>
             </a:r>
           </a:p>
         </p:txBody>
@@ -4352,7 +4815,7 @@
           <p:cNvPr id="3" name="Content Placeholder 2">
             <a:extLst>
               <a:ext uri="{FF2B5EF4-FFF2-40B4-BE49-F238E27FC236}">
-                <a16:creationId xmlns:a16="http://schemas.microsoft.com/office/drawing/2014/main" id="{A7DBAE88-E859-0ACD-BB66-B5B4BC1CBCF9}"/>
+                <a16:creationId xmlns:a16="http://schemas.microsoft.com/office/drawing/2014/main" id="{ADFA6B11-695C-71A8-47BE-2E9BB5809A7B}"/>
               </a:ext>
             </a:extLst>
           </p:cNvPr>
@@ -4370,55 +4833,46 @@
           <a:p>
             <a:r>
               <a:rPr lang="en-IN" dirty="0"/>
-              <a:t>An object that supports cloning is called a </a:t>
-            </a:r>
-            <a:r>
-              <a:rPr lang="en-IN" i="1" dirty="0"/>
-              <a:t>prototype</a:t>
-            </a:r>
+              <a:t>How to create copies of existing objects?</a:t>
+            </a:r>
+          </a:p>
+          <a:p>
             <a:r>
               <a:rPr lang="en-IN" dirty="0"/>
-              <a:t>.</a:t>
+              <a:t>Simple way: Create a new object and manually copy every property.</a:t>
             </a:r>
           </a:p>
           <a:p>
             <a:r>
               <a:rPr lang="en-IN" dirty="0"/>
-              <a:t>Different objects with common base class.</a:t>
-            </a:r>
-          </a:p>
-          <a:p>
+              <a:t>Problems</a:t>
+            </a:r>
+          </a:p>
+          <a:p>
+            <a:pPr lvl="1"/>
             <a:r>
               <a:rPr lang="en-IN" dirty="0"/>
-              <a:t>Real world analogy</a:t>
+              <a:t>Need to know the class of the object.</a:t>
             </a:r>
           </a:p>
           <a:p>
             <a:pPr lvl="1"/>
             <a:r>
               <a:rPr lang="en-IN" dirty="0"/>
-              <a:t>Mobile factory, car designing, etc.</a:t>
+              <a:t>Can’t copy private fields.</a:t>
+            </a:r>
+          </a:p>
+          <a:p>
+            <a:r>
+              <a:rPr lang="en-IN" dirty="0"/>
+              <a:t>Solution</a:t>
             </a:r>
           </a:p>
           <a:p>
             <a:pPr lvl="1"/>
             <a:r>
               <a:rPr lang="en-IN" dirty="0"/>
-              <a:t>Several prototypes get created before finalizing final product.</a:t>
-            </a:r>
-          </a:p>
-          <a:p>
-            <a:pPr lvl="1"/>
-            <a:r>
-              <a:rPr lang="en-IN" dirty="0"/>
-              <a:t>These prototypes are mostly similar.</a:t>
-            </a:r>
-          </a:p>
-          <a:p>
-            <a:pPr lvl="1"/>
-            <a:r>
-              <a:rPr lang="en-IN" dirty="0"/>
-              <a:t>Each of them start as an exact copy of another object.</a:t>
+              <a:t>Prototype.</a:t>
             </a:r>
           </a:p>
         </p:txBody>
@@ -4426,7 +4880,7 @@
     </p:spTree>
     <p:extLst>
       <p:ext uri="{BB962C8B-B14F-4D97-AF65-F5344CB8AC3E}">
-        <p14:creationId xmlns:p14="http://schemas.microsoft.com/office/powerpoint/2010/main" val="3015920128"/>
+        <p14:creationId xmlns:p14="http://schemas.microsoft.com/office/powerpoint/2010/main" val="3547473055"/>
       </p:ext>
     </p:extLst>
   </p:cSld>
@@ -4458,7 +4912,7 @@
           <p:cNvPr id="2" name="Title 1">
             <a:extLst>
               <a:ext uri="{FF2B5EF4-FFF2-40B4-BE49-F238E27FC236}">
-                <a16:creationId xmlns:a16="http://schemas.microsoft.com/office/drawing/2014/main" id="{4F1A3BEB-50EC-9CAB-FC0A-50FEE7B1A3A4}"/>
+                <a16:creationId xmlns:a16="http://schemas.microsoft.com/office/drawing/2014/main" id="{35758488-E25F-0A9F-600B-02B0F76D6158}"/>
               </a:ext>
             </a:extLst>
           </p:cNvPr>
@@ -4476,7 +4930,7 @@
           <a:p>
             <a:r>
               <a:rPr lang="en-IN" dirty="0"/>
-              <a:t>Global object</a:t>
+              <a:t>Prototype</a:t>
             </a:r>
           </a:p>
         </p:txBody>
@@ -4486,7 +4940,7 @@
           <p:cNvPr id="3" name="Content Placeholder 2">
             <a:extLst>
               <a:ext uri="{FF2B5EF4-FFF2-40B4-BE49-F238E27FC236}">
-                <a16:creationId xmlns:a16="http://schemas.microsoft.com/office/drawing/2014/main" id="{4ACC08BE-E4E0-8DA7-2BBE-DD688F7B77CF}"/>
+                <a16:creationId xmlns:a16="http://schemas.microsoft.com/office/drawing/2014/main" id="{A7DBAE88-E859-0ACD-BB66-B5B4BC1CBCF9}"/>
               </a:ext>
             </a:extLst>
           </p:cNvPr>
@@ -4504,34 +4958,55 @@
           <a:p>
             <a:r>
               <a:rPr lang="en-IN" dirty="0"/>
-              <a:t>Problems</a:t>
+              <a:t>An object that supports cloning is called a </a:t>
+            </a:r>
+            <a:r>
+              <a:rPr lang="en-IN" i="1" dirty="0"/>
+              <a:t>prototype</a:t>
+            </a:r>
+            <a:r>
+              <a:rPr lang="en-IN" dirty="0"/>
+              <a:t>.</a:t>
+            </a:r>
+          </a:p>
+          <a:p>
+            <a:r>
+              <a:rPr lang="en-IN" dirty="0"/>
+              <a:t>Different objects with common base class.</a:t>
+            </a:r>
+          </a:p>
+          <a:p>
+            <a:r>
+              <a:rPr lang="en-IN" dirty="0"/>
+              <a:t>Real world analogy</a:t>
             </a:r>
           </a:p>
           <a:p>
             <a:pPr lvl="1"/>
             <a:r>
               <a:rPr lang="en-IN" dirty="0"/>
-              <a:t>Control access to a shared resource</a:t>
+              <a:t>Mobile factory, car designing, etc.</a:t>
             </a:r>
           </a:p>
           <a:p>
             <a:pPr lvl="1"/>
             <a:r>
               <a:rPr lang="en-IN" dirty="0"/>
-              <a:t>Provide secure global access</a:t>
-            </a:r>
-          </a:p>
-          <a:p>
+              <a:t>Several prototypes get created before finalizing final product.</a:t>
+            </a:r>
+          </a:p>
+          <a:p>
+            <a:pPr lvl="1"/>
             <a:r>
               <a:rPr lang="en-IN" dirty="0"/>
-              <a:t>Solution</a:t>
+              <a:t>These prototypes are mostly similar.</a:t>
             </a:r>
           </a:p>
           <a:p>
             <a:pPr lvl="1"/>
             <a:r>
               <a:rPr lang="en-IN" dirty="0"/>
-              <a:t>Singleton</a:t>
+              <a:t>Each of them start as an exact copy of another object.</a:t>
             </a:r>
           </a:p>
         </p:txBody>
@@ -4539,7 +5014,7 @@
     </p:spTree>
     <p:extLst>
       <p:ext uri="{BB962C8B-B14F-4D97-AF65-F5344CB8AC3E}">
-        <p14:creationId xmlns:p14="http://schemas.microsoft.com/office/powerpoint/2010/main" val="1986784993"/>
+        <p14:creationId xmlns:p14="http://schemas.microsoft.com/office/powerpoint/2010/main" val="3015920128"/>
       </p:ext>
     </p:extLst>
   </p:cSld>
@@ -4571,6 +5046,119 @@
           <p:cNvPr id="2" name="Title 1">
             <a:extLst>
               <a:ext uri="{FF2B5EF4-FFF2-40B4-BE49-F238E27FC236}">
+                <a16:creationId xmlns:a16="http://schemas.microsoft.com/office/drawing/2014/main" id="{4F1A3BEB-50EC-9CAB-FC0A-50FEE7B1A3A4}"/>
+              </a:ext>
+            </a:extLst>
+          </p:cNvPr>
+          <p:cNvSpPr>
+            <a:spLocks noGrp="1"/>
+          </p:cNvSpPr>
+          <p:nvPr>
+            <p:ph type="title"/>
+          </p:nvPr>
+        </p:nvSpPr>
+        <p:spPr/>
+        <p:txBody>
+          <a:bodyPr/>
+          <a:lstStyle/>
+          <a:p>
+            <a:r>
+              <a:rPr lang="en-IN" dirty="0"/>
+              <a:t>Global object</a:t>
+            </a:r>
+          </a:p>
+        </p:txBody>
+      </p:sp>
+      <p:sp>
+        <p:nvSpPr>
+          <p:cNvPr id="3" name="Content Placeholder 2">
+            <a:extLst>
+              <a:ext uri="{FF2B5EF4-FFF2-40B4-BE49-F238E27FC236}">
+                <a16:creationId xmlns:a16="http://schemas.microsoft.com/office/drawing/2014/main" id="{4ACC08BE-E4E0-8DA7-2BBE-DD688F7B77CF}"/>
+              </a:ext>
+            </a:extLst>
+          </p:cNvPr>
+          <p:cNvSpPr>
+            <a:spLocks noGrp="1"/>
+          </p:cNvSpPr>
+          <p:nvPr>
+            <p:ph idx="1"/>
+          </p:nvPr>
+        </p:nvSpPr>
+        <p:spPr/>
+        <p:txBody>
+          <a:bodyPr/>
+          <a:lstStyle/>
+          <a:p>
+            <a:r>
+              <a:rPr lang="en-IN" dirty="0"/>
+              <a:t>Problems</a:t>
+            </a:r>
+          </a:p>
+          <a:p>
+            <a:pPr lvl="1"/>
+            <a:r>
+              <a:rPr lang="en-IN" dirty="0"/>
+              <a:t>Control access to a shared resource</a:t>
+            </a:r>
+          </a:p>
+          <a:p>
+            <a:pPr lvl="1"/>
+            <a:r>
+              <a:rPr lang="en-IN" dirty="0"/>
+              <a:t>Provide secure global access</a:t>
+            </a:r>
+          </a:p>
+          <a:p>
+            <a:r>
+              <a:rPr lang="en-IN" dirty="0"/>
+              <a:t>Solution</a:t>
+            </a:r>
+          </a:p>
+          <a:p>
+            <a:pPr lvl="1"/>
+            <a:r>
+              <a:rPr lang="en-IN" dirty="0"/>
+              <a:t>Singleton</a:t>
+            </a:r>
+          </a:p>
+        </p:txBody>
+      </p:sp>
+    </p:spTree>
+    <p:extLst>
+      <p:ext uri="{BB962C8B-B14F-4D97-AF65-F5344CB8AC3E}">
+        <p14:creationId xmlns:p14="http://schemas.microsoft.com/office/powerpoint/2010/main" val="1986784993"/>
+      </p:ext>
+    </p:extLst>
+  </p:cSld>
+  <p:clrMapOvr>
+    <a:masterClrMapping/>
+  </p:clrMapOvr>
+</p:sld>
+</file>
+
+<file path=ppt/slides/slide15.xml><?xml version="1.0" encoding="utf-8"?>
+<p:sld xmlns:a="http://schemas.openxmlformats.org/drawingml/2006/main" xmlns:r="http://schemas.openxmlformats.org/officeDocument/2006/relationships" xmlns:p="http://schemas.openxmlformats.org/presentationml/2006/main">
+  <p:cSld>
+    <p:spTree>
+      <p:nvGrpSpPr>
+        <p:cNvPr id="1" name=""/>
+        <p:cNvGrpSpPr/>
+        <p:nvPr/>
+      </p:nvGrpSpPr>
+      <p:grpSpPr>
+        <a:xfrm>
+          <a:off x="0" y="0"/>
+          <a:ext cx="0" cy="0"/>
+          <a:chOff x="0" y="0"/>
+          <a:chExt cx="0" cy="0"/>
+        </a:xfrm>
+      </p:grpSpPr>
+      <p:sp>
+        <p:nvSpPr>
+          <p:cNvPr id="2" name="Title 1">
+            <a:extLst>
+              <a:ext uri="{FF2B5EF4-FFF2-40B4-BE49-F238E27FC236}">
                 <a16:creationId xmlns:a16="http://schemas.microsoft.com/office/drawing/2014/main" id="{3AC9B2D3-CC05-8A5E-AEE4-63A72270C7CC}"/>
               </a:ext>
             </a:extLst>
@@ -4729,7 +5317,7 @@
 </p:sld>
 </file>
 
-<file path=ppt/slides/slide15.xml><?xml version="1.0" encoding="utf-8"?>
+<file path=ppt/slides/slide16.xml><?xml version="1.0" encoding="utf-8"?>
 <p:sld xmlns:a="http://schemas.openxmlformats.org/drawingml/2006/main" xmlns:r="http://schemas.openxmlformats.org/officeDocument/2006/relationships" xmlns:p="http://schemas.openxmlformats.org/presentationml/2006/main">
   <p:cSld>
     <p:spTree>
@@ -4817,7 +5405,7 @@
 </p:sld>
 </file>
 
-<file path=ppt/slides/slide16.xml><?xml version="1.0" encoding="utf-8"?>
+<file path=ppt/slides/slide17.xml><?xml version="1.0" encoding="utf-8"?>
 <p:sld xmlns:a="http://schemas.openxmlformats.org/drawingml/2006/main" xmlns:r="http://schemas.openxmlformats.org/officeDocument/2006/relationships" xmlns:p="http://schemas.openxmlformats.org/presentationml/2006/main">
   <p:cSld>
     <p:spTree>
@@ -4936,7 +5524,7 @@
 </p:sld>
 </file>
 
-<file path=ppt/slides/slide17.xml><?xml version="1.0" encoding="utf-8"?>
+<file path=ppt/slides/slide18.xml><?xml version="1.0" encoding="utf-8"?>
 <p:sld xmlns:a="http://schemas.openxmlformats.org/drawingml/2006/main" xmlns:r="http://schemas.openxmlformats.org/officeDocument/2006/relationships" xmlns:p="http://schemas.openxmlformats.org/presentationml/2006/main">
   <p:cSld>
     <p:spTree>
@@ -5266,12 +5854,6 @@
             <a:r>
               <a:rPr lang="en-IN" dirty="0"/>
               <a:t>Abstract Factory - produce families of related objects without specifying their concrete classes. A class delegates the responsibility of object instantiation to another object via composition.</a:t>
-            </a:r>
-          </a:p>
-          <a:p>
-            <a:r>
-              <a:rPr lang="en-IN" dirty="0"/>
-              <a:t>Abstract Factory pattern is just the Factory Method pattern used recursively.</a:t>
             </a:r>
           </a:p>
         </p:txBody>
@@ -6227,7 +6809,7 @@
           <p:cNvPr id="2" name="Title 1">
             <a:extLst>
               <a:ext uri="{FF2B5EF4-FFF2-40B4-BE49-F238E27FC236}">
-                <a16:creationId xmlns:a16="http://schemas.microsoft.com/office/drawing/2014/main" id="{D2E373C5-5FDF-1278-A5A9-CC67DDFC333B}"/>
+                <a16:creationId xmlns:a16="http://schemas.microsoft.com/office/drawing/2014/main" id="{311283A3-4ABA-4E2B-B8CF-AB05DAABFA11}"/>
               </a:ext>
             </a:extLst>
           </p:cNvPr>
@@ -6245,696 +6827,61 @@
           <a:p>
             <a:r>
               <a:rPr lang="en-IN" dirty="0"/>
-              <a:t>Factory Method</a:t>
-            </a:r>
-          </a:p>
-        </p:txBody>
-      </p:sp>
-      <p:sp>
-        <p:nvSpPr>
-          <p:cNvPr id="5" name="Rectangle: Rounded Corners 4">
-            <a:extLst>
-              <a:ext uri="{FF2B5EF4-FFF2-40B4-BE49-F238E27FC236}">
-                <a16:creationId xmlns:a16="http://schemas.microsoft.com/office/drawing/2014/main" id="{96AAD427-D515-3B55-71CF-3CCDD4A9ED7D}"/>
-              </a:ext>
-            </a:extLst>
-          </p:cNvPr>
-          <p:cNvSpPr/>
-          <p:nvPr/>
-        </p:nvSpPr>
-        <p:spPr>
-          <a:xfrm>
-            <a:off x="5373128" y="1690690"/>
-            <a:ext cx="1456038" cy="733168"/>
-          </a:xfrm>
-          <a:prstGeom prst="roundRect">
-            <a:avLst/>
-          </a:prstGeom>
-          <a:solidFill>
-            <a:schemeClr val="tx1"/>
-          </a:solidFill>
-          <a:ln>
-            <a:solidFill>
-              <a:schemeClr val="tx1"/>
-            </a:solidFill>
-          </a:ln>
-        </p:spPr>
-        <p:style>
-          <a:lnRef idx="2">
-            <a:schemeClr val="accent1">
-              <a:shade val="15000"/>
-            </a:schemeClr>
-          </a:lnRef>
-          <a:fillRef idx="1">
-            <a:schemeClr val="accent1"/>
-          </a:fillRef>
-          <a:effectRef idx="0">
-            <a:schemeClr val="accent1"/>
-          </a:effectRef>
-          <a:fontRef idx="minor">
-            <a:schemeClr val="lt1"/>
-          </a:fontRef>
-        </p:style>
-        <p:txBody>
-          <a:bodyPr rtlCol="0" anchor="ctr"/>
-          <a:lstStyle/>
-          <a:p>
-            <a:pPr algn="ctr"/>
+              <a:t>Problem</a:t>
+            </a:r>
+          </a:p>
+        </p:txBody>
+      </p:sp>
+      <p:sp>
+        <p:nvSpPr>
+          <p:cNvPr id="3" name="Content Placeholder 2">
+            <a:extLst>
+              <a:ext uri="{FF2B5EF4-FFF2-40B4-BE49-F238E27FC236}">
+                <a16:creationId xmlns:a16="http://schemas.microsoft.com/office/drawing/2014/main" id="{00CD1F35-135E-E36C-8361-7124BDB48489}"/>
+              </a:ext>
+            </a:extLst>
+          </p:cNvPr>
+          <p:cNvSpPr>
+            <a:spLocks noGrp="1"/>
+          </p:cNvSpPr>
+          <p:nvPr>
+            <p:ph idx="1"/>
+          </p:nvPr>
+        </p:nvSpPr>
+        <p:spPr/>
+        <p:txBody>
+          <a:bodyPr/>
+          <a:lstStyle/>
+          <a:p>
             <a:r>
               <a:rPr lang="en-IN" dirty="0"/>
-              <a:t>Shoe</a:t>
-            </a:r>
-          </a:p>
-        </p:txBody>
-      </p:sp>
-      <p:sp>
-        <p:nvSpPr>
-          <p:cNvPr id="6" name="Rectangle: Rounded Corners 5">
-            <a:extLst>
-              <a:ext uri="{FF2B5EF4-FFF2-40B4-BE49-F238E27FC236}">
-                <a16:creationId xmlns:a16="http://schemas.microsoft.com/office/drawing/2014/main" id="{71ADF5A6-79AD-7357-3808-40A3515DACD3}"/>
-              </a:ext>
-            </a:extLst>
-          </p:cNvPr>
-          <p:cNvSpPr/>
-          <p:nvPr/>
-        </p:nvSpPr>
-        <p:spPr>
-          <a:xfrm>
-            <a:off x="1210961" y="3396047"/>
-            <a:ext cx="1456038" cy="733168"/>
-          </a:xfrm>
-          <a:prstGeom prst="roundRect">
-            <a:avLst/>
-          </a:prstGeom>
-          <a:solidFill>
-            <a:schemeClr val="tx1"/>
-          </a:solidFill>
-          <a:ln>
-            <a:solidFill>
-              <a:schemeClr val="tx1"/>
-            </a:solidFill>
-          </a:ln>
-        </p:spPr>
-        <p:style>
-          <a:lnRef idx="2">
-            <a:schemeClr val="accent1">
-              <a:shade val="15000"/>
-            </a:schemeClr>
-          </a:lnRef>
-          <a:fillRef idx="1">
-            <a:schemeClr val="accent1"/>
-          </a:fillRef>
-          <a:effectRef idx="0">
-            <a:schemeClr val="accent1"/>
-          </a:effectRef>
-          <a:fontRef idx="minor">
-            <a:schemeClr val="lt1"/>
-          </a:fontRef>
-        </p:style>
-        <p:txBody>
-          <a:bodyPr rtlCol="0" anchor="ctr"/>
-          <a:lstStyle/>
-          <a:p>
-            <a:pPr algn="ctr"/>
-            <a:r>
-              <a:rPr lang="en-IN" dirty="0" err="1"/>
-              <a:t>FormalShoe</a:t>
-            </a:r>
-            <a:endParaRPr lang="en-IN" dirty="0"/>
-          </a:p>
-        </p:txBody>
-      </p:sp>
-      <p:sp>
-        <p:nvSpPr>
-          <p:cNvPr id="7" name="Rectangle: Rounded Corners 6">
-            <a:extLst>
-              <a:ext uri="{FF2B5EF4-FFF2-40B4-BE49-F238E27FC236}">
-                <a16:creationId xmlns:a16="http://schemas.microsoft.com/office/drawing/2014/main" id="{254DF9D6-518B-6EB4-ED2A-58BEA1C192A3}"/>
-              </a:ext>
-            </a:extLst>
-          </p:cNvPr>
-          <p:cNvSpPr/>
-          <p:nvPr/>
-        </p:nvSpPr>
-        <p:spPr>
-          <a:xfrm>
-            <a:off x="4094719" y="3424878"/>
-            <a:ext cx="1456038" cy="733168"/>
-          </a:xfrm>
-          <a:prstGeom prst="roundRect">
-            <a:avLst/>
-          </a:prstGeom>
-          <a:solidFill>
-            <a:schemeClr val="tx1"/>
-          </a:solidFill>
-          <a:ln>
-            <a:solidFill>
-              <a:schemeClr val="tx1"/>
-            </a:solidFill>
-          </a:ln>
-        </p:spPr>
-        <p:style>
-          <a:lnRef idx="2">
-            <a:schemeClr val="accent1">
-              <a:shade val="15000"/>
-            </a:schemeClr>
-          </a:lnRef>
-          <a:fillRef idx="1">
-            <a:schemeClr val="accent1"/>
-          </a:fillRef>
-          <a:effectRef idx="0">
-            <a:schemeClr val="accent1"/>
-          </a:effectRef>
-          <a:fontRef idx="minor">
-            <a:schemeClr val="lt1"/>
-          </a:fontRef>
-        </p:style>
-        <p:txBody>
-          <a:bodyPr rtlCol="0" anchor="ctr"/>
-          <a:lstStyle/>
-          <a:p>
-            <a:pPr algn="ctr"/>
-            <a:r>
-              <a:rPr lang="en-IN" dirty="0" err="1"/>
-              <a:t>CasualShoe</a:t>
-            </a:r>
-            <a:endParaRPr lang="en-IN" dirty="0"/>
-          </a:p>
-        </p:txBody>
-      </p:sp>
-      <p:sp>
-        <p:nvSpPr>
-          <p:cNvPr id="8" name="Rectangle: Rounded Corners 7">
-            <a:extLst>
-              <a:ext uri="{FF2B5EF4-FFF2-40B4-BE49-F238E27FC236}">
-                <a16:creationId xmlns:a16="http://schemas.microsoft.com/office/drawing/2014/main" id="{4C808EA9-BDE6-DC7A-404D-986F3B784F80}"/>
-              </a:ext>
-            </a:extLst>
-          </p:cNvPr>
-          <p:cNvSpPr/>
-          <p:nvPr/>
-        </p:nvSpPr>
-        <p:spPr>
-          <a:xfrm>
-            <a:off x="8434516" y="3389867"/>
-            <a:ext cx="1456038" cy="733168"/>
-          </a:xfrm>
-          <a:prstGeom prst="roundRect">
-            <a:avLst/>
-          </a:prstGeom>
-          <a:solidFill>
-            <a:schemeClr val="tx1"/>
-          </a:solidFill>
-          <a:ln>
-            <a:solidFill>
-              <a:schemeClr val="tx1"/>
-            </a:solidFill>
-          </a:ln>
-        </p:spPr>
-        <p:style>
-          <a:lnRef idx="2">
-            <a:schemeClr val="accent1">
-              <a:shade val="15000"/>
-            </a:schemeClr>
-          </a:lnRef>
-          <a:fillRef idx="1">
-            <a:schemeClr val="accent1"/>
-          </a:fillRef>
-          <a:effectRef idx="0">
-            <a:schemeClr val="accent1"/>
-          </a:effectRef>
-          <a:fontRef idx="minor">
-            <a:schemeClr val="lt1"/>
-          </a:fontRef>
-        </p:style>
-        <p:txBody>
-          <a:bodyPr rtlCol="0" anchor="ctr"/>
-          <a:lstStyle/>
-          <a:p>
-            <a:pPr algn="ctr"/>
-            <a:r>
-              <a:rPr lang="en-IN" dirty="0" err="1"/>
-              <a:t>SportShoe</a:t>
-            </a:r>
-            <a:endParaRPr lang="en-IN" dirty="0"/>
-          </a:p>
-        </p:txBody>
-      </p:sp>
-      <p:sp>
-        <p:nvSpPr>
-          <p:cNvPr id="9" name="Rectangle: Rounded Corners 8">
-            <a:extLst>
-              <a:ext uri="{FF2B5EF4-FFF2-40B4-BE49-F238E27FC236}">
-                <a16:creationId xmlns:a16="http://schemas.microsoft.com/office/drawing/2014/main" id="{0334B42B-5FDC-74F5-5675-AE9D53F327E7}"/>
-              </a:ext>
-            </a:extLst>
-          </p:cNvPr>
-          <p:cNvSpPr/>
-          <p:nvPr/>
-        </p:nvSpPr>
-        <p:spPr>
-          <a:xfrm>
-            <a:off x="3904221" y="5101403"/>
-            <a:ext cx="1839091" cy="434423"/>
-          </a:xfrm>
-          <a:prstGeom prst="roundRect">
-            <a:avLst/>
-          </a:prstGeom>
-          <a:solidFill>
-            <a:schemeClr val="tx1"/>
-          </a:solidFill>
-          <a:ln>
-            <a:solidFill>
-              <a:schemeClr val="tx1"/>
-            </a:solidFill>
-          </a:ln>
-        </p:spPr>
-        <p:style>
-          <a:lnRef idx="2">
-            <a:schemeClr val="accent1">
-              <a:shade val="15000"/>
-            </a:schemeClr>
-          </a:lnRef>
-          <a:fillRef idx="1">
-            <a:schemeClr val="accent1"/>
-          </a:fillRef>
-          <a:effectRef idx="0">
-            <a:schemeClr val="accent1"/>
-          </a:effectRef>
-          <a:fontRef idx="minor">
-            <a:schemeClr val="lt1"/>
-          </a:fontRef>
-        </p:style>
-        <p:txBody>
-          <a:bodyPr rtlCol="0" anchor="ctr"/>
-          <a:lstStyle/>
-          <a:p>
-            <a:pPr algn="ctr"/>
-            <a:r>
-              <a:rPr lang="en-IN" dirty="0" err="1"/>
-              <a:t>NikeCasualShoe</a:t>
-            </a:r>
-            <a:endParaRPr lang="en-IN" dirty="0"/>
-          </a:p>
-        </p:txBody>
-      </p:sp>
-      <p:sp>
-        <p:nvSpPr>
-          <p:cNvPr id="13" name="Rectangle: Rounded Corners 12">
-            <a:extLst>
-              <a:ext uri="{FF2B5EF4-FFF2-40B4-BE49-F238E27FC236}">
-                <a16:creationId xmlns:a16="http://schemas.microsoft.com/office/drawing/2014/main" id="{0EF96605-3545-28FC-8B40-3992907DF5F8}"/>
-              </a:ext>
-            </a:extLst>
-          </p:cNvPr>
-          <p:cNvSpPr/>
-          <p:nvPr/>
-        </p:nvSpPr>
-        <p:spPr>
-          <a:xfrm>
-            <a:off x="9890554" y="5101408"/>
-            <a:ext cx="1839091" cy="434418"/>
-          </a:xfrm>
-          <a:prstGeom prst="roundRect">
-            <a:avLst/>
-          </a:prstGeom>
-          <a:solidFill>
-            <a:schemeClr val="tx1"/>
-          </a:solidFill>
-          <a:ln>
-            <a:solidFill>
-              <a:schemeClr val="tx1"/>
-            </a:solidFill>
-          </a:ln>
-        </p:spPr>
-        <p:style>
-          <a:lnRef idx="2">
-            <a:schemeClr val="accent1">
-              <a:shade val="15000"/>
-            </a:schemeClr>
-          </a:lnRef>
-          <a:fillRef idx="1">
-            <a:schemeClr val="accent1"/>
-          </a:fillRef>
-          <a:effectRef idx="0">
-            <a:schemeClr val="accent1"/>
-          </a:effectRef>
-          <a:fontRef idx="minor">
-            <a:schemeClr val="lt1"/>
-          </a:fontRef>
-        </p:style>
-        <p:txBody>
-          <a:bodyPr rtlCol="0" anchor="ctr"/>
-          <a:lstStyle/>
-          <a:p>
-            <a:pPr algn="ctr"/>
-            <a:r>
-              <a:rPr lang="en-IN" dirty="0" err="1"/>
-              <a:t>AdidasSportShoe</a:t>
-            </a:r>
-            <a:endParaRPr lang="en-IN" dirty="0"/>
-          </a:p>
-        </p:txBody>
-      </p:sp>
-      <p:cxnSp>
-        <p:nvCxnSpPr>
-          <p:cNvPr id="14" name="Straight Arrow Connector 13">
-            <a:extLst>
-              <a:ext uri="{FF2B5EF4-FFF2-40B4-BE49-F238E27FC236}">
-                <a16:creationId xmlns:a16="http://schemas.microsoft.com/office/drawing/2014/main" id="{24084213-D99A-1FE3-9C9F-360C0BB47343}"/>
-              </a:ext>
-            </a:extLst>
-          </p:cNvPr>
-          <p:cNvCxnSpPr>
-            <a:cxnSpLocks/>
-            <a:stCxn id="5" idx="2"/>
-            <a:endCxn id="6" idx="0"/>
-          </p:cNvCxnSpPr>
-          <p:nvPr/>
-        </p:nvCxnSpPr>
-        <p:spPr>
-          <a:xfrm flipH="1">
-            <a:off x="1938980" y="2423858"/>
-            <a:ext cx="4162167" cy="972189"/>
-          </a:xfrm>
-          <a:prstGeom prst="straightConnector1">
-            <a:avLst/>
-          </a:prstGeom>
-          <a:ln w="57150">
-            <a:solidFill>
-              <a:schemeClr val="tx1"/>
-            </a:solidFill>
-            <a:tailEnd type="triangle"/>
-          </a:ln>
-        </p:spPr>
-        <p:style>
-          <a:lnRef idx="1">
-            <a:schemeClr val="accent1"/>
-          </a:lnRef>
-          <a:fillRef idx="0">
-            <a:schemeClr val="accent1"/>
-          </a:fillRef>
-          <a:effectRef idx="0">
-            <a:schemeClr val="accent1"/>
-          </a:effectRef>
-          <a:fontRef idx="minor">
-            <a:schemeClr val="tx1"/>
-          </a:fontRef>
-        </p:style>
-      </p:cxnSp>
-      <p:cxnSp>
-        <p:nvCxnSpPr>
-          <p:cNvPr id="17" name="Straight Arrow Connector 16">
-            <a:extLst>
-              <a:ext uri="{FF2B5EF4-FFF2-40B4-BE49-F238E27FC236}">
-                <a16:creationId xmlns:a16="http://schemas.microsoft.com/office/drawing/2014/main" id="{901582A7-1B02-BF0C-4EE4-5097AA6F48A9}"/>
-              </a:ext>
-            </a:extLst>
-          </p:cNvPr>
-          <p:cNvCxnSpPr>
-            <a:cxnSpLocks/>
-            <a:stCxn id="5" idx="2"/>
-            <a:endCxn id="7" idx="0"/>
-          </p:cNvCxnSpPr>
-          <p:nvPr/>
-        </p:nvCxnSpPr>
-        <p:spPr>
-          <a:xfrm flipH="1">
-            <a:off x="4822738" y="2423858"/>
-            <a:ext cx="1278409" cy="1001020"/>
-          </a:xfrm>
-          <a:prstGeom prst="straightConnector1">
-            <a:avLst/>
-          </a:prstGeom>
-          <a:ln w="57150">
-            <a:solidFill>
-              <a:schemeClr val="tx1"/>
-            </a:solidFill>
-            <a:tailEnd type="triangle"/>
-          </a:ln>
-        </p:spPr>
-        <p:style>
-          <a:lnRef idx="1">
-            <a:schemeClr val="accent1"/>
-          </a:lnRef>
-          <a:fillRef idx="0">
-            <a:schemeClr val="accent1"/>
-          </a:fillRef>
-          <a:effectRef idx="0">
-            <a:schemeClr val="accent1"/>
-          </a:effectRef>
-          <a:fontRef idx="minor">
-            <a:schemeClr val="tx1"/>
-          </a:fontRef>
-        </p:style>
-      </p:cxnSp>
-      <p:cxnSp>
-        <p:nvCxnSpPr>
-          <p:cNvPr id="20" name="Straight Arrow Connector 19">
-            <a:extLst>
-              <a:ext uri="{FF2B5EF4-FFF2-40B4-BE49-F238E27FC236}">
-                <a16:creationId xmlns:a16="http://schemas.microsoft.com/office/drawing/2014/main" id="{228AE95B-4357-74CA-CDEE-6C06348C6A97}"/>
-              </a:ext>
-            </a:extLst>
-          </p:cNvPr>
-          <p:cNvCxnSpPr>
-            <a:cxnSpLocks/>
-            <a:stCxn id="5" idx="2"/>
-            <a:endCxn id="8" idx="0"/>
-          </p:cNvCxnSpPr>
-          <p:nvPr/>
-        </p:nvCxnSpPr>
-        <p:spPr>
-          <a:xfrm>
-            <a:off x="6101147" y="2423858"/>
-            <a:ext cx="3061388" cy="966009"/>
-          </a:xfrm>
-          <a:prstGeom prst="straightConnector1">
-            <a:avLst/>
-          </a:prstGeom>
-          <a:ln w="57150">
-            <a:solidFill>
-              <a:schemeClr val="tx1"/>
-            </a:solidFill>
-            <a:tailEnd type="triangle"/>
-          </a:ln>
-        </p:spPr>
-        <p:style>
-          <a:lnRef idx="1">
-            <a:schemeClr val="accent1"/>
-          </a:lnRef>
-          <a:fillRef idx="0">
-            <a:schemeClr val="accent1"/>
-          </a:fillRef>
-          <a:effectRef idx="0">
-            <a:schemeClr val="accent1"/>
-          </a:effectRef>
-          <a:fontRef idx="minor">
-            <a:schemeClr val="tx1"/>
-          </a:fontRef>
-        </p:style>
-      </p:cxnSp>
-      <p:cxnSp>
-        <p:nvCxnSpPr>
-          <p:cNvPr id="26" name="Straight Arrow Connector 25">
-            <a:extLst>
-              <a:ext uri="{FF2B5EF4-FFF2-40B4-BE49-F238E27FC236}">
-                <a16:creationId xmlns:a16="http://schemas.microsoft.com/office/drawing/2014/main" id="{FDD83BA9-BAEF-8585-CF3F-9DBF9BF3251B}"/>
-              </a:ext>
-            </a:extLst>
-          </p:cNvPr>
-          <p:cNvCxnSpPr>
-            <a:cxnSpLocks/>
-            <a:stCxn id="5" idx="2"/>
-            <a:endCxn id="13" idx="0"/>
-          </p:cNvCxnSpPr>
-          <p:nvPr/>
-        </p:nvCxnSpPr>
-        <p:spPr>
-          <a:xfrm>
-            <a:off x="6101147" y="2423858"/>
-            <a:ext cx="4708953" cy="2677550"/>
-          </a:xfrm>
-          <a:prstGeom prst="straightConnector1">
-            <a:avLst/>
-          </a:prstGeom>
-          <a:ln w="57150">
-            <a:solidFill>
-              <a:schemeClr val="tx1"/>
-            </a:solidFill>
-            <a:tailEnd type="triangle"/>
-          </a:ln>
-        </p:spPr>
-        <p:style>
-          <a:lnRef idx="1">
-            <a:schemeClr val="accent1"/>
-          </a:lnRef>
-          <a:fillRef idx="0">
-            <a:schemeClr val="accent1"/>
-          </a:fillRef>
-          <a:effectRef idx="0">
-            <a:schemeClr val="accent1"/>
-          </a:effectRef>
-          <a:fontRef idx="minor">
-            <a:schemeClr val="tx1"/>
-          </a:fontRef>
-        </p:style>
-      </p:cxnSp>
-      <p:cxnSp>
-        <p:nvCxnSpPr>
-          <p:cNvPr id="29" name="Straight Arrow Connector 28">
-            <a:extLst>
-              <a:ext uri="{FF2B5EF4-FFF2-40B4-BE49-F238E27FC236}">
-                <a16:creationId xmlns:a16="http://schemas.microsoft.com/office/drawing/2014/main" id="{EEA59C3D-DE72-AB0E-BA61-AAFE07B8F076}"/>
-              </a:ext>
-            </a:extLst>
-          </p:cNvPr>
-          <p:cNvCxnSpPr>
-            <a:cxnSpLocks/>
-            <a:stCxn id="5" idx="2"/>
-            <a:endCxn id="9" idx="0"/>
-          </p:cNvCxnSpPr>
-          <p:nvPr/>
-        </p:nvCxnSpPr>
-        <p:spPr>
-          <a:xfrm flipH="1">
-            <a:off x="4823767" y="2423858"/>
-            <a:ext cx="1277380" cy="2677545"/>
-          </a:xfrm>
-          <a:prstGeom prst="straightConnector1">
-            <a:avLst/>
-          </a:prstGeom>
-          <a:ln w="57150">
-            <a:solidFill>
-              <a:schemeClr val="tx1"/>
-            </a:solidFill>
-            <a:tailEnd type="triangle"/>
-          </a:ln>
-        </p:spPr>
-        <p:style>
-          <a:lnRef idx="1">
-            <a:schemeClr val="accent1"/>
-          </a:lnRef>
-          <a:fillRef idx="0">
-            <a:schemeClr val="accent1"/>
-          </a:fillRef>
-          <a:effectRef idx="0">
-            <a:schemeClr val="accent1"/>
-          </a:effectRef>
-          <a:fontRef idx="minor">
-            <a:schemeClr val="tx1"/>
-          </a:fontRef>
-        </p:style>
-      </p:cxnSp>
-      <p:sp>
-        <p:nvSpPr>
-          <p:cNvPr id="43" name="Rectangle: Rounded Corners 42">
-            <a:extLst>
-              <a:ext uri="{FF2B5EF4-FFF2-40B4-BE49-F238E27FC236}">
-                <a16:creationId xmlns:a16="http://schemas.microsoft.com/office/drawing/2014/main" id="{EF362A3F-1CCE-C55D-AD7E-CA3629D661DB}"/>
-              </a:ext>
-            </a:extLst>
-          </p:cNvPr>
-          <p:cNvSpPr/>
-          <p:nvPr/>
-        </p:nvSpPr>
-        <p:spPr>
-          <a:xfrm>
-            <a:off x="6778196" y="5089043"/>
-            <a:ext cx="1656320" cy="446783"/>
-          </a:xfrm>
-          <a:prstGeom prst="roundRect">
-            <a:avLst/>
-          </a:prstGeom>
-          <a:solidFill>
-            <a:schemeClr val="tx1"/>
-          </a:solidFill>
-          <a:ln>
-            <a:solidFill>
-              <a:schemeClr val="tx1"/>
-            </a:solidFill>
-          </a:ln>
-        </p:spPr>
-        <p:style>
-          <a:lnRef idx="2">
-            <a:schemeClr val="accent1">
-              <a:shade val="15000"/>
-            </a:schemeClr>
-          </a:lnRef>
-          <a:fillRef idx="1">
-            <a:schemeClr val="accent1"/>
-          </a:fillRef>
-          <a:effectRef idx="0">
-            <a:schemeClr val="accent1"/>
-          </a:effectRef>
-          <a:fontRef idx="minor">
-            <a:schemeClr val="lt1"/>
-          </a:fontRef>
-        </p:style>
-        <p:txBody>
-          <a:bodyPr rtlCol="0" anchor="ctr"/>
-          <a:lstStyle/>
-          <a:p>
-            <a:pPr algn="ctr"/>
-            <a:r>
-              <a:rPr lang="en-IN" dirty="0" err="1"/>
-              <a:t>NikeSportShoe</a:t>
-            </a:r>
-            <a:endParaRPr lang="en-IN" dirty="0"/>
-          </a:p>
-        </p:txBody>
-      </p:sp>
-      <p:cxnSp>
-        <p:nvCxnSpPr>
-          <p:cNvPr id="46" name="Straight Arrow Connector 45">
-            <a:extLst>
-              <a:ext uri="{FF2B5EF4-FFF2-40B4-BE49-F238E27FC236}">
-                <a16:creationId xmlns:a16="http://schemas.microsoft.com/office/drawing/2014/main" id="{FB078C2A-8C7F-FB86-BF6C-C9B4221AB017}"/>
-              </a:ext>
-            </a:extLst>
-          </p:cNvPr>
-          <p:cNvCxnSpPr>
-            <a:cxnSpLocks/>
-            <a:stCxn id="5" idx="2"/>
-            <a:endCxn id="43" idx="0"/>
-          </p:cNvCxnSpPr>
-          <p:nvPr/>
-        </p:nvCxnSpPr>
-        <p:spPr>
-          <a:xfrm>
-            <a:off x="6101147" y="2423858"/>
-            <a:ext cx="1505209" cy="2665185"/>
-          </a:xfrm>
-          <a:prstGeom prst="straightConnector1">
-            <a:avLst/>
-          </a:prstGeom>
-          <a:ln w="57150">
-            <a:solidFill>
-              <a:schemeClr val="tx1"/>
-            </a:solidFill>
-            <a:tailEnd type="triangle"/>
-          </a:ln>
-        </p:spPr>
-        <p:style>
-          <a:lnRef idx="1">
-            <a:schemeClr val="accent1"/>
-          </a:lnRef>
-          <a:fillRef idx="0">
-            <a:schemeClr val="accent1"/>
-          </a:fillRef>
-          <a:effectRef idx="0">
-            <a:schemeClr val="accent1"/>
-          </a:effectRef>
-          <a:fontRef idx="minor">
-            <a:schemeClr val="tx1"/>
-          </a:fontRef>
-        </p:style>
-      </p:cxnSp>
+              <a:t>How to efficiently manage inventory for each type of shoe?</a:t>
+            </a:r>
+          </a:p>
+          <a:p>
+            <a:r>
+              <a:rPr lang="en-IN" dirty="0"/>
+              <a:t>How to decide on the discounting strategy?</a:t>
+            </a:r>
+          </a:p>
+          <a:p>
+            <a:r>
+              <a:rPr lang="en-IN" dirty="0"/>
+              <a:t>How many classes to create?</a:t>
+            </a:r>
+          </a:p>
+          <a:p>
+            <a:r>
+              <a:rPr lang="en-IN" dirty="0"/>
+              <a:t>How are they related to each other?</a:t>
+            </a:r>
+          </a:p>
+        </p:txBody>
+      </p:sp>
     </p:spTree>
     <p:extLst>
       <p:ext uri="{BB962C8B-B14F-4D97-AF65-F5344CB8AC3E}">
-        <p14:creationId xmlns:p14="http://schemas.microsoft.com/office/powerpoint/2010/main" val="3935448227"/>
+        <p14:creationId xmlns:p14="http://schemas.microsoft.com/office/powerpoint/2010/main" val="1984271704"/>
       </p:ext>
     </p:extLst>
   </p:cSld>
@@ -6984,7 +6931,7 @@
           <a:p>
             <a:r>
               <a:rPr lang="en-IN" dirty="0"/>
-              <a:t>Abstract Factory</a:t>
+              <a:t>Solution</a:t>
             </a:r>
           </a:p>
         </p:txBody>
@@ -7485,6 +7432,745 @@
           </p:cNvPr>
           <p:cNvCxnSpPr>
             <a:cxnSpLocks/>
+            <a:stCxn id="5" idx="2"/>
+            <a:endCxn id="13" idx="0"/>
+          </p:cNvCxnSpPr>
+          <p:nvPr/>
+        </p:nvCxnSpPr>
+        <p:spPr>
+          <a:xfrm>
+            <a:off x="6101147" y="2423858"/>
+            <a:ext cx="4708953" cy="2677550"/>
+          </a:xfrm>
+          <a:prstGeom prst="straightConnector1">
+            <a:avLst/>
+          </a:prstGeom>
+          <a:ln w="57150">
+            <a:solidFill>
+              <a:schemeClr val="tx1"/>
+            </a:solidFill>
+            <a:tailEnd type="triangle"/>
+          </a:ln>
+        </p:spPr>
+        <p:style>
+          <a:lnRef idx="1">
+            <a:schemeClr val="accent1"/>
+          </a:lnRef>
+          <a:fillRef idx="0">
+            <a:schemeClr val="accent1"/>
+          </a:fillRef>
+          <a:effectRef idx="0">
+            <a:schemeClr val="accent1"/>
+          </a:effectRef>
+          <a:fontRef idx="minor">
+            <a:schemeClr val="tx1"/>
+          </a:fontRef>
+        </p:style>
+      </p:cxnSp>
+      <p:cxnSp>
+        <p:nvCxnSpPr>
+          <p:cNvPr id="29" name="Straight Arrow Connector 28">
+            <a:extLst>
+              <a:ext uri="{FF2B5EF4-FFF2-40B4-BE49-F238E27FC236}">
+                <a16:creationId xmlns:a16="http://schemas.microsoft.com/office/drawing/2014/main" id="{EEA59C3D-DE72-AB0E-BA61-AAFE07B8F076}"/>
+              </a:ext>
+            </a:extLst>
+          </p:cNvPr>
+          <p:cNvCxnSpPr>
+            <a:cxnSpLocks/>
+            <a:stCxn id="5" idx="2"/>
+            <a:endCxn id="9" idx="0"/>
+          </p:cNvCxnSpPr>
+          <p:nvPr/>
+        </p:nvCxnSpPr>
+        <p:spPr>
+          <a:xfrm flipH="1">
+            <a:off x="4823767" y="2423858"/>
+            <a:ext cx="1277380" cy="2677545"/>
+          </a:xfrm>
+          <a:prstGeom prst="straightConnector1">
+            <a:avLst/>
+          </a:prstGeom>
+          <a:ln w="57150">
+            <a:solidFill>
+              <a:schemeClr val="tx1"/>
+            </a:solidFill>
+            <a:tailEnd type="triangle"/>
+          </a:ln>
+        </p:spPr>
+        <p:style>
+          <a:lnRef idx="1">
+            <a:schemeClr val="accent1"/>
+          </a:lnRef>
+          <a:fillRef idx="0">
+            <a:schemeClr val="accent1"/>
+          </a:fillRef>
+          <a:effectRef idx="0">
+            <a:schemeClr val="accent1"/>
+          </a:effectRef>
+          <a:fontRef idx="minor">
+            <a:schemeClr val="tx1"/>
+          </a:fontRef>
+        </p:style>
+      </p:cxnSp>
+      <p:sp>
+        <p:nvSpPr>
+          <p:cNvPr id="43" name="Rectangle: Rounded Corners 42">
+            <a:extLst>
+              <a:ext uri="{FF2B5EF4-FFF2-40B4-BE49-F238E27FC236}">
+                <a16:creationId xmlns:a16="http://schemas.microsoft.com/office/drawing/2014/main" id="{EF362A3F-1CCE-C55D-AD7E-CA3629D661DB}"/>
+              </a:ext>
+            </a:extLst>
+          </p:cNvPr>
+          <p:cNvSpPr/>
+          <p:nvPr/>
+        </p:nvSpPr>
+        <p:spPr>
+          <a:xfrm>
+            <a:off x="6778196" y="5089043"/>
+            <a:ext cx="1656320" cy="446783"/>
+          </a:xfrm>
+          <a:prstGeom prst="roundRect">
+            <a:avLst/>
+          </a:prstGeom>
+          <a:solidFill>
+            <a:schemeClr val="tx1"/>
+          </a:solidFill>
+          <a:ln>
+            <a:solidFill>
+              <a:schemeClr val="tx1"/>
+            </a:solidFill>
+          </a:ln>
+        </p:spPr>
+        <p:style>
+          <a:lnRef idx="2">
+            <a:schemeClr val="accent1">
+              <a:shade val="15000"/>
+            </a:schemeClr>
+          </a:lnRef>
+          <a:fillRef idx="1">
+            <a:schemeClr val="accent1"/>
+          </a:fillRef>
+          <a:effectRef idx="0">
+            <a:schemeClr val="accent1"/>
+          </a:effectRef>
+          <a:fontRef idx="minor">
+            <a:schemeClr val="lt1"/>
+          </a:fontRef>
+        </p:style>
+        <p:txBody>
+          <a:bodyPr rtlCol="0" anchor="ctr"/>
+          <a:lstStyle/>
+          <a:p>
+            <a:pPr algn="ctr"/>
+            <a:r>
+              <a:rPr lang="en-IN" dirty="0" err="1"/>
+              <a:t>NikeSportShoe</a:t>
+            </a:r>
+            <a:endParaRPr lang="en-IN" dirty="0"/>
+          </a:p>
+        </p:txBody>
+      </p:sp>
+      <p:cxnSp>
+        <p:nvCxnSpPr>
+          <p:cNvPr id="46" name="Straight Arrow Connector 45">
+            <a:extLst>
+              <a:ext uri="{FF2B5EF4-FFF2-40B4-BE49-F238E27FC236}">
+                <a16:creationId xmlns:a16="http://schemas.microsoft.com/office/drawing/2014/main" id="{FB078C2A-8C7F-FB86-BF6C-C9B4221AB017}"/>
+              </a:ext>
+            </a:extLst>
+          </p:cNvPr>
+          <p:cNvCxnSpPr>
+            <a:cxnSpLocks/>
+            <a:stCxn id="5" idx="2"/>
+            <a:endCxn id="43" idx="0"/>
+          </p:cNvCxnSpPr>
+          <p:nvPr/>
+        </p:nvCxnSpPr>
+        <p:spPr>
+          <a:xfrm>
+            <a:off x="6101147" y="2423858"/>
+            <a:ext cx="1505209" cy="2665185"/>
+          </a:xfrm>
+          <a:prstGeom prst="straightConnector1">
+            <a:avLst/>
+          </a:prstGeom>
+          <a:ln w="57150">
+            <a:solidFill>
+              <a:schemeClr val="tx1"/>
+            </a:solidFill>
+            <a:tailEnd type="triangle"/>
+          </a:ln>
+        </p:spPr>
+        <p:style>
+          <a:lnRef idx="1">
+            <a:schemeClr val="accent1"/>
+          </a:lnRef>
+          <a:fillRef idx="0">
+            <a:schemeClr val="accent1"/>
+          </a:fillRef>
+          <a:effectRef idx="0">
+            <a:schemeClr val="accent1"/>
+          </a:effectRef>
+          <a:fontRef idx="minor">
+            <a:schemeClr val="tx1"/>
+          </a:fontRef>
+        </p:style>
+      </p:cxnSp>
+    </p:spTree>
+    <p:extLst>
+      <p:ext uri="{BB962C8B-B14F-4D97-AF65-F5344CB8AC3E}">
+        <p14:creationId xmlns:p14="http://schemas.microsoft.com/office/powerpoint/2010/main" val="3935448227"/>
+      </p:ext>
+    </p:extLst>
+  </p:cSld>
+  <p:clrMapOvr>
+    <a:masterClrMapping/>
+  </p:clrMapOvr>
+</p:sld>
+</file>
+
+<file path=ppt/slides/slide8.xml><?xml version="1.0" encoding="utf-8"?>
+<p:sld xmlns:a="http://schemas.openxmlformats.org/drawingml/2006/main" xmlns:r="http://schemas.openxmlformats.org/officeDocument/2006/relationships" xmlns:p="http://schemas.openxmlformats.org/presentationml/2006/main">
+  <p:cSld>
+    <p:spTree>
+      <p:nvGrpSpPr>
+        <p:cNvPr id="1" name=""/>
+        <p:cNvGrpSpPr/>
+        <p:nvPr/>
+      </p:nvGrpSpPr>
+      <p:grpSpPr>
+        <a:xfrm>
+          <a:off x="0" y="0"/>
+          <a:ext cx="0" cy="0"/>
+          <a:chOff x="0" y="0"/>
+          <a:chExt cx="0" cy="0"/>
+        </a:xfrm>
+      </p:grpSpPr>
+      <p:sp>
+        <p:nvSpPr>
+          <p:cNvPr id="2" name="Title 1">
+            <a:extLst>
+              <a:ext uri="{FF2B5EF4-FFF2-40B4-BE49-F238E27FC236}">
+                <a16:creationId xmlns:a16="http://schemas.microsoft.com/office/drawing/2014/main" id="{D2E373C5-5FDF-1278-A5A9-CC67DDFC333B}"/>
+              </a:ext>
+            </a:extLst>
+          </p:cNvPr>
+          <p:cNvSpPr>
+            <a:spLocks noGrp="1"/>
+          </p:cNvSpPr>
+          <p:nvPr>
+            <p:ph type="title"/>
+          </p:nvPr>
+        </p:nvSpPr>
+        <p:spPr/>
+        <p:txBody>
+          <a:bodyPr/>
+          <a:lstStyle/>
+          <a:p>
+            <a:r>
+              <a:rPr lang="en-IN" dirty="0"/>
+              <a:t>Solution</a:t>
+            </a:r>
+          </a:p>
+        </p:txBody>
+      </p:sp>
+      <p:sp>
+        <p:nvSpPr>
+          <p:cNvPr id="5" name="Rectangle: Rounded Corners 4">
+            <a:extLst>
+              <a:ext uri="{FF2B5EF4-FFF2-40B4-BE49-F238E27FC236}">
+                <a16:creationId xmlns:a16="http://schemas.microsoft.com/office/drawing/2014/main" id="{96AAD427-D515-3B55-71CF-3CCDD4A9ED7D}"/>
+              </a:ext>
+            </a:extLst>
+          </p:cNvPr>
+          <p:cNvSpPr/>
+          <p:nvPr/>
+        </p:nvSpPr>
+        <p:spPr>
+          <a:xfrm>
+            <a:off x="5373128" y="1690690"/>
+            <a:ext cx="1456038" cy="733168"/>
+          </a:xfrm>
+          <a:prstGeom prst="roundRect">
+            <a:avLst/>
+          </a:prstGeom>
+          <a:solidFill>
+            <a:schemeClr val="tx1"/>
+          </a:solidFill>
+          <a:ln>
+            <a:solidFill>
+              <a:schemeClr val="tx1"/>
+            </a:solidFill>
+          </a:ln>
+        </p:spPr>
+        <p:style>
+          <a:lnRef idx="2">
+            <a:schemeClr val="accent1">
+              <a:shade val="15000"/>
+            </a:schemeClr>
+          </a:lnRef>
+          <a:fillRef idx="1">
+            <a:schemeClr val="accent1"/>
+          </a:fillRef>
+          <a:effectRef idx="0">
+            <a:schemeClr val="accent1"/>
+          </a:effectRef>
+          <a:fontRef idx="minor">
+            <a:schemeClr val="lt1"/>
+          </a:fontRef>
+        </p:style>
+        <p:txBody>
+          <a:bodyPr rtlCol="0" anchor="ctr"/>
+          <a:lstStyle/>
+          <a:p>
+            <a:pPr algn="ctr"/>
+            <a:r>
+              <a:rPr lang="en-IN" dirty="0"/>
+              <a:t>Shoe</a:t>
+            </a:r>
+          </a:p>
+        </p:txBody>
+      </p:sp>
+      <p:sp>
+        <p:nvSpPr>
+          <p:cNvPr id="6" name="Rectangle: Rounded Corners 5">
+            <a:extLst>
+              <a:ext uri="{FF2B5EF4-FFF2-40B4-BE49-F238E27FC236}">
+                <a16:creationId xmlns:a16="http://schemas.microsoft.com/office/drawing/2014/main" id="{71ADF5A6-79AD-7357-3808-40A3515DACD3}"/>
+              </a:ext>
+            </a:extLst>
+          </p:cNvPr>
+          <p:cNvSpPr/>
+          <p:nvPr/>
+        </p:nvSpPr>
+        <p:spPr>
+          <a:xfrm>
+            <a:off x="1210961" y="3396047"/>
+            <a:ext cx="1456038" cy="733168"/>
+          </a:xfrm>
+          <a:prstGeom prst="roundRect">
+            <a:avLst/>
+          </a:prstGeom>
+          <a:solidFill>
+            <a:schemeClr val="tx1"/>
+          </a:solidFill>
+          <a:ln>
+            <a:solidFill>
+              <a:schemeClr val="tx1"/>
+            </a:solidFill>
+          </a:ln>
+        </p:spPr>
+        <p:style>
+          <a:lnRef idx="2">
+            <a:schemeClr val="accent1">
+              <a:shade val="15000"/>
+            </a:schemeClr>
+          </a:lnRef>
+          <a:fillRef idx="1">
+            <a:schemeClr val="accent1"/>
+          </a:fillRef>
+          <a:effectRef idx="0">
+            <a:schemeClr val="accent1"/>
+          </a:effectRef>
+          <a:fontRef idx="minor">
+            <a:schemeClr val="lt1"/>
+          </a:fontRef>
+        </p:style>
+        <p:txBody>
+          <a:bodyPr rtlCol="0" anchor="ctr"/>
+          <a:lstStyle/>
+          <a:p>
+            <a:pPr algn="ctr"/>
+            <a:r>
+              <a:rPr lang="en-IN" dirty="0" err="1"/>
+              <a:t>FormalShoe</a:t>
+            </a:r>
+            <a:endParaRPr lang="en-IN" dirty="0"/>
+          </a:p>
+        </p:txBody>
+      </p:sp>
+      <p:sp>
+        <p:nvSpPr>
+          <p:cNvPr id="7" name="Rectangle: Rounded Corners 6">
+            <a:extLst>
+              <a:ext uri="{FF2B5EF4-FFF2-40B4-BE49-F238E27FC236}">
+                <a16:creationId xmlns:a16="http://schemas.microsoft.com/office/drawing/2014/main" id="{254DF9D6-518B-6EB4-ED2A-58BEA1C192A3}"/>
+              </a:ext>
+            </a:extLst>
+          </p:cNvPr>
+          <p:cNvSpPr/>
+          <p:nvPr/>
+        </p:nvSpPr>
+        <p:spPr>
+          <a:xfrm>
+            <a:off x="4094719" y="3424878"/>
+            <a:ext cx="1456038" cy="733168"/>
+          </a:xfrm>
+          <a:prstGeom prst="roundRect">
+            <a:avLst/>
+          </a:prstGeom>
+          <a:solidFill>
+            <a:schemeClr val="tx1"/>
+          </a:solidFill>
+          <a:ln>
+            <a:solidFill>
+              <a:schemeClr val="tx1"/>
+            </a:solidFill>
+          </a:ln>
+        </p:spPr>
+        <p:style>
+          <a:lnRef idx="2">
+            <a:schemeClr val="accent1">
+              <a:shade val="15000"/>
+            </a:schemeClr>
+          </a:lnRef>
+          <a:fillRef idx="1">
+            <a:schemeClr val="accent1"/>
+          </a:fillRef>
+          <a:effectRef idx="0">
+            <a:schemeClr val="accent1"/>
+          </a:effectRef>
+          <a:fontRef idx="minor">
+            <a:schemeClr val="lt1"/>
+          </a:fontRef>
+        </p:style>
+        <p:txBody>
+          <a:bodyPr rtlCol="0" anchor="ctr"/>
+          <a:lstStyle/>
+          <a:p>
+            <a:pPr algn="ctr"/>
+            <a:r>
+              <a:rPr lang="en-IN" dirty="0" err="1"/>
+              <a:t>CasualShoe</a:t>
+            </a:r>
+            <a:endParaRPr lang="en-IN" dirty="0"/>
+          </a:p>
+        </p:txBody>
+      </p:sp>
+      <p:sp>
+        <p:nvSpPr>
+          <p:cNvPr id="8" name="Rectangle: Rounded Corners 7">
+            <a:extLst>
+              <a:ext uri="{FF2B5EF4-FFF2-40B4-BE49-F238E27FC236}">
+                <a16:creationId xmlns:a16="http://schemas.microsoft.com/office/drawing/2014/main" id="{4C808EA9-BDE6-DC7A-404D-986F3B784F80}"/>
+              </a:ext>
+            </a:extLst>
+          </p:cNvPr>
+          <p:cNvSpPr/>
+          <p:nvPr/>
+        </p:nvSpPr>
+        <p:spPr>
+          <a:xfrm>
+            <a:off x="8434516" y="3389867"/>
+            <a:ext cx="1456038" cy="733168"/>
+          </a:xfrm>
+          <a:prstGeom prst="roundRect">
+            <a:avLst/>
+          </a:prstGeom>
+          <a:solidFill>
+            <a:schemeClr val="tx1"/>
+          </a:solidFill>
+          <a:ln>
+            <a:solidFill>
+              <a:schemeClr val="tx1"/>
+            </a:solidFill>
+          </a:ln>
+        </p:spPr>
+        <p:style>
+          <a:lnRef idx="2">
+            <a:schemeClr val="accent1">
+              <a:shade val="15000"/>
+            </a:schemeClr>
+          </a:lnRef>
+          <a:fillRef idx="1">
+            <a:schemeClr val="accent1"/>
+          </a:fillRef>
+          <a:effectRef idx="0">
+            <a:schemeClr val="accent1"/>
+          </a:effectRef>
+          <a:fontRef idx="minor">
+            <a:schemeClr val="lt1"/>
+          </a:fontRef>
+        </p:style>
+        <p:txBody>
+          <a:bodyPr rtlCol="0" anchor="ctr"/>
+          <a:lstStyle/>
+          <a:p>
+            <a:pPr algn="ctr"/>
+            <a:r>
+              <a:rPr lang="en-IN" dirty="0" err="1"/>
+              <a:t>SportShoe</a:t>
+            </a:r>
+            <a:endParaRPr lang="en-IN" dirty="0"/>
+          </a:p>
+        </p:txBody>
+      </p:sp>
+      <p:sp>
+        <p:nvSpPr>
+          <p:cNvPr id="9" name="Rectangle: Rounded Corners 8">
+            <a:extLst>
+              <a:ext uri="{FF2B5EF4-FFF2-40B4-BE49-F238E27FC236}">
+                <a16:creationId xmlns:a16="http://schemas.microsoft.com/office/drawing/2014/main" id="{0334B42B-5FDC-74F5-5675-AE9D53F327E7}"/>
+              </a:ext>
+            </a:extLst>
+          </p:cNvPr>
+          <p:cNvSpPr/>
+          <p:nvPr/>
+        </p:nvSpPr>
+        <p:spPr>
+          <a:xfrm>
+            <a:off x="3904221" y="5101403"/>
+            <a:ext cx="1839091" cy="434423"/>
+          </a:xfrm>
+          <a:prstGeom prst="roundRect">
+            <a:avLst/>
+          </a:prstGeom>
+          <a:solidFill>
+            <a:schemeClr val="tx1"/>
+          </a:solidFill>
+          <a:ln>
+            <a:solidFill>
+              <a:schemeClr val="tx1"/>
+            </a:solidFill>
+          </a:ln>
+        </p:spPr>
+        <p:style>
+          <a:lnRef idx="2">
+            <a:schemeClr val="accent1">
+              <a:shade val="15000"/>
+            </a:schemeClr>
+          </a:lnRef>
+          <a:fillRef idx="1">
+            <a:schemeClr val="accent1"/>
+          </a:fillRef>
+          <a:effectRef idx="0">
+            <a:schemeClr val="accent1"/>
+          </a:effectRef>
+          <a:fontRef idx="minor">
+            <a:schemeClr val="lt1"/>
+          </a:fontRef>
+        </p:style>
+        <p:txBody>
+          <a:bodyPr rtlCol="0" anchor="ctr"/>
+          <a:lstStyle/>
+          <a:p>
+            <a:pPr algn="ctr"/>
+            <a:r>
+              <a:rPr lang="en-IN" dirty="0" err="1"/>
+              <a:t>NikeCasualShoe</a:t>
+            </a:r>
+            <a:endParaRPr lang="en-IN" dirty="0"/>
+          </a:p>
+        </p:txBody>
+      </p:sp>
+      <p:sp>
+        <p:nvSpPr>
+          <p:cNvPr id="13" name="Rectangle: Rounded Corners 12">
+            <a:extLst>
+              <a:ext uri="{FF2B5EF4-FFF2-40B4-BE49-F238E27FC236}">
+                <a16:creationId xmlns:a16="http://schemas.microsoft.com/office/drawing/2014/main" id="{0EF96605-3545-28FC-8B40-3992907DF5F8}"/>
+              </a:ext>
+            </a:extLst>
+          </p:cNvPr>
+          <p:cNvSpPr/>
+          <p:nvPr/>
+        </p:nvSpPr>
+        <p:spPr>
+          <a:xfrm>
+            <a:off x="9890554" y="5101408"/>
+            <a:ext cx="1839091" cy="434418"/>
+          </a:xfrm>
+          <a:prstGeom prst="roundRect">
+            <a:avLst/>
+          </a:prstGeom>
+          <a:solidFill>
+            <a:schemeClr val="tx1"/>
+          </a:solidFill>
+          <a:ln>
+            <a:solidFill>
+              <a:schemeClr val="tx1"/>
+            </a:solidFill>
+          </a:ln>
+        </p:spPr>
+        <p:style>
+          <a:lnRef idx="2">
+            <a:schemeClr val="accent1">
+              <a:shade val="15000"/>
+            </a:schemeClr>
+          </a:lnRef>
+          <a:fillRef idx="1">
+            <a:schemeClr val="accent1"/>
+          </a:fillRef>
+          <a:effectRef idx="0">
+            <a:schemeClr val="accent1"/>
+          </a:effectRef>
+          <a:fontRef idx="minor">
+            <a:schemeClr val="lt1"/>
+          </a:fontRef>
+        </p:style>
+        <p:txBody>
+          <a:bodyPr rtlCol="0" anchor="ctr"/>
+          <a:lstStyle/>
+          <a:p>
+            <a:pPr algn="ctr"/>
+            <a:r>
+              <a:rPr lang="en-IN" dirty="0" err="1"/>
+              <a:t>AdidasSportShoe</a:t>
+            </a:r>
+            <a:endParaRPr lang="en-IN" dirty="0"/>
+          </a:p>
+        </p:txBody>
+      </p:sp>
+      <p:cxnSp>
+        <p:nvCxnSpPr>
+          <p:cNvPr id="14" name="Straight Arrow Connector 13">
+            <a:extLst>
+              <a:ext uri="{FF2B5EF4-FFF2-40B4-BE49-F238E27FC236}">
+                <a16:creationId xmlns:a16="http://schemas.microsoft.com/office/drawing/2014/main" id="{24084213-D99A-1FE3-9C9F-360C0BB47343}"/>
+              </a:ext>
+            </a:extLst>
+          </p:cNvPr>
+          <p:cNvCxnSpPr>
+            <a:cxnSpLocks/>
+            <a:stCxn id="5" idx="2"/>
+            <a:endCxn id="6" idx="0"/>
+          </p:cNvCxnSpPr>
+          <p:nvPr/>
+        </p:nvCxnSpPr>
+        <p:spPr>
+          <a:xfrm flipH="1">
+            <a:off x="1938980" y="2423858"/>
+            <a:ext cx="4162167" cy="972189"/>
+          </a:xfrm>
+          <a:prstGeom prst="straightConnector1">
+            <a:avLst/>
+          </a:prstGeom>
+          <a:ln w="57150">
+            <a:solidFill>
+              <a:schemeClr val="tx1"/>
+            </a:solidFill>
+            <a:tailEnd type="triangle"/>
+          </a:ln>
+        </p:spPr>
+        <p:style>
+          <a:lnRef idx="1">
+            <a:schemeClr val="accent1"/>
+          </a:lnRef>
+          <a:fillRef idx="0">
+            <a:schemeClr val="accent1"/>
+          </a:fillRef>
+          <a:effectRef idx="0">
+            <a:schemeClr val="accent1"/>
+          </a:effectRef>
+          <a:fontRef idx="minor">
+            <a:schemeClr val="tx1"/>
+          </a:fontRef>
+        </p:style>
+      </p:cxnSp>
+      <p:cxnSp>
+        <p:nvCxnSpPr>
+          <p:cNvPr id="17" name="Straight Arrow Connector 16">
+            <a:extLst>
+              <a:ext uri="{FF2B5EF4-FFF2-40B4-BE49-F238E27FC236}">
+                <a16:creationId xmlns:a16="http://schemas.microsoft.com/office/drawing/2014/main" id="{901582A7-1B02-BF0C-4EE4-5097AA6F48A9}"/>
+              </a:ext>
+            </a:extLst>
+          </p:cNvPr>
+          <p:cNvCxnSpPr>
+            <a:cxnSpLocks/>
+            <a:stCxn id="5" idx="2"/>
+            <a:endCxn id="7" idx="0"/>
+          </p:cNvCxnSpPr>
+          <p:nvPr/>
+        </p:nvCxnSpPr>
+        <p:spPr>
+          <a:xfrm flipH="1">
+            <a:off x="4822738" y="2423858"/>
+            <a:ext cx="1278409" cy="1001020"/>
+          </a:xfrm>
+          <a:prstGeom prst="straightConnector1">
+            <a:avLst/>
+          </a:prstGeom>
+          <a:ln w="57150">
+            <a:solidFill>
+              <a:schemeClr val="tx1"/>
+            </a:solidFill>
+            <a:tailEnd type="triangle"/>
+          </a:ln>
+        </p:spPr>
+        <p:style>
+          <a:lnRef idx="1">
+            <a:schemeClr val="accent1"/>
+          </a:lnRef>
+          <a:fillRef idx="0">
+            <a:schemeClr val="accent1"/>
+          </a:fillRef>
+          <a:effectRef idx="0">
+            <a:schemeClr val="accent1"/>
+          </a:effectRef>
+          <a:fontRef idx="minor">
+            <a:schemeClr val="tx1"/>
+          </a:fontRef>
+        </p:style>
+      </p:cxnSp>
+      <p:cxnSp>
+        <p:nvCxnSpPr>
+          <p:cNvPr id="20" name="Straight Arrow Connector 19">
+            <a:extLst>
+              <a:ext uri="{FF2B5EF4-FFF2-40B4-BE49-F238E27FC236}">
+                <a16:creationId xmlns:a16="http://schemas.microsoft.com/office/drawing/2014/main" id="{228AE95B-4357-74CA-CDEE-6C06348C6A97}"/>
+              </a:ext>
+            </a:extLst>
+          </p:cNvPr>
+          <p:cNvCxnSpPr>
+            <a:cxnSpLocks/>
+            <a:stCxn id="5" idx="2"/>
+            <a:endCxn id="8" idx="0"/>
+          </p:cNvCxnSpPr>
+          <p:nvPr/>
+        </p:nvCxnSpPr>
+        <p:spPr>
+          <a:xfrm>
+            <a:off x="6101147" y="2423858"/>
+            <a:ext cx="3061388" cy="966009"/>
+          </a:xfrm>
+          <a:prstGeom prst="straightConnector1">
+            <a:avLst/>
+          </a:prstGeom>
+          <a:ln w="57150">
+            <a:solidFill>
+              <a:schemeClr val="tx1"/>
+            </a:solidFill>
+            <a:tailEnd type="triangle"/>
+          </a:ln>
+        </p:spPr>
+        <p:style>
+          <a:lnRef idx="1">
+            <a:schemeClr val="accent1"/>
+          </a:lnRef>
+          <a:fillRef idx="0">
+            <a:schemeClr val="accent1"/>
+          </a:fillRef>
+          <a:effectRef idx="0">
+            <a:schemeClr val="accent1"/>
+          </a:effectRef>
+          <a:fontRef idx="minor">
+            <a:schemeClr val="tx1"/>
+          </a:fontRef>
+        </p:style>
+      </p:cxnSp>
+      <p:cxnSp>
+        <p:nvCxnSpPr>
+          <p:cNvPr id="26" name="Straight Arrow Connector 25">
+            <a:extLst>
+              <a:ext uri="{FF2B5EF4-FFF2-40B4-BE49-F238E27FC236}">
+                <a16:creationId xmlns:a16="http://schemas.microsoft.com/office/drawing/2014/main" id="{FDD83BA9-BAEF-8585-CF3F-9DBF9BF3251B}"/>
+              </a:ext>
+            </a:extLst>
+          </p:cNvPr>
+          <p:cNvCxnSpPr>
+            <a:cxnSpLocks/>
             <a:stCxn id="8" idx="2"/>
             <a:endCxn id="13" idx="0"/>
           </p:cNvCxnSpPr>
@@ -7683,7 +8369,7 @@
 </p:sld>
 </file>
 
-<file path=ppt/slides/slide8.xml><?xml version="1.0" encoding="utf-8"?>
+<file path=ppt/slides/slide9.xml><?xml version="1.0" encoding="utf-8"?>
 <p:sld xmlns:a="http://schemas.openxmlformats.org/drawingml/2006/main" xmlns:r="http://schemas.openxmlformats.org/officeDocument/2006/relationships" xmlns:p="http://schemas.openxmlformats.org/presentationml/2006/main">
   <p:cSld>
     <p:spTree>
@@ -8490,593 +9176,6 @@
     <p:extLst>
       <p:ext uri="{BB962C8B-B14F-4D97-AF65-F5344CB8AC3E}">
         <p14:creationId xmlns:p14="http://schemas.microsoft.com/office/powerpoint/2010/main" val="4063388272"/>
-      </p:ext>
-    </p:extLst>
-  </p:cSld>
-  <p:clrMapOvr>
-    <a:masterClrMapping/>
-  </p:clrMapOvr>
-</p:sld>
-</file>
-
-<file path=ppt/slides/slide9.xml><?xml version="1.0" encoding="utf-8"?>
-<p:sld xmlns:a="http://schemas.openxmlformats.org/drawingml/2006/main" xmlns:r="http://schemas.openxmlformats.org/officeDocument/2006/relationships" xmlns:p="http://schemas.openxmlformats.org/presentationml/2006/main">
-  <p:cSld>
-    <p:spTree>
-      <p:nvGrpSpPr>
-        <p:cNvPr id="1" name=""/>
-        <p:cNvGrpSpPr/>
-        <p:nvPr/>
-      </p:nvGrpSpPr>
-      <p:grpSpPr>
-        <a:xfrm>
-          <a:off x="0" y="0"/>
-          <a:ext cx="0" cy="0"/>
-          <a:chOff x="0" y="0"/>
-          <a:chExt cx="0" cy="0"/>
-        </a:xfrm>
-      </p:grpSpPr>
-      <p:sp>
-        <p:nvSpPr>
-          <p:cNvPr id="2" name="Title 1">
-            <a:extLst>
-              <a:ext uri="{FF2B5EF4-FFF2-40B4-BE49-F238E27FC236}">
-                <a16:creationId xmlns:a16="http://schemas.microsoft.com/office/drawing/2014/main" id="{01A0F3F8-E359-FA82-4976-9554FA1B196D}"/>
-              </a:ext>
-            </a:extLst>
-          </p:cNvPr>
-          <p:cNvSpPr>
-            <a:spLocks noGrp="1"/>
-          </p:cNvSpPr>
-          <p:nvPr>
-            <p:ph type="title"/>
-          </p:nvPr>
-        </p:nvSpPr>
-        <p:spPr/>
-        <p:txBody>
-          <a:bodyPr/>
-          <a:lstStyle/>
-          <a:p>
-            <a:r>
-              <a:rPr lang="en-IN" dirty="0"/>
-              <a:t>Builder</a:t>
-            </a:r>
-          </a:p>
-        </p:txBody>
-      </p:sp>
-      <p:sp>
-        <p:nvSpPr>
-          <p:cNvPr id="4" name="Rectangle: Rounded Corners 3">
-            <a:extLst>
-              <a:ext uri="{FF2B5EF4-FFF2-40B4-BE49-F238E27FC236}">
-                <a16:creationId xmlns:a16="http://schemas.microsoft.com/office/drawing/2014/main" id="{41A67700-8F7D-C4EC-AB38-670F44B09764}"/>
-              </a:ext>
-            </a:extLst>
-          </p:cNvPr>
-          <p:cNvSpPr/>
-          <p:nvPr/>
-        </p:nvSpPr>
-        <p:spPr>
-          <a:xfrm>
-            <a:off x="4816045" y="1690688"/>
-            <a:ext cx="2559910" cy="1118417"/>
-          </a:xfrm>
-          <a:prstGeom prst="roundRect">
-            <a:avLst/>
-          </a:prstGeom>
-          <a:solidFill>
-            <a:schemeClr val="tx1"/>
-          </a:solidFill>
-          <a:ln>
-            <a:solidFill>
-              <a:schemeClr val="tx1"/>
-            </a:solidFill>
-          </a:ln>
-        </p:spPr>
-        <p:style>
-          <a:lnRef idx="2">
-            <a:schemeClr val="dk1">
-              <a:shade val="15000"/>
-            </a:schemeClr>
-          </a:lnRef>
-          <a:fillRef idx="1">
-            <a:schemeClr val="dk1"/>
-          </a:fillRef>
-          <a:effectRef idx="0">
-            <a:schemeClr val="dk1"/>
-          </a:effectRef>
-          <a:fontRef idx="minor">
-            <a:schemeClr val="lt1"/>
-          </a:fontRef>
-        </p:style>
-        <p:txBody>
-          <a:bodyPr rtlCol="0" anchor="ctr"/>
-          <a:lstStyle/>
-          <a:p>
-            <a:pPr marL="0" marR="0" lvl="0" indent="0" algn="ctr" defTabSz="914400" rtl="0" eaLnBrk="1" fontAlgn="auto" latinLnBrk="0" hangingPunct="1">
-              <a:lnSpc>
-                <a:spcPct val="100000"/>
-              </a:lnSpc>
-              <a:spcBef>
-                <a:spcPts val="0"/>
-              </a:spcBef>
-              <a:spcAft>
-                <a:spcPts val="0"/>
-              </a:spcAft>
-              <a:buClrTx/>
-              <a:buSzTx/>
-              <a:buFontTx/>
-              <a:buNone/>
-              <a:tabLst/>
-              <a:defRPr/>
-            </a:pPr>
-            <a:r>
-              <a:rPr kumimoji="0" lang="en-IN" sz="2800" b="0" i="0" u="none" strike="noStrike" kern="1200" cap="none" spc="0" normalizeH="0" baseline="0" noProof="0" dirty="0">
-                <a:ln>
-                  <a:noFill/>
-                </a:ln>
-                <a:solidFill>
-                  <a:prstClr val="white"/>
-                </a:solidFill>
-                <a:effectLst/>
-                <a:uLnTx/>
-                <a:uFillTx/>
-                <a:latin typeface="Calibri" panose="020F0502020204030204"/>
-                <a:ea typeface="+mn-ea"/>
-                <a:cs typeface="+mn-cs"/>
-              </a:rPr>
-              <a:t>Director</a:t>
-            </a:r>
-          </a:p>
-        </p:txBody>
-      </p:sp>
-      <p:sp>
-        <p:nvSpPr>
-          <p:cNvPr id="5" name="Rectangle: Rounded Corners 4">
-            <a:extLst>
-              <a:ext uri="{FF2B5EF4-FFF2-40B4-BE49-F238E27FC236}">
-                <a16:creationId xmlns:a16="http://schemas.microsoft.com/office/drawing/2014/main" id="{AC695B33-2653-9E8C-DBE8-49DD205BF4BE}"/>
-              </a:ext>
-            </a:extLst>
-          </p:cNvPr>
-          <p:cNvSpPr/>
-          <p:nvPr/>
-        </p:nvSpPr>
-        <p:spPr>
-          <a:xfrm>
-            <a:off x="4816045" y="4050098"/>
-            <a:ext cx="2559910" cy="1118417"/>
-          </a:xfrm>
-          <a:prstGeom prst="roundRect">
-            <a:avLst/>
-          </a:prstGeom>
-          <a:solidFill>
-            <a:schemeClr val="tx1"/>
-          </a:solidFill>
-          <a:ln>
-            <a:solidFill>
-              <a:schemeClr val="tx1"/>
-            </a:solidFill>
-          </a:ln>
-        </p:spPr>
-        <p:style>
-          <a:lnRef idx="2">
-            <a:schemeClr val="dk1">
-              <a:shade val="15000"/>
-            </a:schemeClr>
-          </a:lnRef>
-          <a:fillRef idx="1">
-            <a:schemeClr val="dk1"/>
-          </a:fillRef>
-          <a:effectRef idx="0">
-            <a:schemeClr val="dk1"/>
-          </a:effectRef>
-          <a:fontRef idx="minor">
-            <a:schemeClr val="lt1"/>
-          </a:fontRef>
-        </p:style>
-        <p:txBody>
-          <a:bodyPr rtlCol="0" anchor="ctr"/>
-          <a:lstStyle/>
-          <a:p>
-            <a:pPr marL="0" marR="0" lvl="0" indent="0" algn="ctr" defTabSz="914400" rtl="0" eaLnBrk="1" fontAlgn="auto" latinLnBrk="0" hangingPunct="1">
-              <a:lnSpc>
-                <a:spcPct val="100000"/>
-              </a:lnSpc>
-              <a:spcBef>
-                <a:spcPts val="0"/>
-              </a:spcBef>
-              <a:spcAft>
-                <a:spcPts val="0"/>
-              </a:spcAft>
-              <a:buClrTx/>
-              <a:buSzTx/>
-              <a:buFontTx/>
-              <a:buNone/>
-              <a:tabLst/>
-              <a:defRPr/>
-            </a:pPr>
-            <a:r>
-              <a:rPr kumimoji="0" lang="en-IN" sz="2000" b="0" i="0" u="none" strike="noStrike" kern="1200" cap="none" spc="0" normalizeH="0" baseline="0" noProof="0" dirty="0" err="1">
-                <a:ln>
-                  <a:noFill/>
-                </a:ln>
-                <a:solidFill>
-                  <a:prstClr val="white"/>
-                </a:solidFill>
-                <a:effectLst/>
-                <a:uLnTx/>
-                <a:uFillTx/>
-                <a:latin typeface="Calibri" panose="020F0502020204030204"/>
-                <a:ea typeface="+mn-ea"/>
-                <a:cs typeface="+mn-cs"/>
-              </a:rPr>
-              <a:t>CasualShoeBuilder</a:t>
-            </a:r>
-            <a:endParaRPr kumimoji="0" lang="en-IN" sz="2000" b="0" i="0" u="none" strike="noStrike" kern="1200" cap="none" spc="0" normalizeH="0" baseline="0" noProof="0" dirty="0">
-              <a:ln>
-                <a:noFill/>
-              </a:ln>
-              <a:solidFill>
-                <a:prstClr val="white"/>
-              </a:solidFill>
-              <a:effectLst/>
-              <a:uLnTx/>
-              <a:uFillTx/>
-              <a:latin typeface="Calibri" panose="020F0502020204030204"/>
-              <a:ea typeface="+mn-ea"/>
-              <a:cs typeface="+mn-cs"/>
-            </a:endParaRPr>
-          </a:p>
-        </p:txBody>
-      </p:sp>
-      <p:sp>
-        <p:nvSpPr>
-          <p:cNvPr id="6" name="Rectangle: Rounded Corners 5">
-            <a:extLst>
-              <a:ext uri="{FF2B5EF4-FFF2-40B4-BE49-F238E27FC236}">
-                <a16:creationId xmlns:a16="http://schemas.microsoft.com/office/drawing/2014/main" id="{6132F345-5C9E-8AEA-251E-C7A6E419DAF5}"/>
-              </a:ext>
-            </a:extLst>
-          </p:cNvPr>
-          <p:cNvSpPr/>
-          <p:nvPr/>
-        </p:nvSpPr>
-        <p:spPr>
-          <a:xfrm>
-            <a:off x="838200" y="4050097"/>
-            <a:ext cx="2559910" cy="1118417"/>
-          </a:xfrm>
-          <a:prstGeom prst="roundRect">
-            <a:avLst/>
-          </a:prstGeom>
-          <a:solidFill>
-            <a:schemeClr val="tx1"/>
-          </a:solidFill>
-          <a:ln>
-            <a:solidFill>
-              <a:schemeClr val="tx1"/>
-            </a:solidFill>
-          </a:ln>
-        </p:spPr>
-        <p:style>
-          <a:lnRef idx="2">
-            <a:schemeClr val="dk1">
-              <a:shade val="15000"/>
-            </a:schemeClr>
-          </a:lnRef>
-          <a:fillRef idx="1">
-            <a:schemeClr val="dk1"/>
-          </a:fillRef>
-          <a:effectRef idx="0">
-            <a:schemeClr val="dk1"/>
-          </a:effectRef>
-          <a:fontRef idx="minor">
-            <a:schemeClr val="lt1"/>
-          </a:fontRef>
-        </p:style>
-        <p:txBody>
-          <a:bodyPr rtlCol="0" anchor="ctr"/>
-          <a:lstStyle/>
-          <a:p>
-            <a:pPr marL="0" marR="0" lvl="0" indent="0" algn="ctr" defTabSz="914400" rtl="0" eaLnBrk="1" fontAlgn="auto" latinLnBrk="0" hangingPunct="1">
-              <a:lnSpc>
-                <a:spcPct val="100000"/>
-              </a:lnSpc>
-              <a:spcBef>
-                <a:spcPts val="0"/>
-              </a:spcBef>
-              <a:spcAft>
-                <a:spcPts val="0"/>
-              </a:spcAft>
-              <a:buClrTx/>
-              <a:buSzTx/>
-              <a:buFontTx/>
-              <a:buNone/>
-              <a:tabLst/>
-              <a:defRPr/>
-            </a:pPr>
-            <a:r>
-              <a:rPr kumimoji="0" lang="en-IN" sz="2000" b="0" i="0" u="none" strike="noStrike" kern="1200" cap="none" spc="0" normalizeH="0" baseline="0" noProof="0" dirty="0" err="1">
-                <a:ln>
-                  <a:noFill/>
-                </a:ln>
-                <a:solidFill>
-                  <a:prstClr val="white"/>
-                </a:solidFill>
-                <a:effectLst/>
-                <a:uLnTx/>
-                <a:uFillTx/>
-                <a:latin typeface="Calibri" panose="020F0502020204030204"/>
-                <a:ea typeface="+mn-ea"/>
-                <a:cs typeface="+mn-cs"/>
-              </a:rPr>
-              <a:t>FormalShoeBuilder</a:t>
-            </a:r>
-            <a:endParaRPr kumimoji="0" lang="en-IN" sz="2000" b="0" i="0" u="none" strike="noStrike" kern="1200" cap="none" spc="0" normalizeH="0" baseline="0" noProof="0" dirty="0">
-              <a:ln>
-                <a:noFill/>
-              </a:ln>
-              <a:solidFill>
-                <a:prstClr val="white"/>
-              </a:solidFill>
-              <a:effectLst/>
-              <a:uLnTx/>
-              <a:uFillTx/>
-              <a:latin typeface="Calibri" panose="020F0502020204030204"/>
-              <a:ea typeface="+mn-ea"/>
-              <a:cs typeface="+mn-cs"/>
-            </a:endParaRPr>
-          </a:p>
-        </p:txBody>
-      </p:sp>
-      <p:sp>
-        <p:nvSpPr>
-          <p:cNvPr id="7" name="Rectangle: Rounded Corners 6">
-            <a:extLst>
-              <a:ext uri="{FF2B5EF4-FFF2-40B4-BE49-F238E27FC236}">
-                <a16:creationId xmlns:a16="http://schemas.microsoft.com/office/drawing/2014/main" id="{ACB1EA2E-1285-858F-0CA7-E57433991C8F}"/>
-              </a:ext>
-            </a:extLst>
-          </p:cNvPr>
-          <p:cNvSpPr/>
-          <p:nvPr/>
-        </p:nvSpPr>
-        <p:spPr>
-          <a:xfrm>
-            <a:off x="8793890" y="4050097"/>
-            <a:ext cx="2559910" cy="1118417"/>
-          </a:xfrm>
-          <a:prstGeom prst="roundRect">
-            <a:avLst/>
-          </a:prstGeom>
-          <a:solidFill>
-            <a:schemeClr val="tx1"/>
-          </a:solidFill>
-          <a:ln>
-            <a:solidFill>
-              <a:schemeClr val="tx1"/>
-            </a:solidFill>
-          </a:ln>
-        </p:spPr>
-        <p:style>
-          <a:lnRef idx="2">
-            <a:schemeClr val="dk1">
-              <a:shade val="15000"/>
-            </a:schemeClr>
-          </a:lnRef>
-          <a:fillRef idx="1">
-            <a:schemeClr val="dk1"/>
-          </a:fillRef>
-          <a:effectRef idx="0">
-            <a:schemeClr val="dk1"/>
-          </a:effectRef>
-          <a:fontRef idx="minor">
-            <a:schemeClr val="lt1"/>
-          </a:fontRef>
-        </p:style>
-        <p:txBody>
-          <a:bodyPr rtlCol="0" anchor="ctr"/>
-          <a:lstStyle/>
-          <a:p>
-            <a:pPr marL="0" marR="0" lvl="0" indent="0" algn="ctr" defTabSz="914400" rtl="0" eaLnBrk="1" fontAlgn="auto" latinLnBrk="0" hangingPunct="1">
-              <a:lnSpc>
-                <a:spcPct val="100000"/>
-              </a:lnSpc>
-              <a:spcBef>
-                <a:spcPts val="0"/>
-              </a:spcBef>
-              <a:spcAft>
-                <a:spcPts val="0"/>
-              </a:spcAft>
-              <a:buClrTx/>
-              <a:buSzTx/>
-              <a:buFontTx/>
-              <a:buNone/>
-              <a:tabLst/>
-              <a:defRPr/>
-            </a:pPr>
-            <a:r>
-              <a:rPr kumimoji="0" lang="en-IN" sz="2000" b="0" i="0" u="none" strike="noStrike" kern="1200" cap="none" spc="0" normalizeH="0" baseline="0" noProof="0" dirty="0" err="1">
-                <a:ln>
-                  <a:noFill/>
-                </a:ln>
-                <a:solidFill>
-                  <a:prstClr val="white"/>
-                </a:solidFill>
-                <a:effectLst/>
-                <a:uLnTx/>
-                <a:uFillTx/>
-                <a:latin typeface="Calibri" panose="020F0502020204030204"/>
-                <a:ea typeface="+mn-ea"/>
-                <a:cs typeface="+mn-cs"/>
-              </a:rPr>
-              <a:t>SportShoeBuilder</a:t>
-            </a:r>
-            <a:endParaRPr kumimoji="0" lang="en-IN" sz="2000" b="0" i="0" u="none" strike="noStrike" kern="1200" cap="none" spc="0" normalizeH="0" baseline="0" noProof="0" dirty="0">
-              <a:ln>
-                <a:noFill/>
-              </a:ln>
-              <a:solidFill>
-                <a:prstClr val="white"/>
-              </a:solidFill>
-              <a:effectLst/>
-              <a:uLnTx/>
-              <a:uFillTx/>
-              <a:latin typeface="Calibri" panose="020F0502020204030204"/>
-              <a:ea typeface="+mn-ea"/>
-              <a:cs typeface="+mn-cs"/>
-            </a:endParaRPr>
-          </a:p>
-        </p:txBody>
-      </p:sp>
-      <p:cxnSp>
-        <p:nvCxnSpPr>
-          <p:cNvPr id="9" name="Connector: Curved 8">
-            <a:extLst>
-              <a:ext uri="{FF2B5EF4-FFF2-40B4-BE49-F238E27FC236}">
-                <a16:creationId xmlns:a16="http://schemas.microsoft.com/office/drawing/2014/main" id="{6AB02DD9-1D06-0636-CC80-FA5C062CB272}"/>
-              </a:ext>
-            </a:extLst>
-          </p:cNvPr>
-          <p:cNvCxnSpPr>
-            <a:cxnSpLocks/>
-            <a:stCxn id="6" idx="0"/>
-            <a:endCxn id="4" idx="1"/>
-          </p:cNvCxnSpPr>
-          <p:nvPr/>
-        </p:nvCxnSpPr>
-        <p:spPr>
-          <a:xfrm rot="5400000" flipH="1" flipV="1">
-            <a:off x="2567000" y="1801052"/>
-            <a:ext cx="1800200" cy="2697890"/>
-          </a:xfrm>
-          <a:prstGeom prst="curvedConnector2">
-            <a:avLst/>
-          </a:prstGeom>
-          <a:ln w="57150">
-            <a:solidFill>
-              <a:schemeClr val="tx1"/>
-            </a:solidFill>
-            <a:headEnd type="none" w="med" len="med"/>
-            <a:tailEnd type="arrow" w="med" len="med"/>
-          </a:ln>
-        </p:spPr>
-        <p:style>
-          <a:lnRef idx="1">
-            <a:schemeClr val="accent1"/>
-          </a:lnRef>
-          <a:fillRef idx="0">
-            <a:schemeClr val="accent1"/>
-          </a:fillRef>
-          <a:effectRef idx="0">
-            <a:schemeClr val="accent1"/>
-          </a:effectRef>
-          <a:fontRef idx="minor">
-            <a:schemeClr val="tx1"/>
-          </a:fontRef>
-        </p:style>
-      </p:cxnSp>
-      <p:cxnSp>
-        <p:nvCxnSpPr>
-          <p:cNvPr id="11" name="Connector: Curved 10">
-            <a:extLst>
-              <a:ext uri="{FF2B5EF4-FFF2-40B4-BE49-F238E27FC236}">
-                <a16:creationId xmlns:a16="http://schemas.microsoft.com/office/drawing/2014/main" id="{20C37292-C0FA-2332-715B-AE611AFB38DC}"/>
-              </a:ext>
-            </a:extLst>
-          </p:cNvPr>
-          <p:cNvCxnSpPr>
-            <a:cxnSpLocks/>
-            <a:stCxn id="5" idx="0"/>
-            <a:endCxn id="4" idx="2"/>
-          </p:cNvCxnSpPr>
-          <p:nvPr/>
-        </p:nvCxnSpPr>
-        <p:spPr>
-          <a:xfrm rot="5400000" flipH="1" flipV="1">
-            <a:off x="5475504" y="3429602"/>
-            <a:ext cx="1240993" cy="12700"/>
-          </a:xfrm>
-          <a:prstGeom prst="curvedConnector3">
-            <a:avLst>
-              <a:gd name="adj1" fmla="val 50000"/>
-            </a:avLst>
-          </a:prstGeom>
-          <a:ln w="57150">
-            <a:solidFill>
-              <a:schemeClr val="tx1"/>
-            </a:solidFill>
-            <a:headEnd type="none" w="med" len="med"/>
-            <a:tailEnd type="arrow" w="med" len="med"/>
-          </a:ln>
-        </p:spPr>
-        <p:style>
-          <a:lnRef idx="1">
-            <a:schemeClr val="accent1"/>
-          </a:lnRef>
-          <a:fillRef idx="0">
-            <a:schemeClr val="accent1"/>
-          </a:fillRef>
-          <a:effectRef idx="0">
-            <a:schemeClr val="accent1"/>
-          </a:effectRef>
-          <a:fontRef idx="minor">
-            <a:schemeClr val="tx1"/>
-          </a:fontRef>
-        </p:style>
-      </p:cxnSp>
-      <p:cxnSp>
-        <p:nvCxnSpPr>
-          <p:cNvPr id="14" name="Connector: Curved 13">
-            <a:extLst>
-              <a:ext uri="{FF2B5EF4-FFF2-40B4-BE49-F238E27FC236}">
-                <a16:creationId xmlns:a16="http://schemas.microsoft.com/office/drawing/2014/main" id="{DA7C8825-63BD-0649-A57B-9D71206C6090}"/>
-              </a:ext>
-            </a:extLst>
-          </p:cNvPr>
-          <p:cNvCxnSpPr>
-            <a:cxnSpLocks/>
-            <a:stCxn id="7" idx="0"/>
-            <a:endCxn id="4" idx="3"/>
-          </p:cNvCxnSpPr>
-          <p:nvPr/>
-        </p:nvCxnSpPr>
-        <p:spPr>
-          <a:xfrm rot="16200000" flipV="1">
-            <a:off x="7824800" y="1801052"/>
-            <a:ext cx="1800200" cy="2697890"/>
-          </a:xfrm>
-          <a:prstGeom prst="curvedConnector2">
-            <a:avLst/>
-          </a:prstGeom>
-          <a:ln w="57150">
-            <a:solidFill>
-              <a:schemeClr val="tx1"/>
-            </a:solidFill>
-            <a:headEnd type="none" w="med" len="med"/>
-            <a:tailEnd type="arrow" w="med" len="med"/>
-          </a:ln>
-        </p:spPr>
-        <p:style>
-          <a:lnRef idx="1">
-            <a:schemeClr val="accent1"/>
-          </a:lnRef>
-          <a:fillRef idx="0">
-            <a:schemeClr val="accent1"/>
-          </a:fillRef>
-          <a:effectRef idx="0">
-            <a:schemeClr val="accent1"/>
-          </a:effectRef>
-          <a:fontRef idx="minor">
-            <a:schemeClr val="tx1"/>
-          </a:fontRef>
-        </p:style>
-      </p:cxnSp>
-    </p:spTree>
-    <p:extLst>
-      <p:ext uri="{BB962C8B-B14F-4D97-AF65-F5344CB8AC3E}">
-        <p14:creationId xmlns:p14="http://schemas.microsoft.com/office/powerpoint/2010/main" val="3077424333"/>
       </p:ext>
     </p:extLst>
   </p:cSld>

--- a/Design Patterns.pptx
+++ b/Design Patterns.pptx
@@ -214,7 +214,7 @@
           <a:p>
             <a:fld id="{A0AA705F-E206-4F94-A69A-F50A59FBE0C1}" type="datetimeFigureOut">
               <a:rPr lang="en-IN" smtClean="0"/>
-              <a:t>11-09-2024</a:t>
+              <a:t>13-09-2024</a:t>
             </a:fld>
             <a:endParaRPr lang="en-IN"/>
           </a:p>
@@ -895,7 +895,7 @@
           <a:p>
             <a:fld id="{E44E0BB5-29C2-425A-849D-FCC9BFC3DA79}" type="datetimeFigureOut">
               <a:rPr lang="en-IN" smtClean="0"/>
-              <a:t>11-09-2024</a:t>
+              <a:t>13-09-2024</a:t>
             </a:fld>
             <a:endParaRPr lang="en-IN"/>
           </a:p>
@@ -1095,7 +1095,7 @@
           <a:p>
             <a:fld id="{E44E0BB5-29C2-425A-849D-FCC9BFC3DA79}" type="datetimeFigureOut">
               <a:rPr lang="en-IN" smtClean="0"/>
-              <a:t>11-09-2024</a:t>
+              <a:t>13-09-2024</a:t>
             </a:fld>
             <a:endParaRPr lang="en-IN"/>
           </a:p>
@@ -1305,7 +1305,7 @@
           <a:p>
             <a:fld id="{E44E0BB5-29C2-425A-849D-FCC9BFC3DA79}" type="datetimeFigureOut">
               <a:rPr lang="en-IN" smtClean="0"/>
-              <a:t>11-09-2024</a:t>
+              <a:t>13-09-2024</a:t>
             </a:fld>
             <a:endParaRPr lang="en-IN"/>
           </a:p>
@@ -1505,7 +1505,7 @@
           <a:p>
             <a:fld id="{E44E0BB5-29C2-425A-849D-FCC9BFC3DA79}" type="datetimeFigureOut">
               <a:rPr lang="en-IN" smtClean="0"/>
-              <a:t>11-09-2024</a:t>
+              <a:t>13-09-2024</a:t>
             </a:fld>
             <a:endParaRPr lang="en-IN"/>
           </a:p>
@@ -1781,7 +1781,7 @@
           <a:p>
             <a:fld id="{E44E0BB5-29C2-425A-849D-FCC9BFC3DA79}" type="datetimeFigureOut">
               <a:rPr lang="en-IN" smtClean="0"/>
-              <a:t>11-09-2024</a:t>
+              <a:t>13-09-2024</a:t>
             </a:fld>
             <a:endParaRPr lang="en-IN"/>
           </a:p>
@@ -2049,7 +2049,7 @@
           <a:p>
             <a:fld id="{E44E0BB5-29C2-425A-849D-FCC9BFC3DA79}" type="datetimeFigureOut">
               <a:rPr lang="en-IN" smtClean="0"/>
-              <a:t>11-09-2024</a:t>
+              <a:t>13-09-2024</a:t>
             </a:fld>
             <a:endParaRPr lang="en-IN"/>
           </a:p>
@@ -2464,7 +2464,7 @@
           <a:p>
             <a:fld id="{E44E0BB5-29C2-425A-849D-FCC9BFC3DA79}" type="datetimeFigureOut">
               <a:rPr lang="en-IN" smtClean="0"/>
-              <a:t>11-09-2024</a:t>
+              <a:t>13-09-2024</a:t>
             </a:fld>
             <a:endParaRPr lang="en-IN"/>
           </a:p>
@@ -2606,7 +2606,7 @@
           <a:p>
             <a:fld id="{E44E0BB5-29C2-425A-849D-FCC9BFC3DA79}" type="datetimeFigureOut">
               <a:rPr lang="en-IN" smtClean="0"/>
-              <a:t>11-09-2024</a:t>
+              <a:t>13-09-2024</a:t>
             </a:fld>
             <a:endParaRPr lang="en-IN"/>
           </a:p>
@@ -2719,7 +2719,7 @@
           <a:p>
             <a:fld id="{E44E0BB5-29C2-425A-849D-FCC9BFC3DA79}" type="datetimeFigureOut">
               <a:rPr lang="en-IN" smtClean="0"/>
-              <a:t>11-09-2024</a:t>
+              <a:t>13-09-2024</a:t>
             </a:fld>
             <a:endParaRPr lang="en-IN"/>
           </a:p>
@@ -3032,7 +3032,7 @@
           <a:p>
             <a:fld id="{E44E0BB5-29C2-425A-849D-FCC9BFC3DA79}" type="datetimeFigureOut">
               <a:rPr lang="en-IN" smtClean="0"/>
-              <a:t>11-09-2024</a:t>
+              <a:t>13-09-2024</a:t>
             </a:fld>
             <a:endParaRPr lang="en-IN"/>
           </a:p>
@@ -3321,7 +3321,7 @@
           <a:p>
             <a:fld id="{E44E0BB5-29C2-425A-849D-FCC9BFC3DA79}" type="datetimeFigureOut">
               <a:rPr lang="en-IN" smtClean="0"/>
-              <a:t>11-09-2024</a:t>
+              <a:t>13-09-2024</a:t>
             </a:fld>
             <a:endParaRPr lang="en-IN"/>
           </a:p>
@@ -3564,7 +3564,7 @@
           <a:p>
             <a:fld id="{E44E0BB5-29C2-425A-849D-FCC9BFC3DA79}" type="datetimeFigureOut">
               <a:rPr lang="en-IN" smtClean="0"/>
-              <a:t>11-09-2024</a:t>
+              <a:t>13-09-2024</a:t>
             </a:fld>
             <a:endParaRPr lang="en-IN"/>
           </a:p>
@@ -5473,38 +5473,49 @@
           <a:p>
             <a:r>
               <a:rPr lang="en-IN" dirty="0"/>
-              <a:t>Adapter</a:t>
+              <a:t>Adapter – connecting incompatible objects</a:t>
             </a:r>
           </a:p>
           <a:p>
             <a:r>
               <a:rPr lang="en-IN" dirty="0"/>
-              <a:t>Bridge</a:t>
+              <a:t>Bridge – split large class; separate abstraction and implementation</a:t>
             </a:r>
           </a:p>
           <a:p>
             <a:r>
               <a:rPr lang="en-IN" dirty="0"/>
-              <a:t>Composite</a:t>
+              <a:t>Composite – inheritance on repeat</a:t>
             </a:r>
           </a:p>
           <a:p>
             <a:r>
               <a:rPr lang="en-IN" dirty="0"/>
-              <a:t>Decorator</a:t>
+              <a:t>Decorator - wrapper</a:t>
             </a:r>
           </a:p>
           <a:p>
             <a:r>
               <a:rPr lang="en-IN" dirty="0"/>
-              <a:t>Facade Flyweight</a:t>
+              <a:t>Façade – simplified interface for complex set of classes</a:t>
             </a:r>
           </a:p>
           <a:p>
             <a:r>
               <a:rPr lang="en-IN" dirty="0"/>
-              <a:t>Proxy</a:t>
-            </a:r>
+              <a:t>Flyweight – share common data between multiple objects</a:t>
+            </a:r>
+          </a:p>
+          <a:p>
+            <a:r>
+              <a:rPr lang="en-IN" dirty="0"/>
+              <a:t>Proxy – middleware that controls access to </a:t>
+            </a:r>
+            <a:r>
+              <a:rPr lang="en-IN"/>
+              <a:t>original object</a:t>
+            </a:r>
+            <a:endParaRPr lang="en-IN" dirty="0"/>
           </a:p>
           <a:p>
             <a:endParaRPr lang="en-IN" dirty="0"/>

--- a/Design Patterns.pptx
+++ b/Design Patterns.pptx
@@ -214,7 +214,7 @@
           <a:p>
             <a:fld id="{A0AA705F-E206-4F94-A69A-F50A59FBE0C1}" type="datetimeFigureOut">
               <a:rPr lang="en-IN" smtClean="0"/>
-              <a:t>13-09-2024</a:t>
+              <a:t>13-12-2024</a:t>
             </a:fld>
             <a:endParaRPr lang="en-IN"/>
           </a:p>
@@ -895,7 +895,7 @@
           <a:p>
             <a:fld id="{E44E0BB5-29C2-425A-849D-FCC9BFC3DA79}" type="datetimeFigureOut">
               <a:rPr lang="en-IN" smtClean="0"/>
-              <a:t>13-09-2024</a:t>
+              <a:t>13-12-2024</a:t>
             </a:fld>
             <a:endParaRPr lang="en-IN"/>
           </a:p>
@@ -1095,7 +1095,7 @@
           <a:p>
             <a:fld id="{E44E0BB5-29C2-425A-849D-FCC9BFC3DA79}" type="datetimeFigureOut">
               <a:rPr lang="en-IN" smtClean="0"/>
-              <a:t>13-09-2024</a:t>
+              <a:t>13-12-2024</a:t>
             </a:fld>
             <a:endParaRPr lang="en-IN"/>
           </a:p>
@@ -1305,7 +1305,7 @@
           <a:p>
             <a:fld id="{E44E0BB5-29C2-425A-849D-FCC9BFC3DA79}" type="datetimeFigureOut">
               <a:rPr lang="en-IN" smtClean="0"/>
-              <a:t>13-09-2024</a:t>
+              <a:t>13-12-2024</a:t>
             </a:fld>
             <a:endParaRPr lang="en-IN"/>
           </a:p>
@@ -1505,7 +1505,7 @@
           <a:p>
             <a:fld id="{E44E0BB5-29C2-425A-849D-FCC9BFC3DA79}" type="datetimeFigureOut">
               <a:rPr lang="en-IN" smtClean="0"/>
-              <a:t>13-09-2024</a:t>
+              <a:t>13-12-2024</a:t>
             </a:fld>
             <a:endParaRPr lang="en-IN"/>
           </a:p>
@@ -1781,7 +1781,7 @@
           <a:p>
             <a:fld id="{E44E0BB5-29C2-425A-849D-FCC9BFC3DA79}" type="datetimeFigureOut">
               <a:rPr lang="en-IN" smtClean="0"/>
-              <a:t>13-09-2024</a:t>
+              <a:t>13-12-2024</a:t>
             </a:fld>
             <a:endParaRPr lang="en-IN"/>
           </a:p>
@@ -2049,7 +2049,7 @@
           <a:p>
             <a:fld id="{E44E0BB5-29C2-425A-849D-FCC9BFC3DA79}" type="datetimeFigureOut">
               <a:rPr lang="en-IN" smtClean="0"/>
-              <a:t>13-09-2024</a:t>
+              <a:t>13-12-2024</a:t>
             </a:fld>
             <a:endParaRPr lang="en-IN"/>
           </a:p>
@@ -2464,7 +2464,7 @@
           <a:p>
             <a:fld id="{E44E0BB5-29C2-425A-849D-FCC9BFC3DA79}" type="datetimeFigureOut">
               <a:rPr lang="en-IN" smtClean="0"/>
-              <a:t>13-09-2024</a:t>
+              <a:t>13-12-2024</a:t>
             </a:fld>
             <a:endParaRPr lang="en-IN"/>
           </a:p>
@@ -2606,7 +2606,7 @@
           <a:p>
             <a:fld id="{E44E0BB5-29C2-425A-849D-FCC9BFC3DA79}" type="datetimeFigureOut">
               <a:rPr lang="en-IN" smtClean="0"/>
-              <a:t>13-09-2024</a:t>
+              <a:t>13-12-2024</a:t>
             </a:fld>
             <a:endParaRPr lang="en-IN"/>
           </a:p>
@@ -2719,7 +2719,7 @@
           <a:p>
             <a:fld id="{E44E0BB5-29C2-425A-849D-FCC9BFC3DA79}" type="datetimeFigureOut">
               <a:rPr lang="en-IN" smtClean="0"/>
-              <a:t>13-09-2024</a:t>
+              <a:t>13-12-2024</a:t>
             </a:fld>
             <a:endParaRPr lang="en-IN"/>
           </a:p>
@@ -3032,7 +3032,7 @@
           <a:p>
             <a:fld id="{E44E0BB5-29C2-425A-849D-FCC9BFC3DA79}" type="datetimeFigureOut">
               <a:rPr lang="en-IN" smtClean="0"/>
-              <a:t>13-09-2024</a:t>
+              <a:t>13-12-2024</a:t>
             </a:fld>
             <a:endParaRPr lang="en-IN"/>
           </a:p>
@@ -3321,7 +3321,7 @@
           <a:p>
             <a:fld id="{E44E0BB5-29C2-425A-849D-FCC9BFC3DA79}" type="datetimeFigureOut">
               <a:rPr lang="en-IN" smtClean="0"/>
-              <a:t>13-09-2024</a:t>
+              <a:t>13-12-2024</a:t>
             </a:fld>
             <a:endParaRPr lang="en-IN"/>
           </a:p>
@@ -3564,7 +3564,7 @@
           <a:p>
             <a:fld id="{E44E0BB5-29C2-425A-849D-FCC9BFC3DA79}" type="datetimeFigureOut">
               <a:rPr lang="en-IN" smtClean="0"/>
-              <a:t>13-09-2024</a:t>
+              <a:t>13-12-2024</a:t>
             </a:fld>
             <a:endParaRPr lang="en-IN"/>
           </a:p>
@@ -5605,20 +5605,19 @@
           <a:p>
             <a:r>
               <a:rPr lang="en-IN" dirty="0"/>
-              <a:t>Chain of Responsibility</a:t>
-            </a:r>
-          </a:p>
-          <a:p>
-            <a:r>
-              <a:rPr lang="en-IN" dirty="0" err="1"/>
-              <a:t>Comman</a:t>
-            </a:r>
-            <a:endParaRPr lang="en-IN" dirty="0"/>
+              <a:t>Chain of Responsibility – divide a task into series of sub-tasks</a:t>
+            </a:r>
           </a:p>
           <a:p>
             <a:r>
               <a:rPr lang="en-IN" dirty="0"/>
-              <a:t>Iterator</a:t>
+              <a:t>Command – UI is independent of backend</a:t>
+            </a:r>
+          </a:p>
+          <a:p>
+            <a:r>
+              <a:rPr lang="en-IN" dirty="0"/>
+              <a:t>Iterator – abstract traversal of a collection</a:t>
             </a:r>
           </a:p>
           <a:p>
@@ -5857,15 +5856,34 @@
           <a:lstStyle/>
           <a:p>
             <a:r>
+              <a:rPr lang="en-IN" b="1" dirty="0"/>
+              <a:t>Factory Method </a:t>
+            </a:r>
+            <a:r>
               <a:rPr lang="en-IN" dirty="0"/>
-              <a:t>Factory Method - provides an interface for creating objects in a superclass, but allows subclasses to alter the type of objects that will be created. It uses inheritance and relies on a subclass to handle the desired object instantiation.</a:t>
-            </a:r>
-          </a:p>
-          <a:p>
+              <a:t>- provides an interface for creating object(s) of a single type in a superclass, but allows subclasses to alter the type of object that will be created. It uses inheritance and relies on a subclass to handle the desired object instantiation.</a:t>
+            </a:r>
+          </a:p>
+          <a:p>
+            <a:r>
+              <a:rPr lang="en-IN" b="1" dirty="0"/>
+              <a:t>Abstract Factory </a:t>
+            </a:r>
             <a:r>
               <a:rPr lang="en-IN" dirty="0"/>
-              <a:t>Abstract Factory - produce families of related objects without specifying their concrete classes. A class delegates the responsibility of object instantiation to another object via composition.</a:t>
-            </a:r>
+              <a:t>- produce families of related objects without specifying their concrete classes. A class delegates the responsibility of object instantiation to another object via composition.</a:t>
+            </a:r>
+          </a:p>
+          <a:p>
+            <a:r>
+              <a:rPr lang="en-IN" dirty="0"/>
+              <a:t>Abstract Factory classes use Factory Methods within, which then can use Prototype pattern to </a:t>
+            </a:r>
+            <a:r>
+              <a:rPr lang="en-IN"/>
+              <a:t>create objects.</a:t>
+            </a:r>
+            <a:endParaRPr lang="en-IN" dirty="0"/>
           </a:p>
         </p:txBody>
       </p:sp>
@@ -5951,20 +5969,32 @@
           <a:lstStyle/>
           <a:p>
             <a:r>
+              <a:rPr lang="en-IN" b="1" dirty="0"/>
+              <a:t>Builder</a:t>
+            </a:r>
+            <a:r>
               <a:rPr lang="en-IN" dirty="0"/>
-              <a:t>Builder - construct complex objects step by step. Produce different types and representations of an object using the same construction code.</a:t>
-            </a:r>
-          </a:p>
-          <a:p>
+              <a:t> - construct complex objects step by step. Produce different types and representations of an object using the same construction code.</a:t>
+            </a:r>
+          </a:p>
+          <a:p>
+            <a:r>
+              <a:rPr lang="en-IN" b="1" dirty="0"/>
+              <a:t>Prototype </a:t>
+            </a:r>
             <a:r>
               <a:rPr lang="en-IN" dirty="0"/>
-              <a:t>Prototype - copy existing objects without making your code dependent on their classes. Useful alternative to subclassing, when subclasses differ very slightly, clone the parent and then adjust few properties.</a:t>
-            </a:r>
-          </a:p>
-          <a:p>
+              <a:t>- copy existing objects without making your code dependent on their classes. Useful alternative to subclassing, when subclasses differ very slightly, clone the parent and then adjust few properties.</a:t>
+            </a:r>
+          </a:p>
+          <a:p>
+            <a:r>
+              <a:rPr lang="en-IN" b="1" dirty="0"/>
+              <a:t>Singleton</a:t>
+            </a:r>
             <a:r>
               <a:rPr lang="en-IN" dirty="0"/>
-              <a:t>Singleton - ensure that a class has only one instance, while providing a global access point to this instance.</a:t>
+              <a:t> - ensure that a class has only one instance, while providing a global access point to this instance.</a:t>
             </a:r>
           </a:p>
         </p:txBody>
